--- a/photo/map.pptx
+++ b/photo/map.pptx
@@ -6,7 +6,6 @@
   </p:sldMasterIdLst>
   <p:sldIdLst>
     <p:sldId id="256" r:id="rId2"/>
-    <p:sldId id="257" r:id="rId3"/>
   </p:sldIdLst>
   <p:sldSz cx="12192000" cy="6858000"/>
   <p:notesSz cx="6858000" cy="9144000"/>
@@ -255,7 +254,7 @@
           <a:p>
             <a:fld id="{FDC60B7F-8E4C-44BF-8D08-988AC1B0CC38}" type="datetimeFigureOut">
               <a:rPr lang="en-US" smtClean="0"/>
-              <a:t>8/24/2021</a:t>
+              <a:t>9/3/2021</a:t>
             </a:fld>
             <a:endParaRPr lang="en-US"/>
           </a:p>
@@ -425,7 +424,7 @@
           <a:p>
             <a:fld id="{FDC60B7F-8E4C-44BF-8D08-988AC1B0CC38}" type="datetimeFigureOut">
               <a:rPr lang="en-US" smtClean="0"/>
-              <a:t>8/24/2021</a:t>
+              <a:t>9/3/2021</a:t>
             </a:fld>
             <a:endParaRPr lang="en-US"/>
           </a:p>
@@ -605,7 +604,7 @@
           <a:p>
             <a:fld id="{FDC60B7F-8E4C-44BF-8D08-988AC1B0CC38}" type="datetimeFigureOut">
               <a:rPr lang="en-US" smtClean="0"/>
-              <a:t>8/24/2021</a:t>
+              <a:t>9/3/2021</a:t>
             </a:fld>
             <a:endParaRPr lang="en-US"/>
           </a:p>
@@ -775,7 +774,7 @@
           <a:p>
             <a:fld id="{FDC60B7F-8E4C-44BF-8D08-988AC1B0CC38}" type="datetimeFigureOut">
               <a:rPr lang="en-US" smtClean="0"/>
-              <a:t>8/24/2021</a:t>
+              <a:t>9/3/2021</a:t>
             </a:fld>
             <a:endParaRPr lang="en-US"/>
           </a:p>
@@ -1021,7 +1020,7 @@
           <a:p>
             <a:fld id="{FDC60B7F-8E4C-44BF-8D08-988AC1B0CC38}" type="datetimeFigureOut">
               <a:rPr lang="en-US" smtClean="0"/>
-              <a:t>8/24/2021</a:t>
+              <a:t>9/3/2021</a:t>
             </a:fld>
             <a:endParaRPr lang="en-US"/>
           </a:p>
@@ -1253,7 +1252,7 @@
           <a:p>
             <a:fld id="{FDC60B7F-8E4C-44BF-8D08-988AC1B0CC38}" type="datetimeFigureOut">
               <a:rPr lang="en-US" smtClean="0"/>
-              <a:t>8/24/2021</a:t>
+              <a:t>9/3/2021</a:t>
             </a:fld>
             <a:endParaRPr lang="en-US"/>
           </a:p>
@@ -1620,7 +1619,7 @@
           <a:p>
             <a:fld id="{FDC60B7F-8E4C-44BF-8D08-988AC1B0CC38}" type="datetimeFigureOut">
               <a:rPr lang="en-US" smtClean="0"/>
-              <a:t>8/24/2021</a:t>
+              <a:t>9/3/2021</a:t>
             </a:fld>
             <a:endParaRPr lang="en-US"/>
           </a:p>
@@ -1738,7 +1737,7 @@
           <a:p>
             <a:fld id="{FDC60B7F-8E4C-44BF-8D08-988AC1B0CC38}" type="datetimeFigureOut">
               <a:rPr lang="en-US" smtClean="0"/>
-              <a:t>8/24/2021</a:t>
+              <a:t>9/3/2021</a:t>
             </a:fld>
             <a:endParaRPr lang="en-US"/>
           </a:p>
@@ -1833,7 +1832,7 @@
           <a:p>
             <a:fld id="{FDC60B7F-8E4C-44BF-8D08-988AC1B0CC38}" type="datetimeFigureOut">
               <a:rPr lang="en-US" smtClean="0"/>
-              <a:t>8/24/2021</a:t>
+              <a:t>9/3/2021</a:t>
             </a:fld>
             <a:endParaRPr lang="en-US"/>
           </a:p>
@@ -2110,7 +2109,7 @@
           <a:p>
             <a:fld id="{FDC60B7F-8E4C-44BF-8D08-988AC1B0CC38}" type="datetimeFigureOut">
               <a:rPr lang="en-US" smtClean="0"/>
-              <a:t>8/24/2021</a:t>
+              <a:t>9/3/2021</a:t>
             </a:fld>
             <a:endParaRPr lang="en-US"/>
           </a:p>
@@ -2363,7 +2362,7 @@
           <a:p>
             <a:fld id="{FDC60B7F-8E4C-44BF-8D08-988AC1B0CC38}" type="datetimeFigureOut">
               <a:rPr lang="en-US" smtClean="0"/>
-              <a:t>8/24/2021</a:t>
+              <a:t>9/3/2021</a:t>
             </a:fld>
             <a:endParaRPr lang="en-US"/>
           </a:p>
@@ -2576,7 +2575,7 @@
           <a:p>
             <a:fld id="{FDC60B7F-8E4C-44BF-8D08-988AC1B0CC38}" type="datetimeFigureOut">
               <a:rPr lang="en-US" smtClean="0"/>
-              <a:t>8/24/2021</a:t>
+              <a:t>9/3/2021</a:t>
             </a:fld>
             <a:endParaRPr lang="en-US"/>
           </a:p>
@@ -3053,7 +3052,19 @@
           <a:lstStyle/>
           <a:p>
             <a:pPr algn="ctr"/>
-            <a:endParaRPr lang="en-US"/>
+            <a:r>
+              <a:rPr lang="en-US" sz="1000" b="1" dirty="0">
+                <a:solidFill>
+                  <a:schemeClr val="tx1"/>
+                </a:solidFill>
+              </a:rPr>
+              <a:t>8</a:t>
+            </a:r>
+            <a:endParaRPr lang="en-US" sz="1000" b="1" dirty="0">
+              <a:solidFill>
+                <a:schemeClr val="tx1"/>
+              </a:solidFill>
+            </a:endParaRPr>
           </a:p>
         </p:txBody>
       </p:sp>
@@ -3099,7 +3110,19 @@
           <a:lstStyle/>
           <a:p>
             <a:pPr algn="ctr"/>
-            <a:endParaRPr lang="en-US"/>
+            <a:r>
+              <a:rPr lang="en-US" sz="1000" b="1" dirty="0">
+                <a:solidFill>
+                  <a:schemeClr val="tx1"/>
+                </a:solidFill>
+              </a:rPr>
+              <a:t>7</a:t>
+            </a:r>
+            <a:endParaRPr lang="en-US" sz="1000" b="1" dirty="0">
+              <a:solidFill>
+                <a:schemeClr val="tx1"/>
+              </a:solidFill>
+            </a:endParaRPr>
           </a:p>
         </p:txBody>
       </p:sp>
@@ -3145,7 +3168,19 @@
           <a:lstStyle/>
           <a:p>
             <a:pPr algn="ctr"/>
-            <a:endParaRPr lang="en-US"/>
+            <a:r>
+              <a:rPr lang="en-US" sz="1000" b="1" dirty="0">
+                <a:solidFill>
+                  <a:schemeClr val="tx1"/>
+                </a:solidFill>
+              </a:rPr>
+              <a:t>9</a:t>
+            </a:r>
+            <a:endParaRPr lang="en-US" sz="1000" b="1" dirty="0">
+              <a:solidFill>
+                <a:schemeClr val="tx1"/>
+              </a:solidFill>
+            </a:endParaRPr>
           </a:p>
         </p:txBody>
       </p:sp>
@@ -3191,7 +3226,19 @@
           <a:lstStyle/>
           <a:p>
             <a:pPr algn="ctr"/>
-            <a:endParaRPr lang="en-US"/>
+            <a:r>
+              <a:rPr lang="en-US" sz="1000" b="1" dirty="0" smtClean="0">
+                <a:solidFill>
+                  <a:schemeClr val="tx1"/>
+                </a:solidFill>
+              </a:rPr>
+              <a:t>10</a:t>
+            </a:r>
+            <a:endParaRPr lang="en-US" sz="1000" b="1" dirty="0">
+              <a:solidFill>
+                <a:schemeClr val="tx1"/>
+              </a:solidFill>
+            </a:endParaRPr>
           </a:p>
         </p:txBody>
       </p:sp>
@@ -3237,7 +3284,19 @@
           <a:lstStyle/>
           <a:p>
             <a:pPr algn="ctr"/>
-            <a:endParaRPr lang="en-US"/>
+            <a:r>
+              <a:rPr lang="en-US" sz="1000" b="1" dirty="0" smtClean="0">
+                <a:solidFill>
+                  <a:schemeClr val="tx1"/>
+                </a:solidFill>
+              </a:rPr>
+              <a:t>13</a:t>
+            </a:r>
+            <a:endParaRPr lang="en-US" sz="1000" b="1" dirty="0">
+              <a:solidFill>
+                <a:schemeClr val="tx1"/>
+              </a:solidFill>
+            </a:endParaRPr>
           </a:p>
         </p:txBody>
       </p:sp>
@@ -3283,7 +3342,19 @@
           <a:lstStyle/>
           <a:p>
             <a:pPr algn="ctr"/>
-            <a:endParaRPr lang="en-US"/>
+            <a:r>
+              <a:rPr lang="en-US" sz="1000" b="1" dirty="0">
+                <a:solidFill>
+                  <a:schemeClr val="tx1"/>
+                </a:solidFill>
+              </a:rPr>
+              <a:t>5</a:t>
+            </a:r>
+            <a:endParaRPr lang="en-US" sz="1000" b="1" dirty="0">
+              <a:solidFill>
+                <a:schemeClr val="tx1"/>
+              </a:solidFill>
+            </a:endParaRPr>
           </a:p>
         </p:txBody>
       </p:sp>
@@ -3329,7 +3400,19 @@
           <a:lstStyle/>
           <a:p>
             <a:pPr algn="ctr"/>
-            <a:endParaRPr lang="en-US"/>
+            <a:r>
+              <a:rPr lang="en-US" sz="1000" b="1" dirty="0" smtClean="0">
+                <a:solidFill>
+                  <a:schemeClr val="tx1"/>
+                </a:solidFill>
+              </a:rPr>
+              <a:t>14</a:t>
+            </a:r>
+            <a:endParaRPr lang="en-US" sz="1000" b="1" dirty="0">
+              <a:solidFill>
+                <a:schemeClr val="tx1"/>
+              </a:solidFill>
+            </a:endParaRPr>
           </a:p>
         </p:txBody>
       </p:sp>
@@ -3375,7 +3458,19 @@
           <a:lstStyle/>
           <a:p>
             <a:pPr algn="ctr"/>
-            <a:endParaRPr lang="en-US"/>
+            <a:r>
+              <a:rPr lang="en-US" sz="1000" b="1" dirty="0" smtClean="0">
+                <a:solidFill>
+                  <a:schemeClr val="tx1"/>
+                </a:solidFill>
+              </a:rPr>
+              <a:t>1</a:t>
+            </a:r>
+            <a:endParaRPr lang="en-US" sz="1000" b="1" dirty="0">
+              <a:solidFill>
+                <a:schemeClr val="tx1"/>
+              </a:solidFill>
+            </a:endParaRPr>
           </a:p>
         </p:txBody>
       </p:sp>
@@ -3421,14 +3516,14 @@
           <p:cNvPr id="39" name="Straight Arrow Connector 38"/>
           <p:cNvCxnSpPr>
             <a:stCxn id="14" idx="0"/>
-            <a:endCxn id="15" idx="3"/>
+            <a:endCxn id="116" idx="3"/>
           </p:cNvCxnSpPr>
           <p:nvPr/>
         </p:nvCxnSpPr>
         <p:spPr>
           <a:xfrm flipV="1">
-            <a:off x="5352474" y="1795216"/>
-            <a:ext cx="1298964" cy="2010165"/>
+            <a:off x="5352474" y="2806114"/>
+            <a:ext cx="660575" cy="999267"/>
           </a:xfrm>
           <a:prstGeom prst="straightConnector1">
             <a:avLst/>
@@ -3495,7 +3590,19 @@
           <a:lstStyle/>
           <a:p>
             <a:pPr algn="ctr"/>
-            <a:endParaRPr lang="en-US"/>
+            <a:r>
+              <a:rPr lang="en-US" sz="1000" b="1" dirty="0">
+                <a:solidFill>
+                  <a:schemeClr val="tx1"/>
+                </a:solidFill>
+              </a:rPr>
+              <a:t>2</a:t>
+            </a:r>
+            <a:endParaRPr lang="en-US" sz="1000" b="1" dirty="0">
+              <a:solidFill>
+                <a:schemeClr val="tx1"/>
+              </a:solidFill>
+            </a:endParaRPr>
           </a:p>
         </p:txBody>
       </p:sp>
@@ -3504,14 +3611,14 @@
           <p:cNvPr id="53" name="Straight Arrow Connector 52"/>
           <p:cNvCxnSpPr>
             <a:stCxn id="15" idx="5"/>
-            <a:endCxn id="49" idx="1"/>
+            <a:endCxn id="81" idx="1"/>
           </p:cNvCxnSpPr>
           <p:nvPr/>
         </p:nvCxnSpPr>
         <p:spPr>
           <a:xfrm>
             <a:off x="6768999" y="1795216"/>
-            <a:ext cx="1556239" cy="1237875"/>
+            <a:ext cx="697601" cy="511746"/>
           </a:xfrm>
           <a:prstGeom prst="straightConnector1">
             <a:avLst/>
@@ -3577,15 +3684,15 @@
         <p:nvCxnSpPr>
           <p:cNvPr id="57" name="Straight Arrow Connector 56"/>
           <p:cNvCxnSpPr>
-            <a:stCxn id="8" idx="7"/>
+            <a:stCxn id="118" idx="0"/>
             <a:endCxn id="42" idx="3"/>
           </p:cNvCxnSpPr>
           <p:nvPr/>
         </p:nvCxnSpPr>
         <p:spPr>
           <a:xfrm flipV="1">
-            <a:off x="7748053" y="3556703"/>
-            <a:ext cx="1356869" cy="1778552"/>
+            <a:off x="8790748" y="3556703"/>
+            <a:ext cx="314174" cy="376043"/>
           </a:xfrm>
           <a:prstGeom prst="straightConnector1">
             <a:avLst/>
@@ -3651,15 +3758,15 @@
         <p:nvCxnSpPr>
           <p:cNvPr id="61" name="Straight Arrow Connector 60"/>
           <p:cNvCxnSpPr>
-            <a:stCxn id="8" idx="5"/>
+            <a:stCxn id="98" idx="5"/>
             <a:endCxn id="7" idx="2"/>
           </p:cNvCxnSpPr>
           <p:nvPr/>
         </p:nvCxnSpPr>
         <p:spPr>
           <a:xfrm>
-            <a:off x="7748053" y="5452816"/>
-            <a:ext cx="1696128" cy="1068057"/>
+            <a:off x="9149717" y="6358743"/>
+            <a:ext cx="294464" cy="162130"/>
           </a:xfrm>
           <a:prstGeom prst="straightConnector1">
             <a:avLst/>
@@ -3688,15 +3795,15 @@
         <p:nvCxnSpPr>
           <p:cNvPr id="65" name="Straight Arrow Connector 64"/>
           <p:cNvCxnSpPr>
-            <a:stCxn id="6" idx="3"/>
+            <a:stCxn id="91" idx="3"/>
             <a:endCxn id="7" idx="7"/>
           </p:cNvCxnSpPr>
           <p:nvPr/>
         </p:nvCxnSpPr>
         <p:spPr>
           <a:xfrm flipH="1">
-            <a:off x="9586089" y="4801140"/>
-            <a:ext cx="1371804" cy="1660952"/>
+            <a:off x="9586089" y="6132713"/>
+            <a:ext cx="231599" cy="329379"/>
           </a:xfrm>
           <a:prstGeom prst="straightConnector1">
             <a:avLst/>
@@ -3726,14 +3833,14 @@
           <p:cNvPr id="67" name="Straight Arrow Connector 66"/>
           <p:cNvCxnSpPr>
             <a:stCxn id="11" idx="5"/>
-            <a:endCxn id="6" idx="1"/>
+            <a:endCxn id="120" idx="1"/>
           </p:cNvCxnSpPr>
           <p:nvPr/>
         </p:nvCxnSpPr>
         <p:spPr>
           <a:xfrm>
             <a:off x="9586089" y="3560342"/>
-            <a:ext cx="1371804" cy="1123237"/>
+            <a:ext cx="200941" cy="175718"/>
           </a:xfrm>
           <a:prstGeom prst="straightConnector1">
             <a:avLst/>
@@ -3837,7 +3944,19 @@
           <a:lstStyle/>
           <a:p>
             <a:pPr algn="ctr"/>
-            <a:endParaRPr lang="en-US"/>
+            <a:r>
+              <a:rPr lang="en-US" sz="1000" b="1" dirty="0" smtClean="0">
+                <a:solidFill>
+                  <a:schemeClr val="tx1"/>
+                </a:solidFill>
+              </a:rPr>
+              <a:t>35</a:t>
+            </a:r>
+            <a:endParaRPr lang="en-US" sz="1000" b="1" dirty="0">
+              <a:solidFill>
+                <a:schemeClr val="tx1"/>
+              </a:solidFill>
+            </a:endParaRPr>
           </a:p>
         </p:txBody>
       </p:sp>
@@ -3943,7 +4062,7 @@
         </p:nvSpPr>
         <p:spPr>
           <a:xfrm rot="1882052">
-            <a:off x="9464465" y="6489286"/>
+            <a:off x="9581232" y="6496735"/>
             <a:ext cx="599336" cy="246221"/>
           </a:xfrm>
           <a:prstGeom prst="rect">
@@ -3992,43 +4111,6 @@
           </a:p>
         </p:txBody>
       </p:sp>
-      <p:cxnSp>
-        <p:nvCxnSpPr>
-          <p:cNvPr id="30" name="Straight Arrow Connector 29"/>
-          <p:cNvCxnSpPr>
-            <a:stCxn id="5" idx="5"/>
-            <a:endCxn id="75" idx="6"/>
-          </p:cNvCxnSpPr>
-          <p:nvPr/>
-        </p:nvCxnSpPr>
-        <p:spPr>
-          <a:xfrm flipH="1">
-            <a:off x="9895198" y="5047700"/>
-            <a:ext cx="1458373" cy="1715000"/>
-          </a:xfrm>
-          <a:prstGeom prst="straightConnector1">
-            <a:avLst/>
-          </a:prstGeom>
-          <a:ln>
-            <a:headEnd type="triangle"/>
-            <a:tailEnd type="triangle"/>
-          </a:ln>
-        </p:spPr>
-        <p:style>
-          <a:lnRef idx="2">
-            <a:schemeClr val="dk1"/>
-          </a:lnRef>
-          <a:fillRef idx="0">
-            <a:schemeClr val="dk1"/>
-          </a:fillRef>
-          <a:effectRef idx="1">
-            <a:schemeClr val="dk1"/>
-          </a:effectRef>
-          <a:fontRef idx="minor">
-            <a:schemeClr val="tx1"/>
-          </a:fontRef>
-        </p:style>
-      </p:cxnSp>
       <p:sp>
         <p:nvSpPr>
           <p:cNvPr id="18" name="TextBox 17"/>
@@ -4037,8 +4119,8 @@
         </p:nvSpPr>
         <p:spPr>
           <a:xfrm rot="18657452">
-            <a:off x="10353740" y="5844759"/>
-            <a:ext cx="676788" cy="246221"/>
+            <a:off x="10435339" y="4745772"/>
+            <a:ext cx="614271" cy="246221"/>
           </a:xfrm>
           <a:prstGeom prst="rect">
             <a:avLst/>
@@ -4052,10 +4134,13 @@
           <a:lstStyle/>
           <a:p>
             <a:r>
+              <a:rPr lang="en-US" sz="1000" b="1" dirty="0" smtClean="0"/>
+              <a:t>23,49 </a:t>
+            </a:r>
+            <a:r>
               <a:rPr lang="en-US" sz="1000" b="1" dirty="0"/>
-              <a:t>172,45 m</a:t>
-            </a:r>
-            <a:endParaRPr lang="en-US" sz="1000" b="1" dirty="0"/>
+              <a:t>m</a:t>
+            </a:r>
           </a:p>
         </p:txBody>
       </p:sp>
@@ -4067,7 +4152,7 @@
         </p:nvSpPr>
         <p:spPr>
           <a:xfrm rot="18657452">
-            <a:off x="9836692" y="5484556"/>
+            <a:off x="9867656" y="5437706"/>
             <a:ext cx="679994" cy="246221"/>
           </a:xfrm>
           <a:prstGeom prst="rect">
@@ -4083,13 +4168,12 @@
           <a:p>
             <a:r>
               <a:rPr lang="en-US" sz="1000" b="1" dirty="0" smtClean="0"/>
-              <a:t>173.63 </a:t>
+              <a:t>105.56 </a:t>
             </a:r>
             <a:r>
               <a:rPr lang="en-US" sz="1000" b="1" dirty="0"/>
               <a:t>m</a:t>
             </a:r>
-            <a:endParaRPr lang="en-US" sz="1000" b="1" dirty="0"/>
           </a:p>
         </p:txBody>
       </p:sp>
@@ -4101,8 +4185,8 @@
         </p:nvSpPr>
         <p:spPr>
           <a:xfrm rot="1695852">
-            <a:off x="8127149" y="5889050"/>
-            <a:ext cx="679994" cy="246221"/>
+            <a:off x="8228613" y="5939653"/>
+            <a:ext cx="614271" cy="246221"/>
           </a:xfrm>
           <a:prstGeom prst="rect">
             <a:avLst/>
@@ -4117,13 +4201,12 @@
           <a:p>
             <a:r>
               <a:rPr lang="en-US" sz="1000" b="1" dirty="0" smtClean="0"/>
-              <a:t>162,06 </a:t>
+              <a:t>91,92 </a:t>
             </a:r>
             <a:r>
               <a:rPr lang="en-US" sz="1000" b="1" dirty="0"/>
               <a:t>m</a:t>
             </a:r>
-            <a:endParaRPr lang="en-US" sz="1000" b="1" dirty="0"/>
           </a:p>
         </p:txBody>
       </p:sp>
@@ -4135,8 +4218,8 @@
         </p:nvSpPr>
         <p:spPr>
           <a:xfrm rot="2440494">
-            <a:off x="10014667" y="3868432"/>
-            <a:ext cx="678391" cy="246221"/>
+            <a:off x="10134984" y="4043492"/>
+            <a:ext cx="679994" cy="246221"/>
           </a:xfrm>
           <a:prstGeom prst="rect">
             <a:avLst/>
@@ -4150,18 +4233,13 @@
           <a:lstStyle/>
           <a:p>
             <a:r>
-              <a:rPr lang="en-US" sz="1000" b="1" dirty="0"/>
-              <a:t>144,79</a:t>
-            </a:r>
-            <a:r>
               <a:rPr lang="en-US" sz="1000" b="1" dirty="0" smtClean="0"/>
-              <a:t> </a:t>
+              <a:t>111,76 </a:t>
             </a:r>
             <a:r>
               <a:rPr lang="en-US" sz="1000" b="1" dirty="0"/>
               <a:t>m</a:t>
             </a:r>
-            <a:endParaRPr lang="en-US" sz="1000" b="1" dirty="0"/>
           </a:p>
         </p:txBody>
       </p:sp>
@@ -4173,8 +4251,8 @@
         </p:nvSpPr>
         <p:spPr>
           <a:xfrm rot="18690345">
-            <a:off x="8367623" y="4233899"/>
-            <a:ext cx="679994" cy="246221"/>
+            <a:off x="8124190" y="4159927"/>
+            <a:ext cx="614271" cy="246221"/>
           </a:xfrm>
           <a:prstGeom prst="rect">
             <a:avLst/>
@@ -4189,13 +4267,16 @@
           <a:p>
             <a:r>
               <a:rPr lang="en-US" sz="1000" b="1" dirty="0" smtClean="0"/>
-              <a:t>180,22 </a:t>
+              <a:t>66</a:t>
+            </a:r>
+            <a:r>
+              <a:rPr lang="en-US" sz="1000" b="1" dirty="0" smtClean="0"/>
+              <a:t>,92 </a:t>
             </a:r>
             <a:r>
               <a:rPr lang="en-US" sz="1000" b="1" dirty="0"/>
               <a:t>m</a:t>
             </a:r>
-            <a:endParaRPr lang="en-US" sz="1000" b="1" dirty="0"/>
           </a:p>
         </p:txBody>
       </p:sp>
@@ -4241,7 +4322,19 @@
           <a:lstStyle/>
           <a:p>
             <a:pPr algn="ctr"/>
-            <a:endParaRPr lang="en-US"/>
+            <a:r>
+              <a:rPr lang="en-US" sz="1000" b="1" dirty="0">
+                <a:solidFill>
+                  <a:schemeClr val="tx1"/>
+                </a:solidFill>
+              </a:rPr>
+              <a:t>4</a:t>
+            </a:r>
+            <a:endParaRPr lang="en-US" sz="1000" b="1" dirty="0">
+              <a:solidFill>
+                <a:schemeClr val="tx1"/>
+              </a:solidFill>
+            </a:endParaRPr>
           </a:p>
         </p:txBody>
       </p:sp>
@@ -4287,7 +4380,19 @@
           <a:lstStyle/>
           <a:p>
             <a:pPr algn="ctr"/>
-            <a:endParaRPr lang="en-US"/>
+            <a:r>
+              <a:rPr lang="en-US" sz="1000" b="1" dirty="0">
+                <a:solidFill>
+                  <a:schemeClr val="tx1"/>
+                </a:solidFill>
+              </a:rPr>
+              <a:t>3</a:t>
+            </a:r>
+            <a:endParaRPr lang="en-US" sz="1000" b="1" dirty="0">
+              <a:solidFill>
+                <a:schemeClr val="tx1"/>
+              </a:solidFill>
+            </a:endParaRPr>
           </a:p>
         </p:txBody>
       </p:sp>
@@ -4333,7 +4438,19 @@
           <a:lstStyle/>
           <a:p>
             <a:pPr algn="ctr"/>
-            <a:endParaRPr lang="en-US"/>
+            <a:r>
+              <a:rPr lang="en-US" sz="1000" b="1" dirty="0">
+                <a:solidFill>
+                  <a:schemeClr val="tx1"/>
+                </a:solidFill>
+              </a:rPr>
+              <a:t>6</a:t>
+            </a:r>
+            <a:endParaRPr lang="en-US" sz="1000" b="1" dirty="0">
+              <a:solidFill>
+                <a:schemeClr val="tx1"/>
+              </a:solidFill>
+            </a:endParaRPr>
           </a:p>
         </p:txBody>
       </p:sp>
@@ -4367,7 +4484,6 @@
               <a:rPr lang="en-US" sz="1000" b="1" dirty="0"/>
               <a:t>m</a:t>
             </a:r>
-            <a:endParaRPr lang="en-US" sz="1000" b="1" dirty="0"/>
           </a:p>
         </p:txBody>
       </p:sp>
@@ -4379,7 +4495,7 @@
         </p:nvSpPr>
         <p:spPr>
           <a:xfrm>
-            <a:off x="9616205" y="3248984"/>
+            <a:off x="9453529" y="3187234"/>
             <a:ext cx="614271" cy="246221"/>
           </a:xfrm>
           <a:prstGeom prst="rect">
@@ -4401,7 +4517,6 @@
               <a:rPr lang="en-US" sz="1000" b="1" dirty="0"/>
               <a:t>m</a:t>
             </a:r>
-            <a:endParaRPr lang="en-US" sz="1000" b="1" dirty="0"/>
           </a:p>
         </p:txBody>
       </p:sp>
@@ -4413,7 +4528,7 @@
         </p:nvSpPr>
         <p:spPr>
           <a:xfrm>
-            <a:off x="8980950" y="2876343"/>
+            <a:off x="8855667" y="2901896"/>
             <a:ext cx="614271" cy="246221"/>
           </a:xfrm>
           <a:prstGeom prst="rect">
@@ -4435,7 +4550,6 @@
               <a:rPr lang="en-US" sz="1000" b="1" dirty="0"/>
               <a:t>m</a:t>
             </a:r>
-            <a:endParaRPr lang="en-US" sz="1000" b="1" dirty="0"/>
           </a:p>
         </p:txBody>
       </p:sp>
@@ -4469,7 +4583,6 @@
               <a:rPr lang="en-US" sz="1000" b="1" dirty="0"/>
               <a:t>m</a:t>
             </a:r>
-            <a:endParaRPr lang="en-US" sz="1000" b="1" dirty="0"/>
           </a:p>
         </p:txBody>
       </p:sp>
@@ -4503,7 +4616,6 @@
               <a:rPr lang="en-US" sz="1000" b="1" dirty="0"/>
               <a:t>m</a:t>
             </a:r>
-            <a:endParaRPr lang="en-US" sz="1000" b="1" dirty="0"/>
           </a:p>
         </p:txBody>
       </p:sp>
@@ -4515,8 +4627,8 @@
         </p:nvSpPr>
         <p:spPr>
           <a:xfrm rot="2628789">
-            <a:off x="7476628" y="2360630"/>
-            <a:ext cx="679994" cy="246221"/>
+            <a:off x="7682246" y="2515579"/>
+            <a:ext cx="614271" cy="246221"/>
           </a:xfrm>
           <a:prstGeom prst="rect">
             <a:avLst/>
@@ -4531,13 +4643,16 @@
           <a:p>
             <a:r>
               <a:rPr lang="en-US" sz="1000" b="1" dirty="0" smtClean="0"/>
-              <a:t>161,28 </a:t>
+              <a:t>82</a:t>
+            </a:r>
+            <a:r>
+              <a:rPr lang="en-US" sz="1000" b="1" dirty="0" smtClean="0"/>
+              <a:t>,34 </a:t>
             </a:r>
             <a:r>
               <a:rPr lang="en-US" sz="1000" b="1" dirty="0"/>
               <a:t>m</a:t>
             </a:r>
-            <a:endParaRPr lang="en-US" sz="1000" b="1" dirty="0"/>
           </a:p>
         </p:txBody>
       </p:sp>
@@ -4549,8 +4664,8 @@
         </p:nvSpPr>
         <p:spPr>
           <a:xfrm rot="18158382">
-            <a:off x="5486243" y="2646750"/>
-            <a:ext cx="679994" cy="246221"/>
+            <a:off x="5270874" y="3096358"/>
+            <a:ext cx="614271" cy="246221"/>
           </a:xfrm>
           <a:prstGeom prst="rect">
             <a:avLst/>
@@ -4565,13 +4680,12 @@
           <a:p>
             <a:r>
               <a:rPr lang="en-US" sz="1000" b="1" dirty="0" smtClean="0"/>
-              <a:t>190,27 </a:t>
+              <a:t>94,62 </a:t>
             </a:r>
             <a:r>
               <a:rPr lang="en-US" sz="1000" b="1" dirty="0"/>
               <a:t>m</a:t>
             </a:r>
-            <a:endParaRPr lang="en-US" sz="1000" b="1" dirty="0"/>
           </a:p>
         </p:txBody>
       </p:sp>
@@ -4617,7 +4731,19 @@
           <a:lstStyle/>
           <a:p>
             <a:pPr algn="ctr"/>
-            <a:endParaRPr lang="en-US"/>
+            <a:r>
+              <a:rPr lang="en-US" sz="1000" b="1" dirty="0">
+                <a:solidFill>
+                  <a:schemeClr val="tx1"/>
+                </a:solidFill>
+              </a:rPr>
+              <a:t>12</a:t>
+            </a:r>
+            <a:endParaRPr lang="en-US" sz="1000" b="1" dirty="0">
+              <a:solidFill>
+                <a:schemeClr val="tx1"/>
+              </a:solidFill>
+            </a:endParaRPr>
           </a:p>
         </p:txBody>
       </p:sp>
@@ -4663,7 +4789,19 @@
           <a:lstStyle/>
           <a:p>
             <a:pPr algn="ctr"/>
-            <a:endParaRPr lang="en-US"/>
+            <a:r>
+              <a:rPr lang="en-US" sz="1000" b="1" dirty="0" smtClean="0">
+                <a:solidFill>
+                  <a:schemeClr val="tx1"/>
+                </a:solidFill>
+              </a:rPr>
+              <a:t>11</a:t>
+            </a:r>
+            <a:endParaRPr lang="en-US" sz="1000" b="1" dirty="0">
+              <a:solidFill>
+                <a:schemeClr val="tx1"/>
+              </a:solidFill>
+            </a:endParaRPr>
           </a:p>
         </p:txBody>
       </p:sp>
@@ -4786,8 +4924,8 @@
         </p:nvSpPr>
         <p:spPr>
           <a:xfrm rot="1576203">
-            <a:off x="5319551" y="3856941"/>
-            <a:ext cx="679994" cy="246221"/>
+            <a:off x="5372450" y="3872330"/>
+            <a:ext cx="574196" cy="215444"/>
           </a:xfrm>
           <a:prstGeom prst="rect">
             <a:avLst/>
@@ -4801,14 +4939,13 @@
           <a:lstStyle/>
           <a:p>
             <a:r>
-              <a:rPr lang="en-US" sz="1000" b="1" dirty="0" smtClean="0"/>
+              <a:rPr lang="en-US" sz="800" b="1" dirty="0" smtClean="0"/>
               <a:t>143,97 </a:t>
             </a:r>
             <a:r>
-              <a:rPr lang="en-US" sz="1000" b="1" dirty="0"/>
+              <a:rPr lang="en-US" sz="800" b="1" dirty="0"/>
               <a:t>m</a:t>
             </a:r>
-            <a:endParaRPr lang="en-US" sz="1000" b="1" dirty="0"/>
           </a:p>
         </p:txBody>
       </p:sp>
@@ -4842,7 +4979,6 @@
               <a:rPr lang="en-US" sz="1000" b="1" dirty="0"/>
               <a:t>m</a:t>
             </a:r>
-            <a:endParaRPr lang="en-US" sz="1000" b="1" dirty="0"/>
           </a:p>
         </p:txBody>
       </p:sp>
@@ -4876,7 +5012,6 @@
               <a:rPr lang="en-US" sz="1000" b="1" dirty="0"/>
               <a:t>m</a:t>
             </a:r>
-            <a:endParaRPr lang="en-US" sz="1000" b="1" dirty="0"/>
           </a:p>
         </p:txBody>
       </p:sp>
@@ -4888,7 +5023,7 @@
         </p:nvSpPr>
         <p:spPr>
           <a:xfrm rot="2263233">
-            <a:off x="7015514" y="4880191"/>
+            <a:off x="6892597" y="4812416"/>
             <a:ext cx="614271" cy="246221"/>
           </a:xfrm>
           <a:prstGeom prst="rect">
@@ -4910,7 +5045,6 @@
               <a:rPr lang="en-US" sz="1000" b="1" dirty="0"/>
               <a:t>m</a:t>
             </a:r>
-            <a:endParaRPr lang="en-US" sz="1000" b="1" dirty="0"/>
           </a:p>
         </p:txBody>
       </p:sp>
@@ -4944,7 +5078,6 @@
               <a:rPr lang="en-US" sz="1000" b="1" dirty="0"/>
               <a:t>m</a:t>
             </a:r>
-            <a:endParaRPr lang="en-US" sz="1000" b="1" dirty="0"/>
           </a:p>
         </p:txBody>
       </p:sp>
@@ -5092,491 +5225,5054 @@
           </a:fontRef>
         </p:style>
       </p:cxnSp>
+      <p:sp>
+        <p:nvSpPr>
+          <p:cNvPr id="56" name="Oval 55"/>
+          <p:cNvSpPr/>
+          <p:nvPr/>
+        </p:nvSpPr>
+        <p:spPr>
+          <a:xfrm>
+            <a:off x="10326275" y="1108084"/>
+            <a:ext cx="166255" cy="166255"/>
+          </a:xfrm>
+          <a:prstGeom prst="ellipse">
+            <a:avLst/>
+          </a:prstGeom>
+          <a:solidFill>
+            <a:srgbClr val="FF0000"/>
+          </a:solidFill>
+          <a:ln>
+            <a:noFill/>
+          </a:ln>
+        </p:spPr>
+        <p:style>
+          <a:lnRef idx="2">
+            <a:schemeClr val="accent1">
+              <a:shade val="50000"/>
+            </a:schemeClr>
+          </a:lnRef>
+          <a:fillRef idx="1">
+            <a:schemeClr val="accent1"/>
+          </a:fillRef>
+          <a:effectRef idx="0">
+            <a:schemeClr val="accent1"/>
+          </a:effectRef>
+          <a:fontRef idx="minor">
+            <a:schemeClr val="lt1"/>
+          </a:fontRef>
+        </p:style>
+        <p:txBody>
+          <a:bodyPr rtlCol="0" anchor="ctr"/>
+          <a:lstStyle/>
+          <a:p>
+            <a:pPr algn="ctr"/>
+            <a:r>
+              <a:rPr lang="en-US" sz="1000" b="1" dirty="0" smtClean="0">
+                <a:solidFill>
+                  <a:schemeClr val="tx1"/>
+                </a:solidFill>
+              </a:rPr>
+              <a:t>47</a:t>
+            </a:r>
+            <a:endParaRPr lang="en-US" sz="1000" b="1" dirty="0">
+              <a:solidFill>
+                <a:schemeClr val="tx1"/>
+              </a:solidFill>
+            </a:endParaRPr>
+          </a:p>
+        </p:txBody>
+      </p:sp>
+      <p:sp>
+        <p:nvSpPr>
+          <p:cNvPr id="58" name="Oval 57"/>
+          <p:cNvSpPr/>
+          <p:nvPr/>
+        </p:nvSpPr>
+        <p:spPr>
+          <a:xfrm>
+            <a:off x="9933242" y="1570180"/>
+            <a:ext cx="166255" cy="166255"/>
+          </a:xfrm>
+          <a:prstGeom prst="ellipse">
+            <a:avLst/>
+          </a:prstGeom>
+          <a:solidFill>
+            <a:srgbClr val="FF0000"/>
+          </a:solidFill>
+          <a:ln>
+            <a:noFill/>
+          </a:ln>
+        </p:spPr>
+        <p:style>
+          <a:lnRef idx="2">
+            <a:schemeClr val="accent1">
+              <a:shade val="50000"/>
+            </a:schemeClr>
+          </a:lnRef>
+          <a:fillRef idx="1">
+            <a:schemeClr val="accent1"/>
+          </a:fillRef>
+          <a:effectRef idx="0">
+            <a:schemeClr val="accent1"/>
+          </a:effectRef>
+          <a:fontRef idx="minor">
+            <a:schemeClr val="lt1"/>
+          </a:fontRef>
+        </p:style>
+        <p:txBody>
+          <a:bodyPr rtlCol="0" anchor="ctr"/>
+          <a:lstStyle/>
+          <a:p>
+            <a:pPr algn="ctr"/>
+            <a:r>
+              <a:rPr lang="en-US" sz="1000" b="1" dirty="0" smtClean="0">
+                <a:solidFill>
+                  <a:schemeClr val="tx1"/>
+                </a:solidFill>
+              </a:rPr>
+              <a:t>46</a:t>
+            </a:r>
+            <a:endParaRPr lang="en-US" sz="1000" b="1" dirty="0">
+              <a:solidFill>
+                <a:schemeClr val="tx1"/>
+              </a:solidFill>
+            </a:endParaRPr>
+          </a:p>
+        </p:txBody>
+      </p:sp>
+      <p:sp>
+        <p:nvSpPr>
+          <p:cNvPr id="60" name="Oval 59"/>
+          <p:cNvSpPr/>
+          <p:nvPr/>
+        </p:nvSpPr>
+        <p:spPr>
+          <a:xfrm>
+            <a:off x="10294216" y="1993265"/>
+            <a:ext cx="166255" cy="166255"/>
+          </a:xfrm>
+          <a:prstGeom prst="ellipse">
+            <a:avLst/>
+          </a:prstGeom>
+          <a:solidFill>
+            <a:srgbClr val="FF0000"/>
+          </a:solidFill>
+          <a:ln>
+            <a:noFill/>
+          </a:ln>
+        </p:spPr>
+        <p:style>
+          <a:lnRef idx="2">
+            <a:schemeClr val="accent1">
+              <a:shade val="50000"/>
+            </a:schemeClr>
+          </a:lnRef>
+          <a:fillRef idx="1">
+            <a:schemeClr val="accent1"/>
+          </a:fillRef>
+          <a:effectRef idx="0">
+            <a:schemeClr val="accent1"/>
+          </a:effectRef>
+          <a:fontRef idx="minor">
+            <a:schemeClr val="lt1"/>
+          </a:fontRef>
+        </p:style>
+        <p:txBody>
+          <a:bodyPr rtlCol="0" anchor="ctr"/>
+          <a:lstStyle/>
+          <a:p>
+            <a:pPr algn="ctr"/>
+            <a:r>
+              <a:rPr lang="en-US" sz="1000" b="1" dirty="0" smtClean="0">
+                <a:solidFill>
+                  <a:schemeClr val="tx1"/>
+                </a:solidFill>
+              </a:rPr>
+              <a:t>45</a:t>
+            </a:r>
+            <a:endParaRPr lang="en-US" sz="1000" b="1" dirty="0">
+              <a:solidFill>
+                <a:schemeClr val="tx1"/>
+              </a:solidFill>
+            </a:endParaRPr>
+          </a:p>
+        </p:txBody>
+      </p:sp>
+      <p:sp>
+        <p:nvSpPr>
+          <p:cNvPr id="62" name="Oval 61"/>
+          <p:cNvSpPr/>
+          <p:nvPr/>
+        </p:nvSpPr>
+        <p:spPr>
+          <a:xfrm>
+            <a:off x="9777720" y="2619010"/>
+            <a:ext cx="166255" cy="166255"/>
+          </a:xfrm>
+          <a:prstGeom prst="ellipse">
+            <a:avLst/>
+          </a:prstGeom>
+          <a:solidFill>
+            <a:srgbClr val="FF0000"/>
+          </a:solidFill>
+          <a:ln>
+            <a:noFill/>
+          </a:ln>
+        </p:spPr>
+        <p:style>
+          <a:lnRef idx="2">
+            <a:schemeClr val="accent1">
+              <a:shade val="50000"/>
+            </a:schemeClr>
+          </a:lnRef>
+          <a:fillRef idx="1">
+            <a:schemeClr val="accent1"/>
+          </a:fillRef>
+          <a:effectRef idx="0">
+            <a:schemeClr val="accent1"/>
+          </a:effectRef>
+          <a:fontRef idx="minor">
+            <a:schemeClr val="lt1"/>
+          </a:fontRef>
+        </p:style>
+        <p:txBody>
+          <a:bodyPr rtlCol="0" anchor="ctr"/>
+          <a:lstStyle/>
+          <a:p>
+            <a:pPr algn="ctr"/>
+            <a:r>
+              <a:rPr lang="en-US" sz="1000" b="1" dirty="0" smtClean="0">
+                <a:solidFill>
+                  <a:schemeClr val="tx1"/>
+                </a:solidFill>
+              </a:rPr>
+              <a:t>44</a:t>
+            </a:r>
+            <a:endParaRPr lang="en-US" sz="1000" b="1" dirty="0">
+              <a:solidFill>
+                <a:schemeClr val="tx1"/>
+              </a:solidFill>
+            </a:endParaRPr>
+          </a:p>
+        </p:txBody>
+      </p:sp>
+      <p:sp>
+        <p:nvSpPr>
+          <p:cNvPr id="63" name="Oval 62"/>
+          <p:cNvSpPr/>
+          <p:nvPr/>
+        </p:nvSpPr>
+        <p:spPr>
+          <a:xfrm>
+            <a:off x="8678851" y="1658456"/>
+            <a:ext cx="166255" cy="166255"/>
+          </a:xfrm>
+          <a:prstGeom prst="ellipse">
+            <a:avLst/>
+          </a:prstGeom>
+          <a:solidFill>
+            <a:srgbClr val="FF0000"/>
+          </a:solidFill>
+          <a:ln>
+            <a:noFill/>
+          </a:ln>
+        </p:spPr>
+        <p:style>
+          <a:lnRef idx="2">
+            <a:schemeClr val="accent1">
+              <a:shade val="50000"/>
+            </a:schemeClr>
+          </a:lnRef>
+          <a:fillRef idx="1">
+            <a:schemeClr val="accent1"/>
+          </a:fillRef>
+          <a:effectRef idx="0">
+            <a:schemeClr val="accent1"/>
+          </a:effectRef>
+          <a:fontRef idx="minor">
+            <a:schemeClr val="lt1"/>
+          </a:fontRef>
+        </p:style>
+        <p:txBody>
+          <a:bodyPr rtlCol="0" anchor="ctr"/>
+          <a:lstStyle/>
+          <a:p>
+            <a:pPr algn="ctr"/>
+            <a:r>
+              <a:rPr lang="en-US" sz="1000" b="1" dirty="0" smtClean="0">
+                <a:solidFill>
+                  <a:schemeClr val="tx1"/>
+                </a:solidFill>
+              </a:rPr>
+              <a:t>43</a:t>
+            </a:r>
+            <a:endParaRPr lang="en-US" sz="1000" b="1" dirty="0">
+              <a:solidFill>
+                <a:schemeClr val="tx1"/>
+              </a:solidFill>
+            </a:endParaRPr>
+          </a:p>
+        </p:txBody>
+      </p:sp>
+      <p:sp>
+        <p:nvSpPr>
+          <p:cNvPr id="64" name="Oval 63"/>
+          <p:cNvSpPr/>
+          <p:nvPr/>
+        </p:nvSpPr>
+        <p:spPr>
+          <a:xfrm>
+            <a:off x="7842927" y="1814587"/>
+            <a:ext cx="166255" cy="166255"/>
+          </a:xfrm>
+          <a:prstGeom prst="ellipse">
+            <a:avLst/>
+          </a:prstGeom>
+          <a:solidFill>
+            <a:srgbClr val="FF0000"/>
+          </a:solidFill>
+          <a:ln>
+            <a:noFill/>
+          </a:ln>
+        </p:spPr>
+        <p:style>
+          <a:lnRef idx="2">
+            <a:schemeClr val="accent1">
+              <a:shade val="50000"/>
+            </a:schemeClr>
+          </a:lnRef>
+          <a:fillRef idx="1">
+            <a:schemeClr val="accent1"/>
+          </a:fillRef>
+          <a:effectRef idx="0">
+            <a:schemeClr val="accent1"/>
+          </a:effectRef>
+          <a:fontRef idx="minor">
+            <a:schemeClr val="lt1"/>
+          </a:fontRef>
+        </p:style>
+        <p:txBody>
+          <a:bodyPr rtlCol="0" anchor="ctr"/>
+          <a:lstStyle/>
+          <a:p>
+            <a:pPr algn="ctr"/>
+            <a:r>
+              <a:rPr lang="en-US" sz="1000" b="1" dirty="0" smtClean="0">
+                <a:solidFill>
+                  <a:schemeClr val="tx1"/>
+                </a:solidFill>
+              </a:rPr>
+              <a:t>40</a:t>
+            </a:r>
+            <a:endParaRPr lang="en-US" sz="1000" b="1" dirty="0">
+              <a:solidFill>
+                <a:schemeClr val="tx1"/>
+              </a:solidFill>
+            </a:endParaRPr>
+          </a:p>
+        </p:txBody>
+      </p:sp>
+      <p:sp>
+        <p:nvSpPr>
+          <p:cNvPr id="66" name="Oval 65"/>
+          <p:cNvSpPr/>
+          <p:nvPr/>
+        </p:nvSpPr>
+        <p:spPr>
+          <a:xfrm>
+            <a:off x="8325238" y="1993264"/>
+            <a:ext cx="166255" cy="166255"/>
+          </a:xfrm>
+          <a:prstGeom prst="ellipse">
+            <a:avLst/>
+          </a:prstGeom>
+          <a:solidFill>
+            <a:srgbClr val="FF0000"/>
+          </a:solidFill>
+          <a:ln>
+            <a:noFill/>
+          </a:ln>
+        </p:spPr>
+        <p:style>
+          <a:lnRef idx="2">
+            <a:schemeClr val="accent1">
+              <a:shade val="50000"/>
+            </a:schemeClr>
+          </a:lnRef>
+          <a:fillRef idx="1">
+            <a:schemeClr val="accent1"/>
+          </a:fillRef>
+          <a:effectRef idx="0">
+            <a:schemeClr val="accent1"/>
+          </a:effectRef>
+          <a:fontRef idx="minor">
+            <a:schemeClr val="lt1"/>
+          </a:fontRef>
+        </p:style>
+        <p:txBody>
+          <a:bodyPr rtlCol="0" anchor="ctr"/>
+          <a:lstStyle/>
+          <a:p>
+            <a:pPr algn="ctr"/>
+            <a:r>
+              <a:rPr lang="en-US" sz="1000" b="1" dirty="0" smtClean="0">
+                <a:solidFill>
+                  <a:schemeClr val="tx1"/>
+                </a:solidFill>
+              </a:rPr>
+              <a:t>42</a:t>
+            </a:r>
+            <a:endParaRPr lang="en-US" sz="1000" b="1" dirty="0">
+              <a:solidFill>
+                <a:schemeClr val="tx1"/>
+              </a:solidFill>
+            </a:endParaRPr>
+          </a:p>
+        </p:txBody>
+      </p:sp>
+      <p:sp>
+        <p:nvSpPr>
+          <p:cNvPr id="68" name="Oval 67"/>
+          <p:cNvSpPr/>
+          <p:nvPr/>
+        </p:nvSpPr>
+        <p:spPr>
+          <a:xfrm>
+            <a:off x="8134636" y="1475949"/>
+            <a:ext cx="166255" cy="166255"/>
+          </a:xfrm>
+          <a:prstGeom prst="ellipse">
+            <a:avLst/>
+          </a:prstGeom>
+          <a:solidFill>
+            <a:srgbClr val="FF0000"/>
+          </a:solidFill>
+          <a:ln>
+            <a:noFill/>
+          </a:ln>
+        </p:spPr>
+        <p:style>
+          <a:lnRef idx="2">
+            <a:schemeClr val="accent1">
+              <a:shade val="50000"/>
+            </a:schemeClr>
+          </a:lnRef>
+          <a:fillRef idx="1">
+            <a:schemeClr val="accent1"/>
+          </a:fillRef>
+          <a:effectRef idx="0">
+            <a:schemeClr val="accent1"/>
+          </a:effectRef>
+          <a:fontRef idx="minor">
+            <a:schemeClr val="lt1"/>
+          </a:fontRef>
+        </p:style>
+        <p:txBody>
+          <a:bodyPr rtlCol="0" anchor="ctr"/>
+          <a:lstStyle/>
+          <a:p>
+            <a:pPr algn="ctr"/>
+            <a:r>
+              <a:rPr lang="en-US" sz="1000" b="1" dirty="0" smtClean="0">
+                <a:solidFill>
+                  <a:schemeClr val="tx1"/>
+                </a:solidFill>
+              </a:rPr>
+              <a:t>41</a:t>
+            </a:r>
+            <a:endParaRPr lang="en-US" sz="1000" b="1" dirty="0">
+              <a:solidFill>
+                <a:schemeClr val="tx1"/>
+              </a:solidFill>
+            </a:endParaRPr>
+          </a:p>
+        </p:txBody>
+      </p:sp>
+      <p:sp>
+        <p:nvSpPr>
+          <p:cNvPr id="81" name="Oval 80"/>
+          <p:cNvSpPr/>
+          <p:nvPr/>
+        </p:nvSpPr>
+        <p:spPr>
+          <a:xfrm>
+            <a:off x="7442253" y="2282615"/>
+            <a:ext cx="166255" cy="166255"/>
+          </a:xfrm>
+          <a:prstGeom prst="ellipse">
+            <a:avLst/>
+          </a:prstGeom>
+          <a:solidFill>
+            <a:srgbClr val="FF0000"/>
+          </a:solidFill>
+          <a:ln>
+            <a:noFill/>
+          </a:ln>
+        </p:spPr>
+        <p:style>
+          <a:lnRef idx="2">
+            <a:schemeClr val="accent1">
+              <a:shade val="50000"/>
+            </a:schemeClr>
+          </a:lnRef>
+          <a:fillRef idx="1">
+            <a:schemeClr val="accent1"/>
+          </a:fillRef>
+          <a:effectRef idx="0">
+            <a:schemeClr val="accent1"/>
+          </a:effectRef>
+          <a:fontRef idx="minor">
+            <a:schemeClr val="lt1"/>
+          </a:fontRef>
+        </p:style>
+        <p:txBody>
+          <a:bodyPr rtlCol="0" anchor="ctr"/>
+          <a:lstStyle/>
+          <a:p>
+            <a:pPr algn="ctr"/>
+            <a:r>
+              <a:rPr lang="en-US" sz="1000" b="1" dirty="0" smtClean="0">
+                <a:solidFill>
+                  <a:schemeClr val="tx1"/>
+                </a:solidFill>
+              </a:rPr>
+              <a:t>39</a:t>
+            </a:r>
+            <a:endParaRPr lang="en-US" sz="1000" b="1" dirty="0">
+              <a:solidFill>
+                <a:schemeClr val="tx1"/>
+              </a:solidFill>
+            </a:endParaRPr>
+          </a:p>
+        </p:txBody>
+      </p:sp>
+      <p:sp>
+        <p:nvSpPr>
+          <p:cNvPr id="82" name="Oval 81"/>
+          <p:cNvSpPr/>
+          <p:nvPr/>
+        </p:nvSpPr>
+        <p:spPr>
+          <a:xfrm>
+            <a:off x="9115168" y="968349"/>
+            <a:ext cx="166255" cy="166255"/>
+          </a:xfrm>
+          <a:prstGeom prst="ellipse">
+            <a:avLst/>
+          </a:prstGeom>
+          <a:solidFill>
+            <a:srgbClr val="FF0000"/>
+          </a:solidFill>
+          <a:ln>
+            <a:noFill/>
+          </a:ln>
+        </p:spPr>
+        <p:style>
+          <a:lnRef idx="2">
+            <a:schemeClr val="accent1">
+              <a:shade val="50000"/>
+            </a:schemeClr>
+          </a:lnRef>
+          <a:fillRef idx="1">
+            <a:schemeClr val="accent1"/>
+          </a:fillRef>
+          <a:effectRef idx="0">
+            <a:schemeClr val="accent1"/>
+          </a:effectRef>
+          <a:fontRef idx="minor">
+            <a:schemeClr val="lt1"/>
+          </a:fontRef>
+        </p:style>
+        <p:txBody>
+          <a:bodyPr rtlCol="0" anchor="ctr"/>
+          <a:lstStyle/>
+          <a:p>
+            <a:pPr algn="ctr"/>
+            <a:r>
+              <a:rPr lang="en-US" sz="1000" b="1" dirty="0" smtClean="0">
+                <a:solidFill>
+                  <a:schemeClr val="tx1"/>
+                </a:solidFill>
+              </a:rPr>
+              <a:t>48</a:t>
+            </a:r>
+            <a:endParaRPr lang="en-US" sz="1000" b="1" dirty="0">
+              <a:solidFill>
+                <a:schemeClr val="tx1"/>
+              </a:solidFill>
+            </a:endParaRPr>
+          </a:p>
+        </p:txBody>
+      </p:sp>
+      <p:sp>
+        <p:nvSpPr>
+          <p:cNvPr id="84" name="Oval 83"/>
+          <p:cNvSpPr/>
+          <p:nvPr/>
+        </p:nvSpPr>
+        <p:spPr>
+          <a:xfrm>
+            <a:off x="7733497" y="0"/>
+            <a:ext cx="166255" cy="166255"/>
+          </a:xfrm>
+          <a:prstGeom prst="ellipse">
+            <a:avLst/>
+          </a:prstGeom>
+          <a:solidFill>
+            <a:srgbClr val="FF0000"/>
+          </a:solidFill>
+          <a:ln>
+            <a:noFill/>
+          </a:ln>
+        </p:spPr>
+        <p:style>
+          <a:lnRef idx="2">
+            <a:schemeClr val="accent1">
+              <a:shade val="50000"/>
+            </a:schemeClr>
+          </a:lnRef>
+          <a:fillRef idx="1">
+            <a:schemeClr val="accent1"/>
+          </a:fillRef>
+          <a:effectRef idx="0">
+            <a:schemeClr val="accent1"/>
+          </a:effectRef>
+          <a:fontRef idx="minor">
+            <a:schemeClr val="lt1"/>
+          </a:fontRef>
+        </p:style>
+        <p:txBody>
+          <a:bodyPr rtlCol="0" anchor="ctr"/>
+          <a:lstStyle/>
+          <a:p>
+            <a:pPr algn="ctr"/>
+            <a:r>
+              <a:rPr lang="en-US" sz="1000" b="1" dirty="0" smtClean="0">
+                <a:solidFill>
+                  <a:schemeClr val="tx1"/>
+                </a:solidFill>
+              </a:rPr>
+              <a:t>49</a:t>
+            </a:r>
+            <a:endParaRPr lang="en-US" sz="1000" b="1" dirty="0">
+              <a:solidFill>
+                <a:schemeClr val="tx1"/>
+              </a:solidFill>
+            </a:endParaRPr>
+          </a:p>
+        </p:txBody>
+      </p:sp>
+      <p:sp>
+        <p:nvSpPr>
+          <p:cNvPr id="85" name="Oval 84"/>
+          <p:cNvSpPr/>
+          <p:nvPr/>
+        </p:nvSpPr>
+        <p:spPr>
+          <a:xfrm>
+            <a:off x="7439890" y="272471"/>
+            <a:ext cx="166255" cy="166255"/>
+          </a:xfrm>
+          <a:prstGeom prst="ellipse">
+            <a:avLst/>
+          </a:prstGeom>
+          <a:solidFill>
+            <a:srgbClr val="FF0000"/>
+          </a:solidFill>
+          <a:ln>
+            <a:noFill/>
+          </a:ln>
+        </p:spPr>
+        <p:style>
+          <a:lnRef idx="2">
+            <a:schemeClr val="accent1">
+              <a:shade val="50000"/>
+            </a:schemeClr>
+          </a:lnRef>
+          <a:fillRef idx="1">
+            <a:schemeClr val="accent1"/>
+          </a:fillRef>
+          <a:effectRef idx="0">
+            <a:schemeClr val="accent1"/>
+          </a:effectRef>
+          <a:fontRef idx="minor">
+            <a:schemeClr val="lt1"/>
+          </a:fontRef>
+        </p:style>
+        <p:txBody>
+          <a:bodyPr rtlCol="0" anchor="ctr"/>
+          <a:lstStyle/>
+          <a:p>
+            <a:pPr algn="ctr"/>
+            <a:r>
+              <a:rPr lang="en-US" sz="1000" b="1" dirty="0" smtClean="0">
+                <a:solidFill>
+                  <a:schemeClr val="tx1"/>
+                </a:solidFill>
+              </a:rPr>
+              <a:t>50</a:t>
+            </a:r>
+            <a:endParaRPr lang="en-US" sz="1000" b="1" dirty="0">
+              <a:solidFill>
+                <a:schemeClr val="tx1"/>
+              </a:solidFill>
+            </a:endParaRPr>
+          </a:p>
+        </p:txBody>
+      </p:sp>
+      <p:sp>
+        <p:nvSpPr>
+          <p:cNvPr id="88" name="Oval 87"/>
+          <p:cNvSpPr/>
+          <p:nvPr/>
+        </p:nvSpPr>
+        <p:spPr>
+          <a:xfrm>
+            <a:off x="11709143" y="3679813"/>
+            <a:ext cx="166255" cy="166255"/>
+          </a:xfrm>
+          <a:prstGeom prst="ellipse">
+            <a:avLst/>
+          </a:prstGeom>
+          <a:solidFill>
+            <a:srgbClr val="FF0000"/>
+          </a:solidFill>
+          <a:ln>
+            <a:noFill/>
+          </a:ln>
+        </p:spPr>
+        <p:style>
+          <a:lnRef idx="2">
+            <a:schemeClr val="accent1">
+              <a:shade val="50000"/>
+            </a:schemeClr>
+          </a:lnRef>
+          <a:fillRef idx="1">
+            <a:schemeClr val="accent1"/>
+          </a:fillRef>
+          <a:effectRef idx="0">
+            <a:schemeClr val="accent1"/>
+          </a:effectRef>
+          <a:fontRef idx="minor">
+            <a:schemeClr val="lt1"/>
+          </a:fontRef>
+        </p:style>
+        <p:txBody>
+          <a:bodyPr rtlCol="0" anchor="ctr"/>
+          <a:lstStyle/>
+          <a:p>
+            <a:pPr algn="ctr"/>
+            <a:r>
+              <a:rPr lang="en-US" sz="1000" b="1" dirty="0" smtClean="0">
+                <a:solidFill>
+                  <a:schemeClr val="tx1"/>
+                </a:solidFill>
+              </a:rPr>
+              <a:t>38</a:t>
+            </a:r>
+            <a:endParaRPr lang="en-US" sz="1000" b="1" dirty="0">
+              <a:solidFill>
+                <a:schemeClr val="tx1"/>
+              </a:solidFill>
+            </a:endParaRPr>
+          </a:p>
+        </p:txBody>
+      </p:sp>
+      <p:sp>
+        <p:nvSpPr>
+          <p:cNvPr id="90" name="Oval 89"/>
+          <p:cNvSpPr/>
+          <p:nvPr/>
+        </p:nvSpPr>
+        <p:spPr>
+          <a:xfrm>
+            <a:off x="10670258" y="4988919"/>
+            <a:ext cx="166255" cy="166255"/>
+          </a:xfrm>
+          <a:prstGeom prst="ellipse">
+            <a:avLst/>
+          </a:prstGeom>
+          <a:solidFill>
+            <a:srgbClr val="FF0000"/>
+          </a:solidFill>
+          <a:ln>
+            <a:noFill/>
+          </a:ln>
+        </p:spPr>
+        <p:style>
+          <a:lnRef idx="2">
+            <a:schemeClr val="accent1">
+              <a:shade val="50000"/>
+            </a:schemeClr>
+          </a:lnRef>
+          <a:fillRef idx="1">
+            <a:schemeClr val="accent1"/>
+          </a:fillRef>
+          <a:effectRef idx="0">
+            <a:schemeClr val="accent1"/>
+          </a:effectRef>
+          <a:fontRef idx="minor">
+            <a:schemeClr val="lt1"/>
+          </a:fontRef>
+        </p:style>
+        <p:txBody>
+          <a:bodyPr rtlCol="0" anchor="ctr"/>
+          <a:lstStyle/>
+          <a:p>
+            <a:pPr algn="ctr"/>
+            <a:r>
+              <a:rPr lang="en-US" sz="1000" b="1" dirty="0" smtClean="0">
+                <a:solidFill>
+                  <a:schemeClr val="tx1"/>
+                </a:solidFill>
+              </a:rPr>
+              <a:t>37</a:t>
+            </a:r>
+            <a:endParaRPr lang="en-US" sz="1000" b="1" dirty="0">
+              <a:solidFill>
+                <a:schemeClr val="tx1"/>
+              </a:solidFill>
+            </a:endParaRPr>
+          </a:p>
+        </p:txBody>
+      </p:sp>
+      <p:sp>
+        <p:nvSpPr>
+          <p:cNvPr id="91" name="Oval 90"/>
+          <p:cNvSpPr/>
+          <p:nvPr/>
+        </p:nvSpPr>
+        <p:spPr>
+          <a:xfrm>
+            <a:off x="9793341" y="5990805"/>
+            <a:ext cx="166255" cy="166255"/>
+          </a:xfrm>
+          <a:prstGeom prst="ellipse">
+            <a:avLst/>
+          </a:prstGeom>
+          <a:solidFill>
+            <a:srgbClr val="FF0000"/>
+          </a:solidFill>
+          <a:ln>
+            <a:noFill/>
+          </a:ln>
+        </p:spPr>
+        <p:style>
+          <a:lnRef idx="2">
+            <a:schemeClr val="accent1">
+              <a:shade val="50000"/>
+            </a:schemeClr>
+          </a:lnRef>
+          <a:fillRef idx="1">
+            <a:schemeClr val="accent1"/>
+          </a:fillRef>
+          <a:effectRef idx="0">
+            <a:schemeClr val="accent1"/>
+          </a:effectRef>
+          <a:fontRef idx="minor">
+            <a:schemeClr val="lt1"/>
+          </a:fontRef>
+        </p:style>
+        <p:txBody>
+          <a:bodyPr rtlCol="0" anchor="ctr"/>
+          <a:lstStyle/>
+          <a:p>
+            <a:pPr algn="ctr"/>
+            <a:r>
+              <a:rPr lang="en-US" sz="1000" b="1" dirty="0" smtClean="0">
+                <a:solidFill>
+                  <a:schemeClr val="tx1"/>
+                </a:solidFill>
+              </a:rPr>
+              <a:t>36</a:t>
+            </a:r>
+            <a:endParaRPr lang="en-US" sz="1000" b="1" dirty="0">
+              <a:solidFill>
+                <a:schemeClr val="tx1"/>
+              </a:solidFill>
+            </a:endParaRPr>
+          </a:p>
+        </p:txBody>
+      </p:sp>
+      <p:sp>
+        <p:nvSpPr>
+          <p:cNvPr id="97" name="Oval 96"/>
+          <p:cNvSpPr/>
+          <p:nvPr/>
+        </p:nvSpPr>
+        <p:spPr>
+          <a:xfrm>
+            <a:off x="8652278" y="5431516"/>
+            <a:ext cx="166255" cy="166255"/>
+          </a:xfrm>
+          <a:prstGeom prst="ellipse">
+            <a:avLst/>
+          </a:prstGeom>
+          <a:solidFill>
+            <a:srgbClr val="FF0000"/>
+          </a:solidFill>
+          <a:ln>
+            <a:noFill/>
+          </a:ln>
+        </p:spPr>
+        <p:style>
+          <a:lnRef idx="2">
+            <a:schemeClr val="accent1">
+              <a:shade val="50000"/>
+            </a:schemeClr>
+          </a:lnRef>
+          <a:fillRef idx="1">
+            <a:schemeClr val="accent1"/>
+          </a:fillRef>
+          <a:effectRef idx="0">
+            <a:schemeClr val="accent1"/>
+          </a:effectRef>
+          <a:fontRef idx="minor">
+            <a:schemeClr val="lt1"/>
+          </a:fontRef>
+        </p:style>
+        <p:txBody>
+          <a:bodyPr rtlCol="0" anchor="ctr"/>
+          <a:lstStyle/>
+          <a:p>
+            <a:pPr algn="ctr"/>
+            <a:r>
+              <a:rPr lang="en-US" sz="1000" b="1" dirty="0" smtClean="0">
+                <a:solidFill>
+                  <a:schemeClr val="tx1"/>
+                </a:solidFill>
+              </a:rPr>
+              <a:t>33</a:t>
+            </a:r>
+            <a:endParaRPr lang="en-US" sz="1000" b="1" dirty="0">
+              <a:solidFill>
+                <a:schemeClr val="tx1"/>
+              </a:solidFill>
+            </a:endParaRPr>
+          </a:p>
+        </p:txBody>
+      </p:sp>
+      <p:sp>
+        <p:nvSpPr>
+          <p:cNvPr id="98" name="Oval 97"/>
+          <p:cNvSpPr/>
+          <p:nvPr/>
+        </p:nvSpPr>
+        <p:spPr>
+          <a:xfrm>
+            <a:off x="9007809" y="6216835"/>
+            <a:ext cx="166255" cy="166255"/>
+          </a:xfrm>
+          <a:prstGeom prst="ellipse">
+            <a:avLst/>
+          </a:prstGeom>
+          <a:solidFill>
+            <a:srgbClr val="FF0000"/>
+          </a:solidFill>
+          <a:ln>
+            <a:noFill/>
+          </a:ln>
+        </p:spPr>
+        <p:style>
+          <a:lnRef idx="2">
+            <a:schemeClr val="accent1">
+              <a:shade val="50000"/>
+            </a:schemeClr>
+          </a:lnRef>
+          <a:fillRef idx="1">
+            <a:schemeClr val="accent1"/>
+          </a:fillRef>
+          <a:effectRef idx="0">
+            <a:schemeClr val="accent1"/>
+          </a:effectRef>
+          <a:fontRef idx="minor">
+            <a:schemeClr val="lt1"/>
+          </a:fontRef>
+        </p:style>
+        <p:txBody>
+          <a:bodyPr rtlCol="0" anchor="ctr"/>
+          <a:lstStyle/>
+          <a:p>
+            <a:pPr algn="ctr"/>
+            <a:r>
+              <a:rPr lang="en-US" sz="1000" b="1" dirty="0" smtClean="0">
+                <a:solidFill>
+                  <a:schemeClr val="tx1"/>
+                </a:solidFill>
+              </a:rPr>
+              <a:t>34</a:t>
+            </a:r>
+            <a:endParaRPr lang="en-US" sz="1000" b="1" dirty="0">
+              <a:solidFill>
+                <a:schemeClr val="tx1"/>
+              </a:solidFill>
+            </a:endParaRPr>
+          </a:p>
+        </p:txBody>
+      </p:sp>
+      <p:sp>
+        <p:nvSpPr>
+          <p:cNvPr id="99" name="Oval 98"/>
+          <p:cNvSpPr/>
+          <p:nvPr/>
+        </p:nvSpPr>
+        <p:spPr>
+          <a:xfrm>
+            <a:off x="7963661" y="5550704"/>
+            <a:ext cx="166255" cy="166255"/>
+          </a:xfrm>
+          <a:prstGeom prst="ellipse">
+            <a:avLst/>
+          </a:prstGeom>
+          <a:solidFill>
+            <a:srgbClr val="FF0000"/>
+          </a:solidFill>
+          <a:ln>
+            <a:noFill/>
+          </a:ln>
+        </p:spPr>
+        <p:style>
+          <a:lnRef idx="2">
+            <a:schemeClr val="accent1">
+              <a:shade val="50000"/>
+            </a:schemeClr>
+          </a:lnRef>
+          <a:fillRef idx="1">
+            <a:schemeClr val="accent1"/>
+          </a:fillRef>
+          <a:effectRef idx="0">
+            <a:schemeClr val="accent1"/>
+          </a:effectRef>
+          <a:fontRef idx="minor">
+            <a:schemeClr val="lt1"/>
+          </a:fontRef>
+        </p:style>
+        <p:txBody>
+          <a:bodyPr rtlCol="0" anchor="ctr"/>
+          <a:lstStyle/>
+          <a:p>
+            <a:pPr algn="ctr"/>
+            <a:r>
+              <a:rPr lang="en-US" sz="1000" b="1" dirty="0" smtClean="0">
+                <a:solidFill>
+                  <a:schemeClr val="tx1"/>
+                </a:solidFill>
+              </a:rPr>
+              <a:t>32</a:t>
+            </a:r>
+            <a:endParaRPr lang="en-US" sz="1000" b="1" dirty="0">
+              <a:solidFill>
+                <a:schemeClr val="tx1"/>
+              </a:solidFill>
+            </a:endParaRPr>
+          </a:p>
+        </p:txBody>
+      </p:sp>
+      <p:sp>
+        <p:nvSpPr>
+          <p:cNvPr id="101" name="Oval 100"/>
+          <p:cNvSpPr/>
+          <p:nvPr/>
+        </p:nvSpPr>
+        <p:spPr>
+          <a:xfrm>
+            <a:off x="7772400" y="5443556"/>
+            <a:ext cx="166255" cy="166255"/>
+          </a:xfrm>
+          <a:prstGeom prst="ellipse">
+            <a:avLst/>
+          </a:prstGeom>
+          <a:solidFill>
+            <a:srgbClr val="FF0000"/>
+          </a:solidFill>
+          <a:ln>
+            <a:noFill/>
+          </a:ln>
+        </p:spPr>
+        <p:style>
+          <a:lnRef idx="2">
+            <a:schemeClr val="accent1">
+              <a:shade val="50000"/>
+            </a:schemeClr>
+          </a:lnRef>
+          <a:fillRef idx="1">
+            <a:schemeClr val="accent1"/>
+          </a:fillRef>
+          <a:effectRef idx="0">
+            <a:schemeClr val="accent1"/>
+          </a:effectRef>
+          <a:fontRef idx="minor">
+            <a:schemeClr val="lt1"/>
+          </a:fontRef>
+        </p:style>
+        <p:txBody>
+          <a:bodyPr rtlCol="0" anchor="ctr"/>
+          <a:lstStyle/>
+          <a:p>
+            <a:pPr algn="ctr"/>
+            <a:r>
+              <a:rPr lang="en-US" sz="1000" b="1" dirty="0" smtClean="0">
+                <a:solidFill>
+                  <a:schemeClr val="tx1"/>
+                </a:solidFill>
+              </a:rPr>
+              <a:t>27</a:t>
+            </a:r>
+            <a:endParaRPr lang="en-US" sz="1000" b="1" dirty="0">
+              <a:solidFill>
+                <a:schemeClr val="tx1"/>
+              </a:solidFill>
+            </a:endParaRPr>
+          </a:p>
+        </p:txBody>
+      </p:sp>
+      <p:sp>
+        <p:nvSpPr>
+          <p:cNvPr id="104" name="Oval 103"/>
+          <p:cNvSpPr/>
+          <p:nvPr/>
+        </p:nvSpPr>
+        <p:spPr>
+          <a:xfrm>
+            <a:off x="7311681" y="6042735"/>
+            <a:ext cx="166255" cy="166255"/>
+          </a:xfrm>
+          <a:prstGeom prst="ellipse">
+            <a:avLst/>
+          </a:prstGeom>
+          <a:solidFill>
+            <a:srgbClr val="FF0000"/>
+          </a:solidFill>
+          <a:ln>
+            <a:noFill/>
+          </a:ln>
+        </p:spPr>
+        <p:style>
+          <a:lnRef idx="2">
+            <a:schemeClr val="accent1">
+              <a:shade val="50000"/>
+            </a:schemeClr>
+          </a:lnRef>
+          <a:fillRef idx="1">
+            <a:schemeClr val="accent1"/>
+          </a:fillRef>
+          <a:effectRef idx="0">
+            <a:schemeClr val="accent1"/>
+          </a:effectRef>
+          <a:fontRef idx="minor">
+            <a:schemeClr val="lt1"/>
+          </a:fontRef>
+        </p:style>
+        <p:txBody>
+          <a:bodyPr rtlCol="0" anchor="ctr"/>
+          <a:lstStyle/>
+          <a:p>
+            <a:pPr algn="ctr"/>
+            <a:r>
+              <a:rPr lang="en-US" sz="1000" b="1" dirty="0" smtClean="0">
+                <a:solidFill>
+                  <a:schemeClr val="tx1"/>
+                </a:solidFill>
+              </a:rPr>
+              <a:t>30</a:t>
+            </a:r>
+            <a:endParaRPr lang="en-US" sz="1000" b="1" dirty="0">
+              <a:solidFill>
+                <a:schemeClr val="tx1"/>
+              </a:solidFill>
+            </a:endParaRPr>
+          </a:p>
+        </p:txBody>
+      </p:sp>
+      <p:sp>
+        <p:nvSpPr>
+          <p:cNvPr id="105" name="Oval 104"/>
+          <p:cNvSpPr/>
+          <p:nvPr/>
+        </p:nvSpPr>
+        <p:spPr>
+          <a:xfrm>
+            <a:off x="7726719" y="6042734"/>
+            <a:ext cx="166255" cy="166255"/>
+          </a:xfrm>
+          <a:prstGeom prst="ellipse">
+            <a:avLst/>
+          </a:prstGeom>
+          <a:solidFill>
+            <a:srgbClr val="FF0000"/>
+          </a:solidFill>
+          <a:ln>
+            <a:noFill/>
+          </a:ln>
+        </p:spPr>
+        <p:style>
+          <a:lnRef idx="2">
+            <a:schemeClr val="accent1">
+              <a:shade val="50000"/>
+            </a:schemeClr>
+          </a:lnRef>
+          <a:fillRef idx="1">
+            <a:schemeClr val="accent1"/>
+          </a:fillRef>
+          <a:effectRef idx="0">
+            <a:schemeClr val="accent1"/>
+          </a:effectRef>
+          <a:fontRef idx="minor">
+            <a:schemeClr val="lt1"/>
+          </a:fontRef>
+        </p:style>
+        <p:txBody>
+          <a:bodyPr rtlCol="0" anchor="ctr"/>
+          <a:lstStyle/>
+          <a:p>
+            <a:pPr algn="ctr"/>
+            <a:r>
+              <a:rPr lang="en-US" sz="1000" b="1" dirty="0" smtClean="0">
+                <a:solidFill>
+                  <a:schemeClr val="tx1"/>
+                </a:solidFill>
+              </a:rPr>
+              <a:t>31</a:t>
+            </a:r>
+            <a:endParaRPr lang="en-US" sz="1000" b="1" dirty="0">
+              <a:solidFill>
+                <a:schemeClr val="tx1"/>
+              </a:solidFill>
+            </a:endParaRPr>
+          </a:p>
+        </p:txBody>
+      </p:sp>
+      <p:sp>
+        <p:nvSpPr>
+          <p:cNvPr id="107" name="Oval 106"/>
+          <p:cNvSpPr/>
+          <p:nvPr/>
+        </p:nvSpPr>
+        <p:spPr>
+          <a:xfrm>
+            <a:off x="7235151" y="5631531"/>
+            <a:ext cx="166255" cy="166255"/>
+          </a:xfrm>
+          <a:prstGeom prst="ellipse">
+            <a:avLst/>
+          </a:prstGeom>
+          <a:solidFill>
+            <a:srgbClr val="FF0000"/>
+          </a:solidFill>
+          <a:ln>
+            <a:noFill/>
+          </a:ln>
+        </p:spPr>
+        <p:style>
+          <a:lnRef idx="2">
+            <a:schemeClr val="accent1">
+              <a:shade val="50000"/>
+            </a:schemeClr>
+          </a:lnRef>
+          <a:fillRef idx="1">
+            <a:schemeClr val="accent1"/>
+          </a:fillRef>
+          <a:effectRef idx="0">
+            <a:schemeClr val="accent1"/>
+          </a:effectRef>
+          <a:fontRef idx="minor">
+            <a:schemeClr val="lt1"/>
+          </a:fontRef>
+        </p:style>
+        <p:txBody>
+          <a:bodyPr rtlCol="0" anchor="ctr"/>
+          <a:lstStyle/>
+          <a:p>
+            <a:pPr algn="ctr"/>
+            <a:r>
+              <a:rPr lang="en-US" sz="1000" b="1" dirty="0" smtClean="0">
+                <a:solidFill>
+                  <a:schemeClr val="tx1"/>
+                </a:solidFill>
+              </a:rPr>
+              <a:t>29</a:t>
+            </a:r>
+            <a:endParaRPr lang="en-US" sz="1000" b="1" dirty="0">
+              <a:solidFill>
+                <a:schemeClr val="tx1"/>
+              </a:solidFill>
+            </a:endParaRPr>
+          </a:p>
+        </p:txBody>
+      </p:sp>
+      <p:sp>
+        <p:nvSpPr>
+          <p:cNvPr id="108" name="Oval 107"/>
+          <p:cNvSpPr/>
+          <p:nvPr/>
+        </p:nvSpPr>
+        <p:spPr>
+          <a:xfrm>
+            <a:off x="7635975" y="5656524"/>
+            <a:ext cx="166255" cy="166255"/>
+          </a:xfrm>
+          <a:prstGeom prst="ellipse">
+            <a:avLst/>
+          </a:prstGeom>
+          <a:solidFill>
+            <a:srgbClr val="FF0000"/>
+          </a:solidFill>
+          <a:ln>
+            <a:noFill/>
+          </a:ln>
+        </p:spPr>
+        <p:style>
+          <a:lnRef idx="2">
+            <a:schemeClr val="accent1">
+              <a:shade val="50000"/>
+            </a:schemeClr>
+          </a:lnRef>
+          <a:fillRef idx="1">
+            <a:schemeClr val="accent1"/>
+          </a:fillRef>
+          <a:effectRef idx="0">
+            <a:schemeClr val="accent1"/>
+          </a:effectRef>
+          <a:fontRef idx="minor">
+            <a:schemeClr val="lt1"/>
+          </a:fontRef>
+        </p:style>
+        <p:txBody>
+          <a:bodyPr rtlCol="0" anchor="ctr"/>
+          <a:lstStyle/>
+          <a:p>
+            <a:pPr algn="ctr"/>
+            <a:r>
+              <a:rPr lang="en-US" sz="1000" b="1" dirty="0" smtClean="0">
+                <a:solidFill>
+                  <a:schemeClr val="tx1"/>
+                </a:solidFill>
+              </a:rPr>
+              <a:t>28</a:t>
+            </a:r>
+            <a:endParaRPr lang="en-US" sz="1000" b="1" dirty="0">
+              <a:solidFill>
+                <a:schemeClr val="tx1"/>
+              </a:solidFill>
+            </a:endParaRPr>
+          </a:p>
+        </p:txBody>
+      </p:sp>
+      <p:sp>
+        <p:nvSpPr>
+          <p:cNvPr id="109" name="Oval 108"/>
+          <p:cNvSpPr/>
+          <p:nvPr/>
+        </p:nvSpPr>
+        <p:spPr>
+          <a:xfrm>
+            <a:off x="8227190" y="4531890"/>
+            <a:ext cx="166255" cy="166255"/>
+          </a:xfrm>
+          <a:prstGeom prst="ellipse">
+            <a:avLst/>
+          </a:prstGeom>
+          <a:solidFill>
+            <a:srgbClr val="FF0000"/>
+          </a:solidFill>
+          <a:ln>
+            <a:noFill/>
+          </a:ln>
+        </p:spPr>
+        <p:style>
+          <a:lnRef idx="2">
+            <a:schemeClr val="accent1">
+              <a:shade val="50000"/>
+            </a:schemeClr>
+          </a:lnRef>
+          <a:fillRef idx="1">
+            <a:schemeClr val="accent1"/>
+          </a:fillRef>
+          <a:effectRef idx="0">
+            <a:schemeClr val="accent1"/>
+          </a:effectRef>
+          <a:fontRef idx="minor">
+            <a:schemeClr val="lt1"/>
+          </a:fontRef>
+        </p:style>
+        <p:txBody>
+          <a:bodyPr rtlCol="0" anchor="ctr"/>
+          <a:lstStyle/>
+          <a:p>
+            <a:pPr algn="ctr"/>
+            <a:r>
+              <a:rPr lang="en-US" sz="1000" b="1" dirty="0" smtClean="0">
+                <a:solidFill>
+                  <a:schemeClr val="tx1"/>
+                </a:solidFill>
+              </a:rPr>
+              <a:t>23</a:t>
+            </a:r>
+            <a:endParaRPr lang="en-US" sz="1000" b="1" dirty="0">
+              <a:solidFill>
+                <a:schemeClr val="tx1"/>
+              </a:solidFill>
+            </a:endParaRPr>
+          </a:p>
+        </p:txBody>
+      </p:sp>
+      <p:sp>
+        <p:nvSpPr>
+          <p:cNvPr id="110" name="Oval 109"/>
+          <p:cNvSpPr/>
+          <p:nvPr/>
+        </p:nvSpPr>
+        <p:spPr>
+          <a:xfrm>
+            <a:off x="3063592" y="1834893"/>
+            <a:ext cx="166255" cy="166255"/>
+          </a:xfrm>
+          <a:prstGeom prst="ellipse">
+            <a:avLst/>
+          </a:prstGeom>
+          <a:solidFill>
+            <a:srgbClr val="FF0000"/>
+          </a:solidFill>
+          <a:ln>
+            <a:noFill/>
+          </a:ln>
+        </p:spPr>
+        <p:style>
+          <a:lnRef idx="2">
+            <a:schemeClr val="accent1">
+              <a:shade val="50000"/>
+            </a:schemeClr>
+          </a:lnRef>
+          <a:fillRef idx="1">
+            <a:schemeClr val="accent1"/>
+          </a:fillRef>
+          <a:effectRef idx="0">
+            <a:schemeClr val="accent1"/>
+          </a:effectRef>
+          <a:fontRef idx="minor">
+            <a:schemeClr val="lt1"/>
+          </a:fontRef>
+        </p:style>
+        <p:txBody>
+          <a:bodyPr rtlCol="0" anchor="ctr"/>
+          <a:lstStyle/>
+          <a:p>
+            <a:pPr algn="ctr"/>
+            <a:r>
+              <a:rPr lang="en-US" sz="1000" b="1" dirty="0" smtClean="0">
+                <a:solidFill>
+                  <a:schemeClr val="tx1"/>
+                </a:solidFill>
+              </a:rPr>
+              <a:t>21</a:t>
+            </a:r>
+            <a:endParaRPr lang="en-US" sz="1000" b="1" dirty="0">
+              <a:solidFill>
+                <a:schemeClr val="tx1"/>
+              </a:solidFill>
+            </a:endParaRPr>
+          </a:p>
+        </p:txBody>
+      </p:sp>
+      <p:sp>
+        <p:nvSpPr>
+          <p:cNvPr id="111" name="Oval 110"/>
+          <p:cNvSpPr/>
+          <p:nvPr/>
+        </p:nvSpPr>
+        <p:spPr>
+          <a:xfrm>
+            <a:off x="3291167" y="2535882"/>
+            <a:ext cx="166255" cy="166255"/>
+          </a:xfrm>
+          <a:prstGeom prst="ellipse">
+            <a:avLst/>
+          </a:prstGeom>
+          <a:solidFill>
+            <a:srgbClr val="FF0000"/>
+          </a:solidFill>
+          <a:ln>
+            <a:noFill/>
+          </a:ln>
+        </p:spPr>
+        <p:style>
+          <a:lnRef idx="2">
+            <a:schemeClr val="accent1">
+              <a:shade val="50000"/>
+            </a:schemeClr>
+          </a:lnRef>
+          <a:fillRef idx="1">
+            <a:schemeClr val="accent1"/>
+          </a:fillRef>
+          <a:effectRef idx="0">
+            <a:schemeClr val="accent1"/>
+          </a:effectRef>
+          <a:fontRef idx="minor">
+            <a:schemeClr val="lt1"/>
+          </a:fontRef>
+        </p:style>
+        <p:txBody>
+          <a:bodyPr rtlCol="0" anchor="ctr"/>
+          <a:lstStyle/>
+          <a:p>
+            <a:pPr algn="ctr"/>
+            <a:r>
+              <a:rPr lang="en-US" sz="1000" b="1" dirty="0" smtClean="0">
+                <a:solidFill>
+                  <a:schemeClr val="tx1"/>
+                </a:solidFill>
+              </a:rPr>
+              <a:t>18</a:t>
+            </a:r>
+            <a:endParaRPr lang="en-US" sz="1000" b="1" dirty="0">
+              <a:solidFill>
+                <a:schemeClr val="tx1"/>
+              </a:solidFill>
+            </a:endParaRPr>
+          </a:p>
+        </p:txBody>
+      </p:sp>
+      <p:sp>
+        <p:nvSpPr>
+          <p:cNvPr id="112" name="Oval 111"/>
+          <p:cNvSpPr/>
+          <p:nvPr/>
+        </p:nvSpPr>
+        <p:spPr>
+          <a:xfrm>
+            <a:off x="2324752" y="1980842"/>
+            <a:ext cx="166255" cy="166255"/>
+          </a:xfrm>
+          <a:prstGeom prst="ellipse">
+            <a:avLst/>
+          </a:prstGeom>
+          <a:solidFill>
+            <a:srgbClr val="FF0000"/>
+          </a:solidFill>
+          <a:ln>
+            <a:noFill/>
+          </a:ln>
+        </p:spPr>
+        <p:style>
+          <a:lnRef idx="2">
+            <a:schemeClr val="accent1">
+              <a:shade val="50000"/>
+            </a:schemeClr>
+          </a:lnRef>
+          <a:fillRef idx="1">
+            <a:schemeClr val="accent1"/>
+          </a:fillRef>
+          <a:effectRef idx="0">
+            <a:schemeClr val="accent1"/>
+          </a:effectRef>
+          <a:fontRef idx="minor">
+            <a:schemeClr val="lt1"/>
+          </a:fontRef>
+        </p:style>
+        <p:txBody>
+          <a:bodyPr rtlCol="0" anchor="ctr"/>
+          <a:lstStyle/>
+          <a:p>
+            <a:pPr algn="ctr"/>
+            <a:r>
+              <a:rPr lang="en-US" sz="1000" b="1" dirty="0" smtClean="0">
+                <a:solidFill>
+                  <a:schemeClr val="tx1"/>
+                </a:solidFill>
+              </a:rPr>
+              <a:t>20</a:t>
+            </a:r>
+            <a:endParaRPr lang="en-US" sz="1000" b="1" dirty="0">
+              <a:solidFill>
+                <a:schemeClr val="tx1"/>
+              </a:solidFill>
+            </a:endParaRPr>
+          </a:p>
+        </p:txBody>
+      </p:sp>
+      <p:sp>
+        <p:nvSpPr>
+          <p:cNvPr id="113" name="Oval 112"/>
+          <p:cNvSpPr/>
+          <p:nvPr/>
+        </p:nvSpPr>
+        <p:spPr>
+          <a:xfrm>
+            <a:off x="2608568" y="2147097"/>
+            <a:ext cx="166255" cy="166255"/>
+          </a:xfrm>
+          <a:prstGeom prst="ellipse">
+            <a:avLst/>
+          </a:prstGeom>
+          <a:solidFill>
+            <a:srgbClr val="FF0000"/>
+          </a:solidFill>
+          <a:ln>
+            <a:noFill/>
+          </a:ln>
+        </p:spPr>
+        <p:style>
+          <a:lnRef idx="2">
+            <a:schemeClr val="accent1">
+              <a:shade val="50000"/>
+            </a:schemeClr>
+          </a:lnRef>
+          <a:fillRef idx="1">
+            <a:schemeClr val="accent1"/>
+          </a:fillRef>
+          <a:effectRef idx="0">
+            <a:schemeClr val="accent1"/>
+          </a:effectRef>
+          <a:fontRef idx="minor">
+            <a:schemeClr val="lt1"/>
+          </a:fontRef>
+        </p:style>
+        <p:txBody>
+          <a:bodyPr rtlCol="0" anchor="ctr"/>
+          <a:lstStyle/>
+          <a:p>
+            <a:pPr algn="ctr"/>
+            <a:r>
+              <a:rPr lang="en-US" sz="1000" b="1" dirty="0" smtClean="0">
+                <a:solidFill>
+                  <a:schemeClr val="tx1"/>
+                </a:solidFill>
+              </a:rPr>
+              <a:t>19</a:t>
+            </a:r>
+            <a:endParaRPr lang="en-US" sz="1000" b="1" dirty="0">
+              <a:solidFill>
+                <a:schemeClr val="tx1"/>
+              </a:solidFill>
+            </a:endParaRPr>
+          </a:p>
+        </p:txBody>
+      </p:sp>
+      <p:sp>
+        <p:nvSpPr>
+          <p:cNvPr id="114" name="Oval 113"/>
+          <p:cNvSpPr/>
+          <p:nvPr/>
+        </p:nvSpPr>
+        <p:spPr>
+          <a:xfrm>
+            <a:off x="1612661" y="3347600"/>
+            <a:ext cx="166255" cy="166255"/>
+          </a:xfrm>
+          <a:prstGeom prst="ellipse">
+            <a:avLst/>
+          </a:prstGeom>
+          <a:solidFill>
+            <a:srgbClr val="FF0000"/>
+          </a:solidFill>
+          <a:ln>
+            <a:noFill/>
+          </a:ln>
+        </p:spPr>
+        <p:style>
+          <a:lnRef idx="2">
+            <a:schemeClr val="accent1">
+              <a:shade val="50000"/>
+            </a:schemeClr>
+          </a:lnRef>
+          <a:fillRef idx="1">
+            <a:schemeClr val="accent1"/>
+          </a:fillRef>
+          <a:effectRef idx="0">
+            <a:schemeClr val="accent1"/>
+          </a:effectRef>
+          <a:fontRef idx="minor">
+            <a:schemeClr val="lt1"/>
+          </a:fontRef>
+        </p:style>
+        <p:txBody>
+          <a:bodyPr rtlCol="0" anchor="ctr"/>
+          <a:lstStyle/>
+          <a:p>
+            <a:pPr algn="ctr"/>
+            <a:r>
+              <a:rPr lang="en-US" sz="1000" b="1" dirty="0" smtClean="0">
+                <a:solidFill>
+                  <a:schemeClr val="tx1"/>
+                </a:solidFill>
+              </a:rPr>
+              <a:t>22</a:t>
+            </a:r>
+            <a:endParaRPr lang="en-US" sz="1000" b="1" dirty="0">
+              <a:solidFill>
+                <a:schemeClr val="tx1"/>
+              </a:solidFill>
+            </a:endParaRPr>
+          </a:p>
+        </p:txBody>
+      </p:sp>
+      <p:sp>
+        <p:nvSpPr>
+          <p:cNvPr id="115" name="Oval 114"/>
+          <p:cNvSpPr/>
+          <p:nvPr/>
+        </p:nvSpPr>
+        <p:spPr>
+          <a:xfrm>
+            <a:off x="4514045" y="3347600"/>
+            <a:ext cx="166255" cy="166255"/>
+          </a:xfrm>
+          <a:prstGeom prst="ellipse">
+            <a:avLst/>
+          </a:prstGeom>
+          <a:solidFill>
+            <a:srgbClr val="FF0000"/>
+          </a:solidFill>
+          <a:ln>
+            <a:noFill/>
+          </a:ln>
+        </p:spPr>
+        <p:style>
+          <a:lnRef idx="2">
+            <a:schemeClr val="accent1">
+              <a:shade val="50000"/>
+            </a:schemeClr>
+          </a:lnRef>
+          <a:fillRef idx="1">
+            <a:schemeClr val="accent1"/>
+          </a:fillRef>
+          <a:effectRef idx="0">
+            <a:schemeClr val="accent1"/>
+          </a:effectRef>
+          <a:fontRef idx="minor">
+            <a:schemeClr val="lt1"/>
+          </a:fontRef>
+        </p:style>
+        <p:txBody>
+          <a:bodyPr rtlCol="0" anchor="ctr"/>
+          <a:lstStyle/>
+          <a:p>
+            <a:pPr algn="ctr"/>
+            <a:r>
+              <a:rPr lang="en-US" sz="1000" b="1" dirty="0" smtClean="0">
+                <a:solidFill>
+                  <a:schemeClr val="tx1"/>
+                </a:solidFill>
+              </a:rPr>
+              <a:t>17</a:t>
+            </a:r>
+            <a:endParaRPr lang="en-US" sz="1000" b="1" dirty="0">
+              <a:solidFill>
+                <a:schemeClr val="tx1"/>
+              </a:solidFill>
+            </a:endParaRPr>
+          </a:p>
+        </p:txBody>
+      </p:sp>
+      <p:sp>
+        <p:nvSpPr>
+          <p:cNvPr id="116" name="Oval 115"/>
+          <p:cNvSpPr/>
+          <p:nvPr/>
+        </p:nvSpPr>
+        <p:spPr>
+          <a:xfrm>
+            <a:off x="5988702" y="2664206"/>
+            <a:ext cx="166255" cy="166255"/>
+          </a:xfrm>
+          <a:prstGeom prst="ellipse">
+            <a:avLst/>
+          </a:prstGeom>
+          <a:solidFill>
+            <a:srgbClr val="FF0000"/>
+          </a:solidFill>
+          <a:ln>
+            <a:noFill/>
+          </a:ln>
+        </p:spPr>
+        <p:style>
+          <a:lnRef idx="2">
+            <a:schemeClr val="accent1">
+              <a:shade val="50000"/>
+            </a:schemeClr>
+          </a:lnRef>
+          <a:fillRef idx="1">
+            <a:schemeClr val="accent1"/>
+          </a:fillRef>
+          <a:effectRef idx="0">
+            <a:schemeClr val="accent1"/>
+          </a:effectRef>
+          <a:fontRef idx="minor">
+            <a:schemeClr val="lt1"/>
+          </a:fontRef>
+        </p:style>
+        <p:txBody>
+          <a:bodyPr rtlCol="0" anchor="ctr"/>
+          <a:lstStyle/>
+          <a:p>
+            <a:pPr algn="ctr"/>
+            <a:r>
+              <a:rPr lang="en-US" sz="1000" b="1" dirty="0" smtClean="0">
+                <a:solidFill>
+                  <a:schemeClr val="tx1"/>
+                </a:solidFill>
+              </a:rPr>
+              <a:t>15</a:t>
+            </a:r>
+            <a:endParaRPr lang="en-US" sz="1000" b="1" dirty="0">
+              <a:solidFill>
+                <a:schemeClr val="tx1"/>
+              </a:solidFill>
+            </a:endParaRPr>
+          </a:p>
+        </p:txBody>
+      </p:sp>
+      <p:sp>
+        <p:nvSpPr>
+          <p:cNvPr id="117" name="Oval 116"/>
+          <p:cNvSpPr/>
+          <p:nvPr/>
+        </p:nvSpPr>
+        <p:spPr>
+          <a:xfrm>
+            <a:off x="6392781" y="2022811"/>
+            <a:ext cx="166255" cy="166255"/>
+          </a:xfrm>
+          <a:prstGeom prst="ellipse">
+            <a:avLst/>
+          </a:prstGeom>
+          <a:solidFill>
+            <a:srgbClr val="FF0000"/>
+          </a:solidFill>
+          <a:ln>
+            <a:noFill/>
+          </a:ln>
+        </p:spPr>
+        <p:style>
+          <a:lnRef idx="2">
+            <a:schemeClr val="accent1">
+              <a:shade val="50000"/>
+            </a:schemeClr>
+          </a:lnRef>
+          <a:fillRef idx="1">
+            <a:schemeClr val="accent1"/>
+          </a:fillRef>
+          <a:effectRef idx="0">
+            <a:schemeClr val="accent1"/>
+          </a:effectRef>
+          <a:fontRef idx="minor">
+            <a:schemeClr val="lt1"/>
+          </a:fontRef>
+        </p:style>
+        <p:txBody>
+          <a:bodyPr rtlCol="0" anchor="ctr"/>
+          <a:lstStyle/>
+          <a:p>
+            <a:pPr algn="ctr"/>
+            <a:r>
+              <a:rPr lang="en-US" sz="1000" b="1" dirty="0" smtClean="0">
+                <a:solidFill>
+                  <a:schemeClr val="tx1"/>
+                </a:solidFill>
+              </a:rPr>
+              <a:t>16</a:t>
+            </a:r>
+            <a:endParaRPr lang="en-US" sz="1000" b="1" dirty="0">
+              <a:solidFill>
+                <a:schemeClr val="tx1"/>
+              </a:solidFill>
+            </a:endParaRPr>
+          </a:p>
+        </p:txBody>
+      </p:sp>
+      <p:sp>
+        <p:nvSpPr>
+          <p:cNvPr id="118" name="Oval 117"/>
+          <p:cNvSpPr/>
+          <p:nvPr/>
+        </p:nvSpPr>
+        <p:spPr>
+          <a:xfrm>
+            <a:off x="8707620" y="3932746"/>
+            <a:ext cx="166255" cy="166255"/>
+          </a:xfrm>
+          <a:prstGeom prst="ellipse">
+            <a:avLst/>
+          </a:prstGeom>
+          <a:solidFill>
+            <a:srgbClr val="FF0000"/>
+          </a:solidFill>
+          <a:ln>
+            <a:noFill/>
+          </a:ln>
+        </p:spPr>
+        <p:style>
+          <a:lnRef idx="2">
+            <a:schemeClr val="accent1">
+              <a:shade val="50000"/>
+            </a:schemeClr>
+          </a:lnRef>
+          <a:fillRef idx="1">
+            <a:schemeClr val="accent1"/>
+          </a:fillRef>
+          <a:effectRef idx="0">
+            <a:schemeClr val="accent1"/>
+          </a:effectRef>
+          <a:fontRef idx="minor">
+            <a:schemeClr val="lt1"/>
+          </a:fontRef>
+        </p:style>
+        <p:txBody>
+          <a:bodyPr rtlCol="0" anchor="ctr"/>
+          <a:lstStyle/>
+          <a:p>
+            <a:pPr algn="ctr"/>
+            <a:r>
+              <a:rPr lang="en-US" sz="1000" b="1" dirty="0" smtClean="0">
+                <a:solidFill>
+                  <a:schemeClr val="tx1"/>
+                </a:solidFill>
+              </a:rPr>
+              <a:t>24</a:t>
+            </a:r>
+            <a:endParaRPr lang="en-US" sz="1000" b="1" dirty="0">
+              <a:solidFill>
+                <a:schemeClr val="tx1"/>
+              </a:solidFill>
+            </a:endParaRPr>
+          </a:p>
+        </p:txBody>
+      </p:sp>
+      <p:sp>
+        <p:nvSpPr>
+          <p:cNvPr id="119" name="Oval 118"/>
+          <p:cNvSpPr/>
+          <p:nvPr/>
+        </p:nvSpPr>
+        <p:spPr>
+          <a:xfrm>
+            <a:off x="9515135" y="3954818"/>
+            <a:ext cx="166255" cy="166255"/>
+          </a:xfrm>
+          <a:prstGeom prst="ellipse">
+            <a:avLst/>
+          </a:prstGeom>
+          <a:solidFill>
+            <a:srgbClr val="FF0000"/>
+          </a:solidFill>
+          <a:ln>
+            <a:noFill/>
+          </a:ln>
+        </p:spPr>
+        <p:style>
+          <a:lnRef idx="2">
+            <a:schemeClr val="accent1">
+              <a:shade val="50000"/>
+            </a:schemeClr>
+          </a:lnRef>
+          <a:fillRef idx="1">
+            <a:schemeClr val="accent1"/>
+          </a:fillRef>
+          <a:effectRef idx="0">
+            <a:schemeClr val="accent1"/>
+          </a:effectRef>
+          <a:fontRef idx="minor">
+            <a:schemeClr val="lt1"/>
+          </a:fontRef>
+        </p:style>
+        <p:txBody>
+          <a:bodyPr rtlCol="0" anchor="ctr"/>
+          <a:lstStyle/>
+          <a:p>
+            <a:pPr algn="ctr"/>
+            <a:r>
+              <a:rPr lang="en-US" sz="1000" b="1" dirty="0" smtClean="0">
+                <a:solidFill>
+                  <a:schemeClr val="tx1"/>
+                </a:solidFill>
+              </a:rPr>
+              <a:t>25</a:t>
+            </a:r>
+            <a:endParaRPr lang="en-US" sz="1000" b="1" dirty="0">
+              <a:solidFill>
+                <a:schemeClr val="tx1"/>
+              </a:solidFill>
+            </a:endParaRPr>
+          </a:p>
+        </p:txBody>
+      </p:sp>
+      <p:sp>
+        <p:nvSpPr>
+          <p:cNvPr id="120" name="Oval 119"/>
+          <p:cNvSpPr/>
+          <p:nvPr/>
+        </p:nvSpPr>
+        <p:spPr>
+          <a:xfrm>
+            <a:off x="9762683" y="3711713"/>
+            <a:ext cx="166255" cy="166255"/>
+          </a:xfrm>
+          <a:prstGeom prst="ellipse">
+            <a:avLst/>
+          </a:prstGeom>
+          <a:solidFill>
+            <a:srgbClr val="FF0000"/>
+          </a:solidFill>
+          <a:ln>
+            <a:noFill/>
+          </a:ln>
+        </p:spPr>
+        <p:style>
+          <a:lnRef idx="2">
+            <a:schemeClr val="accent1">
+              <a:shade val="50000"/>
+            </a:schemeClr>
+          </a:lnRef>
+          <a:fillRef idx="1">
+            <a:schemeClr val="accent1"/>
+          </a:fillRef>
+          <a:effectRef idx="0">
+            <a:schemeClr val="accent1"/>
+          </a:effectRef>
+          <a:fontRef idx="minor">
+            <a:schemeClr val="lt1"/>
+          </a:fontRef>
+        </p:style>
+        <p:txBody>
+          <a:bodyPr rtlCol="0" anchor="ctr"/>
+          <a:lstStyle/>
+          <a:p>
+            <a:pPr algn="ctr"/>
+            <a:r>
+              <a:rPr lang="en-US" sz="1000" b="1" dirty="0" smtClean="0">
+                <a:solidFill>
+                  <a:schemeClr val="tx1"/>
+                </a:solidFill>
+              </a:rPr>
+              <a:t>26</a:t>
+            </a:r>
+            <a:endParaRPr lang="en-US" sz="1000" b="1" dirty="0">
+              <a:solidFill>
+                <a:schemeClr val="tx1"/>
+              </a:solidFill>
+            </a:endParaRPr>
+          </a:p>
+        </p:txBody>
+      </p:sp>
+      <p:cxnSp>
+        <p:nvCxnSpPr>
+          <p:cNvPr id="121" name="Straight Arrow Connector 120"/>
+          <p:cNvCxnSpPr>
+            <a:stCxn id="114" idx="7"/>
+            <a:endCxn id="113" idx="3"/>
+          </p:cNvCxnSpPr>
+          <p:nvPr/>
+        </p:nvCxnSpPr>
+        <p:spPr>
+          <a:xfrm flipV="1">
+            <a:off x="1754569" y="2289005"/>
+            <a:ext cx="878346" cy="1082942"/>
+          </a:xfrm>
+          <a:prstGeom prst="straightConnector1">
+            <a:avLst/>
+          </a:prstGeom>
+          <a:ln>
+            <a:headEnd type="triangle"/>
+            <a:tailEnd type="triangle"/>
+          </a:ln>
+        </p:spPr>
+        <p:style>
+          <a:lnRef idx="2">
+            <a:schemeClr val="dk1"/>
+          </a:lnRef>
+          <a:fillRef idx="0">
+            <a:schemeClr val="dk1"/>
+          </a:fillRef>
+          <a:effectRef idx="1">
+            <a:schemeClr val="dk1"/>
+          </a:effectRef>
+          <a:fontRef idx="minor">
+            <a:schemeClr val="tx1"/>
+          </a:fontRef>
+        </p:style>
+      </p:cxnSp>
+      <p:sp>
+        <p:nvSpPr>
+          <p:cNvPr id="122" name="TextBox 121"/>
+          <p:cNvSpPr txBox="1"/>
+          <p:nvPr/>
+        </p:nvSpPr>
+        <p:spPr>
+          <a:xfrm rot="18158382">
+            <a:off x="1952580" y="2752496"/>
+            <a:ext cx="614271" cy="246221"/>
+          </a:xfrm>
+          <a:prstGeom prst="rect">
+            <a:avLst/>
+          </a:prstGeom>
+          <a:noFill/>
+        </p:spPr>
+        <p:txBody>
+          <a:bodyPr wrap="none" rtlCol="0">
+            <a:spAutoFit/>
+          </a:bodyPr>
+          <a:lstStyle/>
+          <a:p>
+            <a:r>
+              <a:rPr lang="en-US" sz="1000" b="1" dirty="0" smtClean="0"/>
+              <a:t>95,16 </a:t>
+            </a:r>
+            <a:r>
+              <a:rPr lang="en-US" sz="1000" b="1" dirty="0"/>
+              <a:t>m</a:t>
+            </a:r>
+          </a:p>
+        </p:txBody>
+      </p:sp>
+      <p:cxnSp>
+        <p:nvCxnSpPr>
+          <p:cNvPr id="123" name="Straight Arrow Connector 122"/>
+          <p:cNvCxnSpPr>
+            <a:stCxn id="112" idx="5"/>
+            <a:endCxn id="113" idx="1"/>
+          </p:cNvCxnSpPr>
+          <p:nvPr/>
+        </p:nvCxnSpPr>
+        <p:spPr>
+          <a:xfrm>
+            <a:off x="2466660" y="2122750"/>
+            <a:ext cx="166255" cy="48694"/>
+          </a:xfrm>
+          <a:prstGeom prst="straightConnector1">
+            <a:avLst/>
+          </a:prstGeom>
+          <a:ln>
+            <a:headEnd type="triangle"/>
+            <a:tailEnd type="triangle"/>
+          </a:ln>
+        </p:spPr>
+        <p:style>
+          <a:lnRef idx="2">
+            <a:schemeClr val="dk1"/>
+          </a:lnRef>
+          <a:fillRef idx="0">
+            <a:schemeClr val="dk1"/>
+          </a:fillRef>
+          <a:effectRef idx="1">
+            <a:schemeClr val="dk1"/>
+          </a:effectRef>
+          <a:fontRef idx="minor">
+            <a:schemeClr val="tx1"/>
+          </a:fontRef>
+        </p:style>
+      </p:cxnSp>
+      <p:sp>
+        <p:nvSpPr>
+          <p:cNvPr id="124" name="TextBox 123"/>
+          <p:cNvSpPr txBox="1"/>
+          <p:nvPr/>
+        </p:nvSpPr>
+        <p:spPr>
+          <a:xfrm rot="2349103">
+            <a:off x="1879675" y="2214110"/>
+            <a:ext cx="614271" cy="246221"/>
+          </a:xfrm>
+          <a:prstGeom prst="rect">
+            <a:avLst/>
+          </a:prstGeom>
+          <a:noFill/>
+        </p:spPr>
+        <p:txBody>
+          <a:bodyPr wrap="none" rtlCol="0">
+            <a:spAutoFit/>
+          </a:bodyPr>
+          <a:lstStyle/>
+          <a:p>
+            <a:r>
+              <a:rPr lang="en-US" sz="1000" b="1" dirty="0"/>
+              <a:t>2</a:t>
+            </a:r>
+            <a:r>
+              <a:rPr lang="en-US" sz="1000" b="1" dirty="0" smtClean="0"/>
+              <a:t>5,13 </a:t>
+            </a:r>
+            <a:r>
+              <a:rPr lang="en-US" sz="1000" b="1" dirty="0"/>
+              <a:t>m</a:t>
+            </a:r>
+          </a:p>
+        </p:txBody>
+      </p:sp>
+      <p:cxnSp>
+        <p:nvCxnSpPr>
+          <p:cNvPr id="125" name="Straight Arrow Connector 124"/>
+          <p:cNvCxnSpPr>
+            <a:stCxn id="112" idx="7"/>
+            <a:endCxn id="110" idx="1"/>
+          </p:cNvCxnSpPr>
+          <p:nvPr/>
+        </p:nvCxnSpPr>
+        <p:spPr>
+          <a:xfrm flipV="1">
+            <a:off x="2466660" y="1859240"/>
+            <a:ext cx="621279" cy="145949"/>
+          </a:xfrm>
+          <a:prstGeom prst="straightConnector1">
+            <a:avLst/>
+          </a:prstGeom>
+          <a:ln>
+            <a:headEnd type="triangle"/>
+            <a:tailEnd type="triangle"/>
+          </a:ln>
+        </p:spPr>
+        <p:style>
+          <a:lnRef idx="2">
+            <a:schemeClr val="dk1"/>
+          </a:lnRef>
+          <a:fillRef idx="0">
+            <a:schemeClr val="dk1"/>
+          </a:fillRef>
+          <a:effectRef idx="1">
+            <a:schemeClr val="dk1"/>
+          </a:effectRef>
+          <a:fontRef idx="minor">
+            <a:schemeClr val="tx1"/>
+          </a:fontRef>
+        </p:style>
+      </p:cxnSp>
+      <p:cxnSp>
+        <p:nvCxnSpPr>
+          <p:cNvPr id="126" name="Straight Arrow Connector 125"/>
+          <p:cNvCxnSpPr>
+            <a:stCxn id="111" idx="0"/>
+            <a:endCxn id="110" idx="5"/>
+          </p:cNvCxnSpPr>
+          <p:nvPr/>
+        </p:nvCxnSpPr>
+        <p:spPr>
+          <a:xfrm flipH="1" flipV="1">
+            <a:off x="3205500" y="1976801"/>
+            <a:ext cx="168795" cy="559081"/>
+          </a:xfrm>
+          <a:prstGeom prst="straightConnector1">
+            <a:avLst/>
+          </a:prstGeom>
+          <a:ln>
+            <a:headEnd type="triangle"/>
+            <a:tailEnd type="triangle"/>
+          </a:ln>
+        </p:spPr>
+        <p:style>
+          <a:lnRef idx="2">
+            <a:schemeClr val="dk1"/>
+          </a:lnRef>
+          <a:fillRef idx="0">
+            <a:schemeClr val="dk1"/>
+          </a:fillRef>
+          <a:effectRef idx="1">
+            <a:schemeClr val="dk1"/>
+          </a:effectRef>
+          <a:fontRef idx="minor">
+            <a:schemeClr val="tx1"/>
+          </a:fontRef>
+        </p:style>
+      </p:cxnSp>
+      <p:cxnSp>
+        <p:nvCxnSpPr>
+          <p:cNvPr id="127" name="Straight Arrow Connector 126"/>
+          <p:cNvCxnSpPr>
+            <a:stCxn id="113" idx="5"/>
+            <a:endCxn id="111" idx="2"/>
+          </p:cNvCxnSpPr>
+          <p:nvPr/>
+        </p:nvCxnSpPr>
+        <p:spPr>
+          <a:xfrm>
+            <a:off x="2750476" y="2289005"/>
+            <a:ext cx="540691" cy="330005"/>
+          </a:xfrm>
+          <a:prstGeom prst="straightConnector1">
+            <a:avLst/>
+          </a:prstGeom>
+          <a:ln>
+            <a:headEnd type="triangle"/>
+            <a:tailEnd type="triangle"/>
+          </a:ln>
+        </p:spPr>
+        <p:style>
+          <a:lnRef idx="2">
+            <a:schemeClr val="dk1"/>
+          </a:lnRef>
+          <a:fillRef idx="0">
+            <a:schemeClr val="dk1"/>
+          </a:fillRef>
+          <a:effectRef idx="1">
+            <a:schemeClr val="dk1"/>
+          </a:effectRef>
+          <a:fontRef idx="minor">
+            <a:schemeClr val="tx1"/>
+          </a:fontRef>
+        </p:style>
+      </p:cxnSp>
+      <p:cxnSp>
+        <p:nvCxnSpPr>
+          <p:cNvPr id="128" name="Straight Arrow Connector 127"/>
+          <p:cNvCxnSpPr>
+            <a:stCxn id="111" idx="5"/>
+            <a:endCxn id="115" idx="1"/>
+          </p:cNvCxnSpPr>
+          <p:nvPr/>
+        </p:nvCxnSpPr>
+        <p:spPr>
+          <a:xfrm>
+            <a:off x="3433075" y="2677790"/>
+            <a:ext cx="1105317" cy="694157"/>
+          </a:xfrm>
+          <a:prstGeom prst="straightConnector1">
+            <a:avLst/>
+          </a:prstGeom>
+          <a:ln>
+            <a:headEnd type="triangle"/>
+            <a:tailEnd type="triangle"/>
+          </a:ln>
+        </p:spPr>
+        <p:style>
+          <a:lnRef idx="2">
+            <a:schemeClr val="dk1"/>
+          </a:lnRef>
+          <a:fillRef idx="0">
+            <a:schemeClr val="dk1"/>
+          </a:fillRef>
+          <a:effectRef idx="1">
+            <a:schemeClr val="dk1"/>
+          </a:effectRef>
+          <a:fontRef idx="minor">
+            <a:schemeClr val="tx1"/>
+          </a:fontRef>
+        </p:style>
+      </p:cxnSp>
+      <p:cxnSp>
+        <p:nvCxnSpPr>
+          <p:cNvPr id="129" name="Straight Arrow Connector 128"/>
+          <p:cNvCxnSpPr>
+            <a:stCxn id="115" idx="5"/>
+            <a:endCxn id="14" idx="2"/>
+          </p:cNvCxnSpPr>
+          <p:nvPr/>
+        </p:nvCxnSpPr>
+        <p:spPr>
+          <a:xfrm>
+            <a:off x="4655953" y="3489508"/>
+            <a:ext cx="613393" cy="399001"/>
+          </a:xfrm>
+          <a:prstGeom prst="straightConnector1">
+            <a:avLst/>
+          </a:prstGeom>
+          <a:ln>
+            <a:headEnd type="triangle"/>
+            <a:tailEnd type="triangle"/>
+          </a:ln>
+        </p:spPr>
+        <p:style>
+          <a:lnRef idx="2">
+            <a:schemeClr val="dk1"/>
+          </a:lnRef>
+          <a:fillRef idx="0">
+            <a:schemeClr val="dk1"/>
+          </a:fillRef>
+          <a:effectRef idx="1">
+            <a:schemeClr val="dk1"/>
+          </a:effectRef>
+          <a:fontRef idx="minor">
+            <a:schemeClr val="tx1"/>
+          </a:fontRef>
+        </p:style>
+      </p:cxnSp>
+      <p:cxnSp>
+        <p:nvCxnSpPr>
+          <p:cNvPr id="130" name="Straight Arrow Connector 129"/>
+          <p:cNvCxnSpPr>
+            <a:stCxn id="116" idx="0"/>
+            <a:endCxn id="117" idx="3"/>
+          </p:cNvCxnSpPr>
+          <p:nvPr/>
+        </p:nvCxnSpPr>
+        <p:spPr>
+          <a:xfrm flipV="1">
+            <a:off x="6071830" y="2164719"/>
+            <a:ext cx="345298" cy="499487"/>
+          </a:xfrm>
+          <a:prstGeom prst="straightConnector1">
+            <a:avLst/>
+          </a:prstGeom>
+          <a:ln>
+            <a:headEnd type="triangle"/>
+            <a:tailEnd type="triangle"/>
+          </a:ln>
+        </p:spPr>
+        <p:style>
+          <a:lnRef idx="2">
+            <a:schemeClr val="dk1"/>
+          </a:lnRef>
+          <a:fillRef idx="0">
+            <a:schemeClr val="dk1"/>
+          </a:fillRef>
+          <a:effectRef idx="1">
+            <a:schemeClr val="dk1"/>
+          </a:effectRef>
+          <a:fontRef idx="minor">
+            <a:schemeClr val="tx1"/>
+          </a:fontRef>
+        </p:style>
+      </p:cxnSp>
+      <p:cxnSp>
+        <p:nvCxnSpPr>
+          <p:cNvPr id="131" name="Straight Arrow Connector 130"/>
+          <p:cNvCxnSpPr>
+            <a:stCxn id="117" idx="0"/>
+            <a:endCxn id="15" idx="3"/>
+          </p:cNvCxnSpPr>
+          <p:nvPr/>
+        </p:nvCxnSpPr>
+        <p:spPr>
+          <a:xfrm flipV="1">
+            <a:off x="6475909" y="1795216"/>
+            <a:ext cx="175529" cy="227595"/>
+          </a:xfrm>
+          <a:prstGeom prst="straightConnector1">
+            <a:avLst/>
+          </a:prstGeom>
+          <a:ln>
+            <a:headEnd type="triangle"/>
+            <a:tailEnd type="triangle"/>
+          </a:ln>
+        </p:spPr>
+        <p:style>
+          <a:lnRef idx="2">
+            <a:schemeClr val="dk1"/>
+          </a:lnRef>
+          <a:fillRef idx="0">
+            <a:schemeClr val="dk1"/>
+          </a:fillRef>
+          <a:effectRef idx="1">
+            <a:schemeClr val="dk1"/>
+          </a:effectRef>
+          <a:fontRef idx="minor">
+            <a:schemeClr val="tx1"/>
+          </a:fontRef>
+        </p:style>
+      </p:cxnSp>
+      <p:cxnSp>
+        <p:nvCxnSpPr>
+          <p:cNvPr id="132" name="Straight Arrow Connector 131"/>
+          <p:cNvCxnSpPr>
+            <a:stCxn id="49" idx="1"/>
+            <a:endCxn id="81" idx="5"/>
+          </p:cNvCxnSpPr>
+          <p:nvPr/>
+        </p:nvCxnSpPr>
+        <p:spPr>
+          <a:xfrm flipH="1" flipV="1">
+            <a:off x="7584161" y="2424523"/>
+            <a:ext cx="741077" cy="608568"/>
+          </a:xfrm>
+          <a:prstGeom prst="straightConnector1">
+            <a:avLst/>
+          </a:prstGeom>
+          <a:ln>
+            <a:headEnd type="triangle"/>
+            <a:tailEnd type="triangle"/>
+          </a:ln>
+        </p:spPr>
+        <p:style>
+          <a:lnRef idx="2">
+            <a:schemeClr val="dk1"/>
+          </a:lnRef>
+          <a:fillRef idx="0">
+            <a:schemeClr val="dk1"/>
+          </a:fillRef>
+          <a:effectRef idx="1">
+            <a:schemeClr val="dk1"/>
+          </a:effectRef>
+          <a:fontRef idx="minor">
+            <a:schemeClr val="tx1"/>
+          </a:fontRef>
+        </p:style>
+      </p:cxnSp>
+      <p:cxnSp>
+        <p:nvCxnSpPr>
+          <p:cNvPr id="133" name="Straight Arrow Connector 132"/>
+          <p:cNvCxnSpPr>
+            <a:stCxn id="64" idx="3"/>
+            <a:endCxn id="81" idx="7"/>
+          </p:cNvCxnSpPr>
+          <p:nvPr/>
+        </p:nvCxnSpPr>
+        <p:spPr>
+          <a:xfrm flipH="1">
+            <a:off x="7584161" y="1956495"/>
+            <a:ext cx="283113" cy="350467"/>
+          </a:xfrm>
+          <a:prstGeom prst="straightConnector1">
+            <a:avLst/>
+          </a:prstGeom>
+          <a:ln>
+            <a:headEnd type="triangle"/>
+            <a:tailEnd type="triangle"/>
+          </a:ln>
+        </p:spPr>
+        <p:style>
+          <a:lnRef idx="2">
+            <a:schemeClr val="dk1"/>
+          </a:lnRef>
+          <a:fillRef idx="0">
+            <a:schemeClr val="dk1"/>
+          </a:fillRef>
+          <a:effectRef idx="1">
+            <a:schemeClr val="dk1"/>
+          </a:effectRef>
+          <a:fontRef idx="minor">
+            <a:schemeClr val="tx1"/>
+          </a:fontRef>
+        </p:style>
+      </p:cxnSp>
+      <p:cxnSp>
+        <p:nvCxnSpPr>
+          <p:cNvPr id="134" name="Straight Arrow Connector 133"/>
+          <p:cNvCxnSpPr>
+            <a:stCxn id="64" idx="5"/>
+            <a:endCxn id="66" idx="3"/>
+          </p:cNvCxnSpPr>
+          <p:nvPr/>
+        </p:nvCxnSpPr>
+        <p:spPr>
+          <a:xfrm>
+            <a:off x="7984835" y="1956495"/>
+            <a:ext cx="364750" cy="178677"/>
+          </a:xfrm>
+          <a:prstGeom prst="straightConnector1">
+            <a:avLst/>
+          </a:prstGeom>
+          <a:ln>
+            <a:headEnd type="triangle"/>
+            <a:tailEnd type="triangle"/>
+          </a:ln>
+        </p:spPr>
+        <p:style>
+          <a:lnRef idx="2">
+            <a:schemeClr val="dk1"/>
+          </a:lnRef>
+          <a:fillRef idx="0">
+            <a:schemeClr val="dk1"/>
+          </a:fillRef>
+          <a:effectRef idx="1">
+            <a:schemeClr val="dk1"/>
+          </a:effectRef>
+          <a:fontRef idx="minor">
+            <a:schemeClr val="tx1"/>
+          </a:fontRef>
+        </p:style>
+      </p:cxnSp>
+      <p:cxnSp>
+        <p:nvCxnSpPr>
+          <p:cNvPr id="135" name="Straight Arrow Connector 134"/>
+          <p:cNvCxnSpPr>
+            <a:stCxn id="68" idx="2"/>
+            <a:endCxn id="64" idx="7"/>
+          </p:cNvCxnSpPr>
+          <p:nvPr/>
+        </p:nvCxnSpPr>
+        <p:spPr>
+          <a:xfrm flipH="1">
+            <a:off x="7984835" y="1559077"/>
+            <a:ext cx="149801" cy="279857"/>
+          </a:xfrm>
+          <a:prstGeom prst="straightConnector1">
+            <a:avLst/>
+          </a:prstGeom>
+          <a:ln>
+            <a:headEnd type="triangle"/>
+            <a:tailEnd type="triangle"/>
+          </a:ln>
+        </p:spPr>
+        <p:style>
+          <a:lnRef idx="2">
+            <a:schemeClr val="dk1"/>
+          </a:lnRef>
+          <a:fillRef idx="0">
+            <a:schemeClr val="dk1"/>
+          </a:fillRef>
+          <a:effectRef idx="1">
+            <a:schemeClr val="dk1"/>
+          </a:effectRef>
+          <a:fontRef idx="minor">
+            <a:schemeClr val="tx1"/>
+          </a:fontRef>
+        </p:style>
+      </p:cxnSp>
+      <p:cxnSp>
+        <p:nvCxnSpPr>
+          <p:cNvPr id="136" name="Straight Arrow Connector 135"/>
+          <p:cNvCxnSpPr>
+            <a:stCxn id="68" idx="7"/>
+            <a:endCxn id="63" idx="1"/>
+          </p:cNvCxnSpPr>
+          <p:nvPr/>
+        </p:nvCxnSpPr>
+        <p:spPr>
+          <a:xfrm>
+            <a:off x="8276544" y="1500296"/>
+            <a:ext cx="426654" cy="182507"/>
+          </a:xfrm>
+          <a:prstGeom prst="straightConnector1">
+            <a:avLst/>
+          </a:prstGeom>
+          <a:ln>
+            <a:headEnd type="triangle"/>
+            <a:tailEnd type="triangle"/>
+          </a:ln>
+        </p:spPr>
+        <p:style>
+          <a:lnRef idx="2">
+            <a:schemeClr val="dk1"/>
+          </a:lnRef>
+          <a:fillRef idx="0">
+            <a:schemeClr val="dk1"/>
+          </a:fillRef>
+          <a:effectRef idx="1">
+            <a:schemeClr val="dk1"/>
+          </a:effectRef>
+          <a:fontRef idx="minor">
+            <a:schemeClr val="tx1"/>
+          </a:fontRef>
+        </p:style>
+      </p:cxnSp>
+      <p:cxnSp>
+        <p:nvCxnSpPr>
+          <p:cNvPr id="139" name="Straight Arrow Connector 138"/>
+          <p:cNvCxnSpPr>
+            <a:stCxn id="63" idx="4"/>
+            <a:endCxn id="66" idx="6"/>
+          </p:cNvCxnSpPr>
+          <p:nvPr/>
+        </p:nvCxnSpPr>
+        <p:spPr>
+          <a:xfrm flipH="1">
+            <a:off x="8491493" y="1824711"/>
+            <a:ext cx="270486" cy="251681"/>
+          </a:xfrm>
+          <a:prstGeom prst="straightConnector1">
+            <a:avLst/>
+          </a:prstGeom>
+          <a:ln>
+            <a:headEnd type="triangle"/>
+            <a:tailEnd type="triangle"/>
+          </a:ln>
+        </p:spPr>
+        <p:style>
+          <a:lnRef idx="2">
+            <a:schemeClr val="dk1"/>
+          </a:lnRef>
+          <a:fillRef idx="0">
+            <a:schemeClr val="dk1"/>
+          </a:fillRef>
+          <a:effectRef idx="1">
+            <a:schemeClr val="dk1"/>
+          </a:effectRef>
+          <a:fontRef idx="minor">
+            <a:schemeClr val="tx1"/>
+          </a:fontRef>
+        </p:style>
+      </p:cxnSp>
+      <p:cxnSp>
+        <p:nvCxnSpPr>
+          <p:cNvPr id="142" name="Straight Arrow Connector 141"/>
+          <p:cNvCxnSpPr>
+            <a:stCxn id="63" idx="5"/>
+            <a:endCxn id="62" idx="1"/>
+          </p:cNvCxnSpPr>
+          <p:nvPr/>
+        </p:nvCxnSpPr>
+        <p:spPr>
+          <a:xfrm>
+            <a:off x="8820759" y="1800364"/>
+            <a:ext cx="981308" cy="842993"/>
+          </a:xfrm>
+          <a:prstGeom prst="straightConnector1">
+            <a:avLst/>
+          </a:prstGeom>
+          <a:ln>
+            <a:headEnd type="triangle"/>
+            <a:tailEnd type="triangle"/>
+          </a:ln>
+        </p:spPr>
+        <p:style>
+          <a:lnRef idx="2">
+            <a:schemeClr val="dk1"/>
+          </a:lnRef>
+          <a:fillRef idx="0">
+            <a:schemeClr val="dk1"/>
+          </a:fillRef>
+          <a:effectRef idx="1">
+            <a:schemeClr val="dk1"/>
+          </a:effectRef>
+          <a:fontRef idx="minor">
+            <a:schemeClr val="tx1"/>
+          </a:fontRef>
+        </p:style>
+      </p:cxnSp>
+      <p:cxnSp>
+        <p:nvCxnSpPr>
+          <p:cNvPr id="145" name="Straight Arrow Connector 144"/>
+          <p:cNvCxnSpPr>
+            <a:stCxn id="62" idx="3"/>
+            <a:endCxn id="40" idx="7"/>
+          </p:cNvCxnSpPr>
+          <p:nvPr/>
+        </p:nvCxnSpPr>
+        <p:spPr>
+          <a:xfrm flipH="1">
+            <a:off x="9561741" y="2760918"/>
+            <a:ext cx="240326" cy="325485"/>
+          </a:xfrm>
+          <a:prstGeom prst="straightConnector1">
+            <a:avLst/>
+          </a:prstGeom>
+          <a:ln>
+            <a:headEnd type="triangle"/>
+            <a:tailEnd type="triangle"/>
+          </a:ln>
+        </p:spPr>
+        <p:style>
+          <a:lnRef idx="2">
+            <a:schemeClr val="dk1"/>
+          </a:lnRef>
+          <a:fillRef idx="0">
+            <a:schemeClr val="dk1"/>
+          </a:fillRef>
+          <a:effectRef idx="1">
+            <a:schemeClr val="dk1"/>
+          </a:effectRef>
+          <a:fontRef idx="minor">
+            <a:schemeClr val="tx1"/>
+          </a:fontRef>
+        </p:style>
+      </p:cxnSp>
+      <p:cxnSp>
+        <p:nvCxnSpPr>
+          <p:cNvPr id="150" name="Straight Arrow Connector 149"/>
+          <p:cNvCxnSpPr>
+            <a:stCxn id="109" idx="7"/>
+            <a:endCxn id="118" idx="3"/>
+          </p:cNvCxnSpPr>
+          <p:nvPr/>
+        </p:nvCxnSpPr>
+        <p:spPr>
+          <a:xfrm flipV="1">
+            <a:off x="8369098" y="4074654"/>
+            <a:ext cx="362869" cy="481583"/>
+          </a:xfrm>
+          <a:prstGeom prst="straightConnector1">
+            <a:avLst/>
+          </a:prstGeom>
+          <a:ln>
+            <a:headEnd type="triangle"/>
+            <a:tailEnd type="triangle"/>
+          </a:ln>
+        </p:spPr>
+        <p:style>
+          <a:lnRef idx="2">
+            <a:schemeClr val="dk1"/>
+          </a:lnRef>
+          <a:fillRef idx="0">
+            <a:schemeClr val="dk1"/>
+          </a:fillRef>
+          <a:effectRef idx="1">
+            <a:schemeClr val="dk1"/>
+          </a:effectRef>
+          <a:fontRef idx="minor">
+            <a:schemeClr val="tx1"/>
+          </a:fontRef>
+        </p:style>
+      </p:cxnSp>
+      <p:cxnSp>
+        <p:nvCxnSpPr>
+          <p:cNvPr id="153" name="Straight Arrow Connector 152"/>
+          <p:cNvCxnSpPr>
+            <a:stCxn id="8" idx="7"/>
+            <a:endCxn id="109" idx="3"/>
+          </p:cNvCxnSpPr>
+          <p:nvPr/>
+        </p:nvCxnSpPr>
+        <p:spPr>
+          <a:xfrm flipV="1">
+            <a:off x="7748053" y="4673798"/>
+            <a:ext cx="503484" cy="661457"/>
+          </a:xfrm>
+          <a:prstGeom prst="straightConnector1">
+            <a:avLst/>
+          </a:prstGeom>
+          <a:ln>
+            <a:headEnd type="triangle"/>
+            <a:tailEnd type="triangle"/>
+          </a:ln>
+        </p:spPr>
+        <p:style>
+          <a:lnRef idx="2">
+            <a:schemeClr val="dk1"/>
+          </a:lnRef>
+          <a:fillRef idx="0">
+            <a:schemeClr val="dk1"/>
+          </a:fillRef>
+          <a:effectRef idx="1">
+            <a:schemeClr val="dk1"/>
+          </a:effectRef>
+          <a:fontRef idx="minor">
+            <a:schemeClr val="tx1"/>
+          </a:fontRef>
+        </p:style>
+      </p:cxnSp>
+      <p:cxnSp>
+        <p:nvCxnSpPr>
+          <p:cNvPr id="156" name="Straight Arrow Connector 155"/>
+          <p:cNvCxnSpPr>
+            <a:endCxn id="85" idx="3"/>
+          </p:cNvCxnSpPr>
+          <p:nvPr/>
+        </p:nvCxnSpPr>
+        <p:spPr>
+          <a:xfrm flipV="1">
+            <a:off x="6754791" y="414379"/>
+            <a:ext cx="709446" cy="1238928"/>
+          </a:xfrm>
+          <a:prstGeom prst="straightConnector1">
+            <a:avLst/>
+          </a:prstGeom>
+          <a:ln>
+            <a:headEnd type="triangle"/>
+            <a:tailEnd type="triangle"/>
+          </a:ln>
+        </p:spPr>
+        <p:style>
+          <a:lnRef idx="2">
+            <a:schemeClr val="dk1"/>
+          </a:lnRef>
+          <a:fillRef idx="0">
+            <a:schemeClr val="dk1"/>
+          </a:fillRef>
+          <a:effectRef idx="1">
+            <a:schemeClr val="dk1"/>
+          </a:effectRef>
+          <a:fontRef idx="minor">
+            <a:schemeClr val="tx1"/>
+          </a:fontRef>
+        </p:style>
+      </p:cxnSp>
+      <p:cxnSp>
+        <p:nvCxnSpPr>
+          <p:cNvPr id="159" name="Straight Arrow Connector 158"/>
+          <p:cNvCxnSpPr>
+            <a:stCxn id="85" idx="7"/>
+            <a:endCxn id="84" idx="1"/>
+          </p:cNvCxnSpPr>
+          <p:nvPr/>
+        </p:nvCxnSpPr>
+        <p:spPr>
+          <a:xfrm flipV="1">
+            <a:off x="7581798" y="24347"/>
+            <a:ext cx="176046" cy="272471"/>
+          </a:xfrm>
+          <a:prstGeom prst="straightConnector1">
+            <a:avLst/>
+          </a:prstGeom>
+          <a:ln>
+            <a:headEnd type="triangle"/>
+            <a:tailEnd type="triangle"/>
+          </a:ln>
+        </p:spPr>
+        <p:style>
+          <a:lnRef idx="2">
+            <a:schemeClr val="dk1"/>
+          </a:lnRef>
+          <a:fillRef idx="0">
+            <a:schemeClr val="dk1"/>
+          </a:fillRef>
+          <a:effectRef idx="1">
+            <a:schemeClr val="dk1"/>
+          </a:effectRef>
+          <a:fontRef idx="minor">
+            <a:schemeClr val="tx1"/>
+          </a:fontRef>
+        </p:style>
+      </p:cxnSp>
+      <p:cxnSp>
+        <p:nvCxnSpPr>
+          <p:cNvPr id="162" name="Straight Arrow Connector 161"/>
+          <p:cNvCxnSpPr>
+            <a:stCxn id="84" idx="7"/>
+            <a:endCxn id="82" idx="1"/>
+          </p:cNvCxnSpPr>
+          <p:nvPr/>
+        </p:nvCxnSpPr>
+        <p:spPr>
+          <a:xfrm>
+            <a:off x="7875405" y="24347"/>
+            <a:ext cx="1264110" cy="968349"/>
+          </a:xfrm>
+          <a:prstGeom prst="straightConnector1">
+            <a:avLst/>
+          </a:prstGeom>
+          <a:ln>
+            <a:headEnd type="triangle"/>
+            <a:tailEnd type="triangle"/>
+          </a:ln>
+        </p:spPr>
+        <p:style>
+          <a:lnRef idx="2">
+            <a:schemeClr val="dk1"/>
+          </a:lnRef>
+          <a:fillRef idx="0">
+            <a:schemeClr val="dk1"/>
+          </a:fillRef>
+          <a:effectRef idx="1">
+            <a:schemeClr val="dk1"/>
+          </a:effectRef>
+          <a:fontRef idx="minor">
+            <a:schemeClr val="tx1"/>
+          </a:fontRef>
+        </p:style>
+      </p:cxnSp>
+      <p:cxnSp>
+        <p:nvCxnSpPr>
+          <p:cNvPr id="165" name="Straight Arrow Connector 164"/>
+          <p:cNvCxnSpPr>
+            <a:stCxn id="82" idx="5"/>
+            <a:endCxn id="58" idx="2"/>
+          </p:cNvCxnSpPr>
+          <p:nvPr/>
+        </p:nvCxnSpPr>
+        <p:spPr>
+          <a:xfrm>
+            <a:off x="9257076" y="1110257"/>
+            <a:ext cx="676166" cy="543051"/>
+          </a:xfrm>
+          <a:prstGeom prst="straightConnector1">
+            <a:avLst/>
+          </a:prstGeom>
+          <a:ln>
+            <a:headEnd type="triangle"/>
+            <a:tailEnd type="triangle"/>
+          </a:ln>
+        </p:spPr>
+        <p:style>
+          <a:lnRef idx="2">
+            <a:schemeClr val="dk1"/>
+          </a:lnRef>
+          <a:fillRef idx="0">
+            <a:schemeClr val="dk1"/>
+          </a:fillRef>
+          <a:effectRef idx="1">
+            <a:schemeClr val="dk1"/>
+          </a:effectRef>
+          <a:fontRef idx="minor">
+            <a:schemeClr val="tx1"/>
+          </a:fontRef>
+        </p:style>
+      </p:cxnSp>
+      <p:cxnSp>
+        <p:nvCxnSpPr>
+          <p:cNvPr id="169" name="Straight Arrow Connector 168"/>
+          <p:cNvCxnSpPr>
+            <a:stCxn id="58" idx="7"/>
+            <a:endCxn id="56" idx="3"/>
+          </p:cNvCxnSpPr>
+          <p:nvPr/>
+        </p:nvCxnSpPr>
+        <p:spPr>
+          <a:xfrm flipV="1">
+            <a:off x="10075150" y="1249992"/>
+            <a:ext cx="275472" cy="344535"/>
+          </a:xfrm>
+          <a:prstGeom prst="straightConnector1">
+            <a:avLst/>
+          </a:prstGeom>
+          <a:ln>
+            <a:headEnd type="triangle"/>
+            <a:tailEnd type="triangle"/>
+          </a:ln>
+        </p:spPr>
+        <p:style>
+          <a:lnRef idx="2">
+            <a:schemeClr val="dk1"/>
+          </a:lnRef>
+          <a:fillRef idx="0">
+            <a:schemeClr val="dk1"/>
+          </a:fillRef>
+          <a:effectRef idx="1">
+            <a:schemeClr val="dk1"/>
+          </a:effectRef>
+          <a:fontRef idx="minor">
+            <a:schemeClr val="tx1"/>
+          </a:fontRef>
+        </p:style>
+      </p:cxnSp>
+      <p:cxnSp>
+        <p:nvCxnSpPr>
+          <p:cNvPr id="172" name="Straight Arrow Connector 171"/>
+          <p:cNvCxnSpPr>
+            <a:stCxn id="58" idx="5"/>
+            <a:endCxn id="60" idx="0"/>
+          </p:cNvCxnSpPr>
+          <p:nvPr/>
+        </p:nvCxnSpPr>
+        <p:spPr>
+          <a:xfrm>
+            <a:off x="10075150" y="1712088"/>
+            <a:ext cx="302194" cy="281177"/>
+          </a:xfrm>
+          <a:prstGeom prst="straightConnector1">
+            <a:avLst/>
+          </a:prstGeom>
+          <a:ln>
+            <a:headEnd type="triangle"/>
+            <a:tailEnd type="triangle"/>
+          </a:ln>
+        </p:spPr>
+        <p:style>
+          <a:lnRef idx="2">
+            <a:schemeClr val="dk1"/>
+          </a:lnRef>
+          <a:fillRef idx="0">
+            <a:schemeClr val="dk1"/>
+          </a:fillRef>
+          <a:effectRef idx="1">
+            <a:schemeClr val="dk1"/>
+          </a:effectRef>
+          <a:fontRef idx="minor">
+            <a:schemeClr val="tx1"/>
+          </a:fontRef>
+        </p:style>
+      </p:cxnSp>
+      <p:cxnSp>
+        <p:nvCxnSpPr>
+          <p:cNvPr id="175" name="Straight Arrow Connector 174"/>
+          <p:cNvCxnSpPr>
+            <a:stCxn id="62" idx="7"/>
+            <a:endCxn id="60" idx="3"/>
+          </p:cNvCxnSpPr>
+          <p:nvPr/>
+        </p:nvCxnSpPr>
+        <p:spPr>
+          <a:xfrm flipV="1">
+            <a:off x="9919628" y="2135173"/>
+            <a:ext cx="398935" cy="508184"/>
+          </a:xfrm>
+          <a:prstGeom prst="straightConnector1">
+            <a:avLst/>
+          </a:prstGeom>
+          <a:ln>
+            <a:headEnd type="triangle"/>
+            <a:tailEnd type="triangle"/>
+          </a:ln>
+        </p:spPr>
+        <p:style>
+          <a:lnRef idx="2">
+            <a:schemeClr val="dk1"/>
+          </a:lnRef>
+          <a:fillRef idx="0">
+            <a:schemeClr val="dk1"/>
+          </a:fillRef>
+          <a:effectRef idx="1">
+            <a:schemeClr val="dk1"/>
+          </a:effectRef>
+          <a:fontRef idx="minor">
+            <a:schemeClr val="tx1"/>
+          </a:fontRef>
+        </p:style>
+      </p:cxnSp>
+      <p:cxnSp>
+        <p:nvCxnSpPr>
+          <p:cNvPr id="179" name="Straight Arrow Connector 178"/>
+          <p:cNvCxnSpPr>
+            <a:stCxn id="120" idx="5"/>
+            <a:endCxn id="6" idx="1"/>
+          </p:cNvCxnSpPr>
+          <p:nvPr/>
+        </p:nvCxnSpPr>
+        <p:spPr>
+          <a:xfrm>
+            <a:off x="9904591" y="3853621"/>
+            <a:ext cx="1053302" cy="829958"/>
+          </a:xfrm>
+          <a:prstGeom prst="straightConnector1">
+            <a:avLst/>
+          </a:prstGeom>
+          <a:ln>
+            <a:headEnd type="triangle"/>
+            <a:tailEnd type="triangle"/>
+          </a:ln>
+        </p:spPr>
+        <p:style>
+          <a:lnRef idx="2">
+            <a:schemeClr val="dk1"/>
+          </a:lnRef>
+          <a:fillRef idx="0">
+            <a:schemeClr val="dk1"/>
+          </a:fillRef>
+          <a:effectRef idx="1">
+            <a:schemeClr val="dk1"/>
+          </a:effectRef>
+          <a:fontRef idx="minor">
+            <a:schemeClr val="tx1"/>
+          </a:fontRef>
+        </p:style>
+      </p:cxnSp>
+      <p:cxnSp>
+        <p:nvCxnSpPr>
+          <p:cNvPr id="182" name="Straight Arrow Connector 181"/>
+          <p:cNvCxnSpPr>
+            <a:stCxn id="6" idx="7"/>
+            <a:endCxn id="88" idx="3"/>
+          </p:cNvCxnSpPr>
+          <p:nvPr/>
+        </p:nvCxnSpPr>
+        <p:spPr>
+          <a:xfrm flipV="1">
+            <a:off x="11075454" y="3821721"/>
+            <a:ext cx="658036" cy="861858"/>
+          </a:xfrm>
+          <a:prstGeom prst="straightConnector1">
+            <a:avLst/>
+          </a:prstGeom>
+          <a:ln>
+            <a:headEnd type="triangle"/>
+            <a:tailEnd type="triangle"/>
+          </a:ln>
+        </p:spPr>
+        <p:style>
+          <a:lnRef idx="2">
+            <a:schemeClr val="dk1"/>
+          </a:lnRef>
+          <a:fillRef idx="0">
+            <a:schemeClr val="dk1"/>
+          </a:fillRef>
+          <a:effectRef idx="1">
+            <a:schemeClr val="dk1"/>
+          </a:effectRef>
+          <a:fontRef idx="minor">
+            <a:schemeClr val="tx1"/>
+          </a:fontRef>
+        </p:style>
+      </p:cxnSp>
+      <p:cxnSp>
+        <p:nvCxnSpPr>
+          <p:cNvPr id="185" name="Straight Arrow Connector 184"/>
+          <p:cNvCxnSpPr>
+            <a:stCxn id="118" idx="6"/>
+            <a:endCxn id="119" idx="2"/>
+          </p:cNvCxnSpPr>
+          <p:nvPr/>
+        </p:nvCxnSpPr>
+        <p:spPr>
+          <a:xfrm>
+            <a:off x="8873875" y="4015874"/>
+            <a:ext cx="641260" cy="22072"/>
+          </a:xfrm>
+          <a:prstGeom prst="straightConnector1">
+            <a:avLst/>
+          </a:prstGeom>
+          <a:ln>
+            <a:headEnd type="triangle"/>
+            <a:tailEnd type="triangle"/>
+          </a:ln>
+        </p:spPr>
+        <p:style>
+          <a:lnRef idx="2">
+            <a:schemeClr val="dk1"/>
+          </a:lnRef>
+          <a:fillRef idx="0">
+            <a:schemeClr val="dk1"/>
+          </a:fillRef>
+          <a:effectRef idx="1">
+            <a:schemeClr val="dk1"/>
+          </a:effectRef>
+          <a:fontRef idx="minor">
+            <a:schemeClr val="tx1"/>
+          </a:fontRef>
+        </p:style>
+      </p:cxnSp>
+      <p:cxnSp>
+        <p:nvCxnSpPr>
+          <p:cNvPr id="188" name="Straight Arrow Connector 187"/>
+          <p:cNvCxnSpPr>
+            <a:stCxn id="119" idx="7"/>
+            <a:endCxn id="120" idx="3"/>
+          </p:cNvCxnSpPr>
+          <p:nvPr/>
+        </p:nvCxnSpPr>
+        <p:spPr>
+          <a:xfrm flipV="1">
+            <a:off x="9657043" y="3853621"/>
+            <a:ext cx="129987" cy="125544"/>
+          </a:xfrm>
+          <a:prstGeom prst="straightConnector1">
+            <a:avLst/>
+          </a:prstGeom>
+          <a:ln>
+            <a:headEnd type="triangle"/>
+            <a:tailEnd type="triangle"/>
+          </a:ln>
+        </p:spPr>
+        <p:style>
+          <a:lnRef idx="2">
+            <a:schemeClr val="dk1"/>
+          </a:lnRef>
+          <a:fillRef idx="0">
+            <a:schemeClr val="dk1"/>
+          </a:fillRef>
+          <a:effectRef idx="1">
+            <a:schemeClr val="dk1"/>
+          </a:effectRef>
+          <a:fontRef idx="minor">
+            <a:schemeClr val="tx1"/>
+          </a:fontRef>
+        </p:style>
+      </p:cxnSp>
+      <p:cxnSp>
+        <p:nvCxnSpPr>
+          <p:cNvPr id="191" name="Straight Arrow Connector 190"/>
+          <p:cNvCxnSpPr>
+            <a:stCxn id="104" idx="5"/>
+            <a:endCxn id="105" idx="3"/>
+          </p:cNvCxnSpPr>
+          <p:nvPr/>
+        </p:nvCxnSpPr>
+        <p:spPr>
+          <a:xfrm flipV="1">
+            <a:off x="7453589" y="6184642"/>
+            <a:ext cx="297477" cy="1"/>
+          </a:xfrm>
+          <a:prstGeom prst="straightConnector1">
+            <a:avLst/>
+          </a:prstGeom>
+          <a:ln>
+            <a:headEnd type="triangle"/>
+            <a:tailEnd type="triangle"/>
+          </a:ln>
+        </p:spPr>
+        <p:style>
+          <a:lnRef idx="2">
+            <a:schemeClr val="dk1"/>
+          </a:lnRef>
+          <a:fillRef idx="0">
+            <a:schemeClr val="dk1"/>
+          </a:fillRef>
+          <a:effectRef idx="1">
+            <a:schemeClr val="dk1"/>
+          </a:effectRef>
+          <a:fontRef idx="minor">
+            <a:schemeClr val="tx1"/>
+          </a:fontRef>
+        </p:style>
+      </p:cxnSp>
+      <p:cxnSp>
+        <p:nvCxnSpPr>
+          <p:cNvPr id="195" name="Straight Arrow Connector 194"/>
+          <p:cNvCxnSpPr>
+            <a:stCxn id="99" idx="5"/>
+            <a:endCxn id="98" idx="1"/>
+          </p:cNvCxnSpPr>
+          <p:nvPr/>
+        </p:nvCxnSpPr>
+        <p:spPr>
+          <a:xfrm>
+            <a:off x="8105569" y="5692612"/>
+            <a:ext cx="926587" cy="548570"/>
+          </a:xfrm>
+          <a:prstGeom prst="straightConnector1">
+            <a:avLst/>
+          </a:prstGeom>
+          <a:ln>
+            <a:headEnd type="triangle"/>
+            <a:tailEnd type="triangle"/>
+          </a:ln>
+        </p:spPr>
+        <p:style>
+          <a:lnRef idx="2">
+            <a:schemeClr val="dk1"/>
+          </a:lnRef>
+          <a:fillRef idx="0">
+            <a:schemeClr val="dk1"/>
+          </a:fillRef>
+          <a:effectRef idx="1">
+            <a:schemeClr val="dk1"/>
+          </a:effectRef>
+          <a:fontRef idx="minor">
+            <a:schemeClr val="tx1"/>
+          </a:fontRef>
+        </p:style>
+      </p:cxnSp>
+      <p:cxnSp>
+        <p:nvCxnSpPr>
+          <p:cNvPr id="198" name="Straight Arrow Connector 197"/>
+          <p:cNvCxnSpPr>
+            <a:stCxn id="97" idx="6"/>
+            <a:endCxn id="98" idx="0"/>
+          </p:cNvCxnSpPr>
+          <p:nvPr/>
+        </p:nvCxnSpPr>
+        <p:spPr>
+          <a:xfrm>
+            <a:off x="8818533" y="5514644"/>
+            <a:ext cx="272404" cy="702191"/>
+          </a:xfrm>
+          <a:prstGeom prst="straightConnector1">
+            <a:avLst/>
+          </a:prstGeom>
+          <a:ln>
+            <a:headEnd type="triangle"/>
+            <a:tailEnd type="triangle"/>
+          </a:ln>
+        </p:spPr>
+        <p:style>
+          <a:lnRef idx="2">
+            <a:schemeClr val="dk1"/>
+          </a:lnRef>
+          <a:fillRef idx="0">
+            <a:schemeClr val="dk1"/>
+          </a:fillRef>
+          <a:effectRef idx="1">
+            <a:schemeClr val="dk1"/>
+          </a:effectRef>
+          <a:fontRef idx="minor">
+            <a:schemeClr val="tx1"/>
+          </a:fontRef>
+        </p:style>
+      </p:cxnSp>
+      <p:cxnSp>
+        <p:nvCxnSpPr>
+          <p:cNvPr id="201" name="Straight Arrow Connector 200"/>
+          <p:cNvCxnSpPr>
+            <a:stCxn id="99" idx="0"/>
+            <a:endCxn id="97" idx="1"/>
+          </p:cNvCxnSpPr>
+          <p:nvPr/>
+        </p:nvCxnSpPr>
+        <p:spPr>
+          <a:xfrm flipV="1">
+            <a:off x="8046789" y="5455863"/>
+            <a:ext cx="629836" cy="94841"/>
+          </a:xfrm>
+          <a:prstGeom prst="straightConnector1">
+            <a:avLst/>
+          </a:prstGeom>
+          <a:ln>
+            <a:headEnd type="triangle"/>
+            <a:tailEnd type="triangle"/>
+          </a:ln>
+        </p:spPr>
+        <p:style>
+          <a:lnRef idx="2">
+            <a:schemeClr val="dk1"/>
+          </a:lnRef>
+          <a:fillRef idx="0">
+            <a:schemeClr val="dk1"/>
+          </a:fillRef>
+          <a:effectRef idx="1">
+            <a:schemeClr val="dk1"/>
+          </a:effectRef>
+          <a:fontRef idx="minor">
+            <a:schemeClr val="tx1"/>
+          </a:fontRef>
+        </p:style>
+      </p:cxnSp>
+      <p:cxnSp>
+        <p:nvCxnSpPr>
+          <p:cNvPr id="204" name="Straight Arrow Connector 203"/>
+          <p:cNvCxnSpPr>
+            <a:stCxn id="107" idx="3"/>
+            <a:endCxn id="104" idx="2"/>
+          </p:cNvCxnSpPr>
+          <p:nvPr/>
+        </p:nvCxnSpPr>
+        <p:spPr>
+          <a:xfrm>
+            <a:off x="7259498" y="5773439"/>
+            <a:ext cx="52183" cy="352424"/>
+          </a:xfrm>
+          <a:prstGeom prst="straightConnector1">
+            <a:avLst/>
+          </a:prstGeom>
+          <a:ln>
+            <a:headEnd type="triangle"/>
+            <a:tailEnd type="triangle"/>
+          </a:ln>
+        </p:spPr>
+        <p:style>
+          <a:lnRef idx="2">
+            <a:schemeClr val="dk1"/>
+          </a:lnRef>
+          <a:fillRef idx="0">
+            <a:schemeClr val="dk1"/>
+          </a:fillRef>
+          <a:effectRef idx="1">
+            <a:schemeClr val="dk1"/>
+          </a:effectRef>
+          <a:fontRef idx="minor">
+            <a:schemeClr val="tx1"/>
+          </a:fontRef>
+        </p:style>
+      </p:cxnSp>
+      <p:cxnSp>
+        <p:nvCxnSpPr>
+          <p:cNvPr id="207" name="Straight Arrow Connector 206"/>
+          <p:cNvCxnSpPr>
+            <a:stCxn id="105" idx="0"/>
+            <a:endCxn id="108" idx="5"/>
+          </p:cNvCxnSpPr>
+          <p:nvPr/>
+        </p:nvCxnSpPr>
+        <p:spPr>
+          <a:xfrm flipH="1" flipV="1">
+            <a:off x="7777883" y="5798432"/>
+            <a:ext cx="31964" cy="244302"/>
+          </a:xfrm>
+          <a:prstGeom prst="straightConnector1">
+            <a:avLst/>
+          </a:prstGeom>
+          <a:ln>
+            <a:headEnd type="triangle"/>
+            <a:tailEnd type="triangle"/>
+          </a:ln>
+        </p:spPr>
+        <p:style>
+          <a:lnRef idx="2">
+            <a:schemeClr val="dk1"/>
+          </a:lnRef>
+          <a:fillRef idx="0">
+            <a:schemeClr val="dk1"/>
+          </a:fillRef>
+          <a:effectRef idx="1">
+            <a:schemeClr val="dk1"/>
+          </a:effectRef>
+          <a:fontRef idx="minor">
+            <a:schemeClr val="tx1"/>
+          </a:fontRef>
+        </p:style>
+      </p:cxnSp>
+      <p:cxnSp>
+        <p:nvCxnSpPr>
+          <p:cNvPr id="211" name="Straight Arrow Connector 210"/>
+          <p:cNvCxnSpPr>
+            <a:stCxn id="107" idx="7"/>
+            <a:endCxn id="108" idx="1"/>
+          </p:cNvCxnSpPr>
+          <p:nvPr/>
+        </p:nvCxnSpPr>
+        <p:spPr>
+          <a:xfrm>
+            <a:off x="7377059" y="5655878"/>
+            <a:ext cx="283263" cy="24993"/>
+          </a:xfrm>
+          <a:prstGeom prst="straightConnector1">
+            <a:avLst/>
+          </a:prstGeom>
+          <a:ln>
+            <a:headEnd type="triangle"/>
+            <a:tailEnd type="triangle"/>
+          </a:ln>
+        </p:spPr>
+        <p:style>
+          <a:lnRef idx="2">
+            <a:schemeClr val="dk1"/>
+          </a:lnRef>
+          <a:fillRef idx="0">
+            <a:schemeClr val="dk1"/>
+          </a:fillRef>
+          <a:effectRef idx="1">
+            <a:schemeClr val="dk1"/>
+          </a:effectRef>
+          <a:fontRef idx="minor">
+            <a:schemeClr val="tx1"/>
+          </a:fontRef>
+        </p:style>
+      </p:cxnSp>
+      <p:cxnSp>
+        <p:nvCxnSpPr>
+          <p:cNvPr id="214" name="Straight Arrow Connector 213"/>
+          <p:cNvCxnSpPr>
+            <a:stCxn id="101" idx="5"/>
+            <a:endCxn id="99" idx="2"/>
+          </p:cNvCxnSpPr>
+          <p:nvPr/>
+        </p:nvCxnSpPr>
+        <p:spPr>
+          <a:xfrm>
+            <a:off x="7914308" y="5585464"/>
+            <a:ext cx="49353" cy="48368"/>
+          </a:xfrm>
+          <a:prstGeom prst="straightConnector1">
+            <a:avLst/>
+          </a:prstGeom>
+          <a:ln>
+            <a:headEnd type="triangle"/>
+            <a:tailEnd type="triangle"/>
+          </a:ln>
+        </p:spPr>
+        <p:style>
+          <a:lnRef idx="2">
+            <a:schemeClr val="dk1"/>
+          </a:lnRef>
+          <a:fillRef idx="0">
+            <a:schemeClr val="dk1"/>
+          </a:fillRef>
+          <a:effectRef idx="1">
+            <a:schemeClr val="dk1"/>
+          </a:effectRef>
+          <a:fontRef idx="minor">
+            <a:schemeClr val="tx1"/>
+          </a:fontRef>
+        </p:style>
+      </p:cxnSp>
+      <p:cxnSp>
+        <p:nvCxnSpPr>
+          <p:cNvPr id="217" name="Straight Arrow Connector 216"/>
+          <p:cNvCxnSpPr>
+            <a:stCxn id="8" idx="5"/>
+            <a:endCxn id="101" idx="1"/>
+          </p:cNvCxnSpPr>
+          <p:nvPr/>
+        </p:nvCxnSpPr>
+        <p:spPr>
+          <a:xfrm>
+            <a:off x="7748053" y="5452816"/>
+            <a:ext cx="48694" cy="15087"/>
+          </a:xfrm>
+          <a:prstGeom prst="straightConnector1">
+            <a:avLst/>
+          </a:prstGeom>
+          <a:ln>
+            <a:headEnd type="triangle"/>
+            <a:tailEnd type="triangle"/>
+          </a:ln>
+        </p:spPr>
+        <p:style>
+          <a:lnRef idx="2">
+            <a:schemeClr val="dk1"/>
+          </a:lnRef>
+          <a:fillRef idx="0">
+            <a:schemeClr val="dk1"/>
+          </a:fillRef>
+          <a:effectRef idx="1">
+            <a:schemeClr val="dk1"/>
+          </a:effectRef>
+          <a:fontRef idx="minor">
+            <a:schemeClr val="tx1"/>
+          </a:fontRef>
+        </p:style>
+      </p:cxnSp>
+      <p:cxnSp>
+        <p:nvCxnSpPr>
+          <p:cNvPr id="221" name="Straight Arrow Connector 220"/>
+          <p:cNvCxnSpPr>
+            <a:stCxn id="90" idx="3"/>
+            <a:endCxn id="91" idx="7"/>
+          </p:cNvCxnSpPr>
+          <p:nvPr/>
+        </p:nvCxnSpPr>
+        <p:spPr>
+          <a:xfrm flipH="1">
+            <a:off x="9935249" y="5130827"/>
+            <a:ext cx="759356" cy="884325"/>
+          </a:xfrm>
+          <a:prstGeom prst="straightConnector1">
+            <a:avLst/>
+          </a:prstGeom>
+          <a:ln>
+            <a:headEnd type="triangle"/>
+            <a:tailEnd type="triangle"/>
+          </a:ln>
+        </p:spPr>
+        <p:style>
+          <a:lnRef idx="2">
+            <a:schemeClr val="dk1"/>
+          </a:lnRef>
+          <a:fillRef idx="0">
+            <a:schemeClr val="dk1"/>
+          </a:fillRef>
+          <a:effectRef idx="1">
+            <a:schemeClr val="dk1"/>
+          </a:effectRef>
+          <a:fontRef idx="minor">
+            <a:schemeClr val="tx1"/>
+          </a:fontRef>
+        </p:style>
+      </p:cxnSp>
+      <p:cxnSp>
+        <p:nvCxnSpPr>
+          <p:cNvPr id="224" name="Straight Arrow Connector 223"/>
+          <p:cNvCxnSpPr>
+            <a:stCxn id="6" idx="3"/>
+            <a:endCxn id="90" idx="0"/>
+          </p:cNvCxnSpPr>
+          <p:nvPr/>
+        </p:nvCxnSpPr>
+        <p:spPr>
+          <a:xfrm flipH="1">
+            <a:off x="10753386" y="4801140"/>
+            <a:ext cx="204507" cy="187779"/>
+          </a:xfrm>
+          <a:prstGeom prst="straightConnector1">
+            <a:avLst/>
+          </a:prstGeom>
+          <a:ln>
+            <a:headEnd type="triangle"/>
+            <a:tailEnd type="triangle"/>
+          </a:ln>
+        </p:spPr>
+        <p:style>
+          <a:lnRef idx="2">
+            <a:schemeClr val="dk1"/>
+          </a:lnRef>
+          <a:fillRef idx="0">
+            <a:schemeClr val="dk1"/>
+          </a:fillRef>
+          <a:effectRef idx="1">
+            <a:schemeClr val="dk1"/>
+          </a:effectRef>
+          <a:fontRef idx="minor">
+            <a:schemeClr val="tx1"/>
+          </a:fontRef>
+        </p:style>
+      </p:cxnSp>
+      <p:sp>
+        <p:nvSpPr>
+          <p:cNvPr id="227" name="TextBox 226"/>
+          <p:cNvSpPr txBox="1"/>
+          <p:nvPr/>
+        </p:nvSpPr>
+        <p:spPr>
+          <a:xfrm rot="20861780">
+            <a:off x="2431078" y="1697517"/>
+            <a:ext cx="614271" cy="246221"/>
+          </a:xfrm>
+          <a:prstGeom prst="rect">
+            <a:avLst/>
+          </a:prstGeom>
+          <a:noFill/>
+        </p:spPr>
+        <p:txBody>
+          <a:bodyPr wrap="none" rtlCol="0">
+            <a:spAutoFit/>
+          </a:bodyPr>
+          <a:lstStyle/>
+          <a:p>
+            <a:r>
+              <a:rPr lang="en-US" sz="1000" b="1" dirty="0" smtClean="0"/>
+              <a:t>54,41 </a:t>
+            </a:r>
+            <a:r>
+              <a:rPr lang="en-US" sz="1000" b="1" dirty="0"/>
+              <a:t>m</a:t>
+            </a:r>
+          </a:p>
+        </p:txBody>
+      </p:sp>
+      <p:sp>
+        <p:nvSpPr>
+          <p:cNvPr id="228" name="TextBox 227"/>
+          <p:cNvSpPr txBox="1"/>
+          <p:nvPr/>
+        </p:nvSpPr>
+        <p:spPr>
+          <a:xfrm rot="20861780">
+            <a:off x="3227530" y="2078429"/>
+            <a:ext cx="548548" cy="246221"/>
+          </a:xfrm>
+          <a:prstGeom prst="rect">
+            <a:avLst/>
+          </a:prstGeom>
+          <a:noFill/>
+        </p:spPr>
+        <p:txBody>
+          <a:bodyPr wrap="none" rtlCol="0">
+            <a:spAutoFit/>
+          </a:bodyPr>
+          <a:lstStyle/>
+          <a:p>
+            <a:r>
+              <a:rPr lang="en-US" sz="1000" b="1" dirty="0" smtClean="0"/>
+              <a:t>60</a:t>
+            </a:r>
+            <a:r>
+              <a:rPr lang="en-US" sz="1000" b="1" dirty="0" smtClean="0"/>
+              <a:t>,8 </a:t>
+            </a:r>
+            <a:r>
+              <a:rPr lang="en-US" sz="1000" b="1" dirty="0"/>
+              <a:t>m</a:t>
+            </a:r>
+          </a:p>
+        </p:txBody>
+      </p:sp>
+      <p:sp>
+        <p:nvSpPr>
+          <p:cNvPr id="229" name="TextBox 228"/>
+          <p:cNvSpPr txBox="1"/>
+          <p:nvPr/>
+        </p:nvSpPr>
+        <p:spPr>
+          <a:xfrm rot="1652079">
+            <a:off x="2633973" y="2431853"/>
+            <a:ext cx="614271" cy="246221"/>
+          </a:xfrm>
+          <a:prstGeom prst="rect">
+            <a:avLst/>
+          </a:prstGeom>
+          <a:noFill/>
+        </p:spPr>
+        <p:txBody>
+          <a:bodyPr wrap="none" rtlCol="0">
+            <a:spAutoFit/>
+          </a:bodyPr>
+          <a:lstStyle/>
+          <a:p>
+            <a:r>
+              <a:rPr lang="en-US" sz="1000" b="1" dirty="0" smtClean="0"/>
+              <a:t>60</a:t>
+            </a:r>
+            <a:r>
+              <a:rPr lang="en-US" sz="1000" b="1" dirty="0" smtClean="0"/>
+              <a:t>,76 </a:t>
+            </a:r>
+            <a:r>
+              <a:rPr lang="en-US" sz="1000" b="1" dirty="0"/>
+              <a:t>m</a:t>
+            </a:r>
+          </a:p>
+        </p:txBody>
+      </p:sp>
+      <p:sp>
+        <p:nvSpPr>
+          <p:cNvPr id="230" name="TextBox 229"/>
+          <p:cNvSpPr txBox="1"/>
+          <p:nvPr/>
+        </p:nvSpPr>
+        <p:spPr>
+          <a:xfrm rot="1652079">
+            <a:off x="3660643" y="3110809"/>
+            <a:ext cx="679994" cy="246221"/>
+          </a:xfrm>
+          <a:prstGeom prst="rect">
+            <a:avLst/>
+          </a:prstGeom>
+          <a:noFill/>
+        </p:spPr>
+        <p:txBody>
+          <a:bodyPr wrap="none" rtlCol="0">
+            <a:spAutoFit/>
+          </a:bodyPr>
+          <a:lstStyle/>
+          <a:p>
+            <a:r>
+              <a:rPr lang="en-US" sz="1000" b="1" dirty="0" smtClean="0"/>
+              <a:t>109</a:t>
+            </a:r>
+            <a:r>
+              <a:rPr lang="en-US" sz="1000" b="1" dirty="0" smtClean="0"/>
+              <a:t>,16 </a:t>
+            </a:r>
+            <a:r>
+              <a:rPr lang="en-US" sz="1000" b="1" dirty="0"/>
+              <a:t>m</a:t>
+            </a:r>
+          </a:p>
+        </p:txBody>
+      </p:sp>
+      <p:sp>
+        <p:nvSpPr>
+          <p:cNvPr id="231" name="TextBox 230"/>
+          <p:cNvSpPr txBox="1"/>
+          <p:nvPr/>
+        </p:nvSpPr>
+        <p:spPr>
+          <a:xfrm rot="1652079">
+            <a:off x="4581822" y="3689443"/>
+            <a:ext cx="614271" cy="246221"/>
+          </a:xfrm>
+          <a:prstGeom prst="rect">
+            <a:avLst/>
+          </a:prstGeom>
+          <a:noFill/>
+        </p:spPr>
+        <p:txBody>
+          <a:bodyPr wrap="none" rtlCol="0">
+            <a:spAutoFit/>
+          </a:bodyPr>
+          <a:lstStyle/>
+          <a:p>
+            <a:r>
+              <a:rPr lang="en-US" sz="1000" b="1" dirty="0" smtClean="0"/>
+              <a:t>66,93 </a:t>
+            </a:r>
+            <a:r>
+              <a:rPr lang="en-US" sz="1000" b="1" dirty="0"/>
+              <a:t>m</a:t>
+            </a:r>
+          </a:p>
+        </p:txBody>
+      </p:sp>
+      <p:sp>
+        <p:nvSpPr>
+          <p:cNvPr id="232" name="TextBox 231"/>
+          <p:cNvSpPr txBox="1"/>
+          <p:nvPr/>
+        </p:nvSpPr>
+        <p:spPr>
+          <a:xfrm rot="18158382">
+            <a:off x="5794939" y="2194455"/>
+            <a:ext cx="614271" cy="246221"/>
+          </a:xfrm>
+          <a:prstGeom prst="rect">
+            <a:avLst/>
+          </a:prstGeom>
+          <a:noFill/>
+        </p:spPr>
+        <p:txBody>
+          <a:bodyPr wrap="none" rtlCol="0">
+            <a:spAutoFit/>
+          </a:bodyPr>
+          <a:lstStyle/>
+          <a:p>
+            <a:r>
+              <a:rPr lang="en-US" sz="1000" b="1" dirty="0" smtClean="0"/>
+              <a:t>49,94 </a:t>
+            </a:r>
+            <a:r>
+              <a:rPr lang="en-US" sz="1000" b="1" dirty="0"/>
+              <a:t>m</a:t>
+            </a:r>
+          </a:p>
+        </p:txBody>
+      </p:sp>
+      <p:sp>
+        <p:nvSpPr>
+          <p:cNvPr id="233" name="TextBox 232"/>
+          <p:cNvSpPr txBox="1"/>
+          <p:nvPr/>
+        </p:nvSpPr>
+        <p:spPr>
+          <a:xfrm rot="18158382">
+            <a:off x="6117765" y="1628861"/>
+            <a:ext cx="614271" cy="246221"/>
+          </a:xfrm>
+          <a:prstGeom prst="rect">
+            <a:avLst/>
+          </a:prstGeom>
+          <a:noFill/>
+        </p:spPr>
+        <p:txBody>
+          <a:bodyPr wrap="none" rtlCol="0">
+            <a:spAutoFit/>
+          </a:bodyPr>
+          <a:lstStyle/>
+          <a:p>
+            <a:r>
+              <a:rPr lang="en-US" sz="1000" b="1" dirty="0" smtClean="0"/>
+              <a:t>44,48 </a:t>
+            </a:r>
+            <a:r>
+              <a:rPr lang="en-US" sz="1000" b="1" dirty="0"/>
+              <a:t>m</a:t>
+            </a:r>
+          </a:p>
+        </p:txBody>
+      </p:sp>
+      <p:sp>
+        <p:nvSpPr>
+          <p:cNvPr id="234" name="TextBox 233"/>
+          <p:cNvSpPr txBox="1"/>
+          <p:nvPr/>
+        </p:nvSpPr>
+        <p:spPr>
+          <a:xfrm rot="2395655">
+            <a:off x="6834195" y="1813173"/>
+            <a:ext cx="614271" cy="246221"/>
+          </a:xfrm>
+          <a:prstGeom prst="rect">
+            <a:avLst/>
+          </a:prstGeom>
+          <a:noFill/>
+        </p:spPr>
+        <p:txBody>
+          <a:bodyPr wrap="none" rtlCol="0">
+            <a:spAutoFit/>
+          </a:bodyPr>
+          <a:lstStyle/>
+          <a:p>
+            <a:r>
+              <a:rPr lang="en-US" sz="1000" b="1" dirty="0" smtClean="0"/>
+              <a:t>80</a:t>
+            </a:r>
+            <a:r>
+              <a:rPr lang="en-US" sz="1000" b="1" dirty="0" smtClean="0"/>
+              <a:t>,04 </a:t>
+            </a:r>
+            <a:r>
+              <a:rPr lang="en-US" sz="1000" b="1" dirty="0"/>
+              <a:t>m</a:t>
+            </a:r>
+          </a:p>
+        </p:txBody>
+      </p:sp>
+      <p:sp>
+        <p:nvSpPr>
+          <p:cNvPr id="235" name="TextBox 234"/>
+          <p:cNvSpPr txBox="1"/>
+          <p:nvPr/>
+        </p:nvSpPr>
+        <p:spPr>
+          <a:xfrm rot="18158382">
+            <a:off x="6698326" y="766948"/>
+            <a:ext cx="679994" cy="246221"/>
+          </a:xfrm>
+          <a:prstGeom prst="rect">
+            <a:avLst/>
+          </a:prstGeom>
+          <a:noFill/>
+        </p:spPr>
+        <p:txBody>
+          <a:bodyPr wrap="none" rtlCol="0">
+            <a:spAutoFit/>
+          </a:bodyPr>
+          <a:lstStyle/>
+          <a:p>
+            <a:r>
+              <a:rPr lang="en-US" sz="1000" b="1" dirty="0" smtClean="0"/>
+              <a:t>113</a:t>
+            </a:r>
+            <a:r>
+              <a:rPr lang="en-US" sz="1000" b="1" dirty="0" smtClean="0"/>
+              <a:t>,03 </a:t>
+            </a:r>
+            <a:r>
+              <a:rPr lang="en-US" sz="1000" b="1" dirty="0"/>
+              <a:t>m</a:t>
+            </a:r>
+          </a:p>
+        </p:txBody>
+      </p:sp>
+      <p:sp>
+        <p:nvSpPr>
+          <p:cNvPr id="236" name="TextBox 235"/>
+          <p:cNvSpPr txBox="1"/>
+          <p:nvPr/>
+        </p:nvSpPr>
+        <p:spPr>
+          <a:xfrm rot="18158382">
+            <a:off x="7426425" y="223120"/>
+            <a:ext cx="614271" cy="246221"/>
+          </a:xfrm>
+          <a:prstGeom prst="rect">
+            <a:avLst/>
+          </a:prstGeom>
+          <a:noFill/>
+        </p:spPr>
+        <p:txBody>
+          <a:bodyPr wrap="none" rtlCol="0">
+            <a:spAutoFit/>
+          </a:bodyPr>
+          <a:lstStyle/>
+          <a:p>
+            <a:r>
+              <a:rPr lang="en-US" sz="1000" b="1" dirty="0" smtClean="0"/>
+              <a:t>41</a:t>
+            </a:r>
+            <a:r>
+              <a:rPr lang="en-US" sz="1000" b="1" dirty="0" smtClean="0"/>
+              <a:t>,58 </a:t>
+            </a:r>
+            <a:r>
+              <a:rPr lang="en-US" sz="1000" b="1" dirty="0"/>
+              <a:t>m</a:t>
+            </a:r>
+          </a:p>
+        </p:txBody>
+      </p:sp>
+      <p:sp>
+        <p:nvSpPr>
+          <p:cNvPr id="237" name="TextBox 236"/>
+          <p:cNvSpPr txBox="1"/>
+          <p:nvPr/>
+        </p:nvSpPr>
+        <p:spPr>
+          <a:xfrm rot="2203097">
+            <a:off x="8135170" y="533030"/>
+            <a:ext cx="679994" cy="246221"/>
+          </a:xfrm>
+          <a:prstGeom prst="rect">
+            <a:avLst/>
+          </a:prstGeom>
+          <a:noFill/>
+        </p:spPr>
+        <p:txBody>
+          <a:bodyPr wrap="none" rtlCol="0">
+            <a:spAutoFit/>
+          </a:bodyPr>
+          <a:lstStyle/>
+          <a:p>
+            <a:r>
+              <a:rPr lang="en-US" sz="1000" b="1" dirty="0" smtClean="0"/>
+              <a:t>137</a:t>
+            </a:r>
+            <a:r>
+              <a:rPr lang="en-US" sz="1000" b="1" dirty="0" smtClean="0"/>
+              <a:t>,37 </a:t>
+            </a:r>
+            <a:r>
+              <a:rPr lang="en-US" sz="1000" b="1" dirty="0"/>
+              <a:t>m</a:t>
+            </a:r>
+          </a:p>
+        </p:txBody>
+      </p:sp>
+      <p:sp>
+        <p:nvSpPr>
+          <p:cNvPr id="238" name="TextBox 237"/>
+          <p:cNvSpPr txBox="1"/>
+          <p:nvPr/>
+        </p:nvSpPr>
+        <p:spPr>
+          <a:xfrm rot="2203097">
+            <a:off x="9245816" y="1297129"/>
+            <a:ext cx="548548" cy="246221"/>
+          </a:xfrm>
+          <a:prstGeom prst="rect">
+            <a:avLst/>
+          </a:prstGeom>
+          <a:noFill/>
+        </p:spPr>
+        <p:txBody>
+          <a:bodyPr wrap="none" rtlCol="0">
+            <a:spAutoFit/>
+          </a:bodyPr>
+          <a:lstStyle/>
+          <a:p>
+            <a:r>
+              <a:rPr lang="en-US" sz="1000" b="1" dirty="0" smtClean="0"/>
+              <a:t>72</a:t>
+            </a:r>
+            <a:r>
+              <a:rPr lang="en-US" sz="1000" b="1" dirty="0" smtClean="0"/>
+              <a:t>,9 </a:t>
+            </a:r>
+            <a:r>
+              <a:rPr lang="en-US" sz="1000" b="1" dirty="0"/>
+              <a:t>m</a:t>
+            </a:r>
+          </a:p>
+        </p:txBody>
+      </p:sp>
+      <p:sp>
+        <p:nvSpPr>
+          <p:cNvPr id="239" name="TextBox 238"/>
+          <p:cNvSpPr txBox="1"/>
+          <p:nvPr/>
+        </p:nvSpPr>
+        <p:spPr>
+          <a:xfrm rot="2203097">
+            <a:off x="9716548" y="1125231"/>
+            <a:ext cx="614271" cy="246221"/>
+          </a:xfrm>
+          <a:prstGeom prst="rect">
+            <a:avLst/>
+          </a:prstGeom>
+          <a:noFill/>
+        </p:spPr>
+        <p:txBody>
+          <a:bodyPr wrap="none" rtlCol="0">
+            <a:spAutoFit/>
+          </a:bodyPr>
+          <a:lstStyle/>
+          <a:p>
+            <a:r>
+              <a:rPr lang="en-US" sz="1000" b="1" dirty="0" smtClean="0"/>
+              <a:t>41,52 </a:t>
+            </a:r>
+            <a:r>
+              <a:rPr lang="en-US" sz="1000" b="1" dirty="0"/>
+              <a:t>m</a:t>
+            </a:r>
+          </a:p>
+        </p:txBody>
+      </p:sp>
+      <p:sp>
+        <p:nvSpPr>
+          <p:cNvPr id="240" name="TextBox 239"/>
+          <p:cNvSpPr txBox="1"/>
+          <p:nvPr/>
+        </p:nvSpPr>
+        <p:spPr>
+          <a:xfrm rot="2203097">
+            <a:off x="10070206" y="1680103"/>
+            <a:ext cx="614271" cy="246221"/>
+          </a:xfrm>
+          <a:prstGeom prst="rect">
+            <a:avLst/>
+          </a:prstGeom>
+          <a:noFill/>
+        </p:spPr>
+        <p:txBody>
+          <a:bodyPr wrap="none" rtlCol="0">
+            <a:spAutoFit/>
+          </a:bodyPr>
+          <a:lstStyle/>
+          <a:p>
+            <a:r>
+              <a:rPr lang="en-US" sz="1000" b="1" dirty="0" smtClean="0"/>
+              <a:t>40,92 </a:t>
+            </a:r>
+            <a:r>
+              <a:rPr lang="en-US" sz="1000" b="1" dirty="0"/>
+              <a:t>m</a:t>
+            </a:r>
+          </a:p>
+        </p:txBody>
+      </p:sp>
+      <p:sp>
+        <p:nvSpPr>
+          <p:cNvPr id="241" name="TextBox 240"/>
+          <p:cNvSpPr txBox="1"/>
+          <p:nvPr/>
+        </p:nvSpPr>
+        <p:spPr>
+          <a:xfrm rot="2203097">
+            <a:off x="10102266" y="2458195"/>
+            <a:ext cx="614271" cy="246221"/>
+          </a:xfrm>
+          <a:prstGeom prst="rect">
+            <a:avLst/>
+          </a:prstGeom>
+          <a:noFill/>
+        </p:spPr>
+        <p:txBody>
+          <a:bodyPr wrap="none" rtlCol="0">
+            <a:spAutoFit/>
+          </a:bodyPr>
+          <a:lstStyle/>
+          <a:p>
+            <a:r>
+              <a:rPr lang="en-US" sz="1000" b="1" dirty="0" smtClean="0"/>
+              <a:t>62</a:t>
+            </a:r>
+            <a:r>
+              <a:rPr lang="en-US" sz="1000" b="1" dirty="0" smtClean="0"/>
+              <a:t>,05 </a:t>
+            </a:r>
+            <a:r>
+              <a:rPr lang="en-US" sz="1000" b="1" dirty="0"/>
+              <a:t>m</a:t>
+            </a:r>
+          </a:p>
+        </p:txBody>
+      </p:sp>
+      <p:sp>
+        <p:nvSpPr>
+          <p:cNvPr id="242" name="TextBox 241"/>
+          <p:cNvSpPr txBox="1"/>
+          <p:nvPr/>
+        </p:nvSpPr>
+        <p:spPr>
+          <a:xfrm rot="2203097">
+            <a:off x="9043947" y="1998244"/>
+            <a:ext cx="679994" cy="246221"/>
+          </a:xfrm>
+          <a:prstGeom prst="rect">
+            <a:avLst/>
+          </a:prstGeom>
+          <a:noFill/>
+        </p:spPr>
+        <p:txBody>
+          <a:bodyPr wrap="none" rtlCol="0">
+            <a:spAutoFit/>
+          </a:bodyPr>
+          <a:lstStyle/>
+          <a:p>
+            <a:r>
+              <a:rPr lang="en-US" sz="1000" b="1" dirty="0" smtClean="0"/>
+              <a:t>109,47 </a:t>
+            </a:r>
+            <a:r>
+              <a:rPr lang="en-US" sz="1000" b="1" dirty="0"/>
+              <a:t>m</a:t>
+            </a:r>
+          </a:p>
+        </p:txBody>
+      </p:sp>
+      <p:sp>
+        <p:nvSpPr>
+          <p:cNvPr id="243" name="TextBox 242"/>
+          <p:cNvSpPr txBox="1"/>
+          <p:nvPr/>
+        </p:nvSpPr>
+        <p:spPr>
+          <a:xfrm rot="972888">
+            <a:off x="8246519" y="1368556"/>
+            <a:ext cx="548548" cy="246221"/>
+          </a:xfrm>
+          <a:prstGeom prst="rect">
+            <a:avLst/>
+          </a:prstGeom>
+          <a:noFill/>
+        </p:spPr>
+        <p:txBody>
+          <a:bodyPr wrap="none" rtlCol="0">
+            <a:spAutoFit/>
+          </a:bodyPr>
+          <a:lstStyle/>
+          <a:p>
+            <a:r>
+              <a:rPr lang="en-US" sz="1000" b="1" dirty="0" smtClean="0"/>
+              <a:t>45</a:t>
+            </a:r>
+            <a:r>
+              <a:rPr lang="en-US" sz="1000" b="1" dirty="0" smtClean="0"/>
+              <a:t>,7 </a:t>
+            </a:r>
+            <a:r>
+              <a:rPr lang="en-US" sz="1000" b="1" dirty="0"/>
+              <a:t>m</a:t>
+            </a:r>
+          </a:p>
+        </p:txBody>
+      </p:sp>
+      <p:sp>
+        <p:nvSpPr>
+          <p:cNvPr id="244" name="TextBox 243"/>
+          <p:cNvSpPr txBox="1"/>
+          <p:nvPr/>
+        </p:nvSpPr>
+        <p:spPr>
+          <a:xfrm rot="18050185">
+            <a:off x="7651082" y="1444297"/>
+            <a:ext cx="614271" cy="246221"/>
+          </a:xfrm>
+          <a:prstGeom prst="rect">
+            <a:avLst/>
+          </a:prstGeom>
+          <a:noFill/>
+        </p:spPr>
+        <p:txBody>
+          <a:bodyPr wrap="none" rtlCol="0">
+            <a:spAutoFit/>
+          </a:bodyPr>
+          <a:lstStyle/>
+          <a:p>
+            <a:r>
+              <a:rPr lang="en-US" sz="1000" b="1" dirty="0" smtClean="0"/>
+              <a:t>36,99 </a:t>
+            </a:r>
+            <a:r>
+              <a:rPr lang="en-US" sz="1000" b="1" dirty="0"/>
+              <a:t>m</a:t>
+            </a:r>
+          </a:p>
+        </p:txBody>
+      </p:sp>
+      <p:sp>
+        <p:nvSpPr>
+          <p:cNvPr id="245" name="TextBox 244"/>
+          <p:cNvSpPr txBox="1"/>
+          <p:nvPr/>
+        </p:nvSpPr>
+        <p:spPr>
+          <a:xfrm rot="18050185">
+            <a:off x="7298731" y="1906005"/>
+            <a:ext cx="614271" cy="246221"/>
+          </a:xfrm>
+          <a:prstGeom prst="rect">
+            <a:avLst/>
+          </a:prstGeom>
+          <a:noFill/>
+        </p:spPr>
+        <p:txBody>
+          <a:bodyPr wrap="none" rtlCol="0">
+            <a:spAutoFit/>
+          </a:bodyPr>
+          <a:lstStyle/>
+          <a:p>
+            <a:r>
+              <a:rPr lang="en-US" sz="1000" b="1" dirty="0" smtClean="0"/>
+              <a:t>44</a:t>
+            </a:r>
+            <a:r>
+              <a:rPr lang="en-US" sz="1000" b="1" dirty="0" smtClean="0"/>
+              <a:t>,36 </a:t>
+            </a:r>
+            <a:r>
+              <a:rPr lang="en-US" sz="1000" b="1" dirty="0"/>
+              <a:t>m</a:t>
+            </a:r>
+          </a:p>
+        </p:txBody>
+      </p:sp>
+      <p:sp>
+        <p:nvSpPr>
+          <p:cNvPr id="246" name="TextBox 245"/>
+          <p:cNvSpPr txBox="1"/>
+          <p:nvPr/>
+        </p:nvSpPr>
+        <p:spPr>
+          <a:xfrm rot="972888">
+            <a:off x="7743223" y="2028140"/>
+            <a:ext cx="614271" cy="246221"/>
+          </a:xfrm>
+          <a:prstGeom prst="rect">
+            <a:avLst/>
+          </a:prstGeom>
+          <a:noFill/>
+        </p:spPr>
+        <p:txBody>
+          <a:bodyPr wrap="none" rtlCol="0">
+            <a:spAutoFit/>
+          </a:bodyPr>
+          <a:lstStyle/>
+          <a:p>
+            <a:r>
+              <a:rPr lang="en-US" sz="1000" b="1" dirty="0" smtClean="0"/>
+              <a:t>38,19 </a:t>
+            </a:r>
+            <a:r>
+              <a:rPr lang="en-US" sz="1000" b="1" dirty="0"/>
+              <a:t>m</a:t>
+            </a:r>
+          </a:p>
+        </p:txBody>
+      </p:sp>
+      <p:sp>
+        <p:nvSpPr>
+          <p:cNvPr id="247" name="TextBox 246"/>
+          <p:cNvSpPr txBox="1"/>
+          <p:nvPr/>
+        </p:nvSpPr>
+        <p:spPr>
+          <a:xfrm rot="972888">
+            <a:off x="8478991" y="1992339"/>
+            <a:ext cx="614271" cy="246221"/>
+          </a:xfrm>
+          <a:prstGeom prst="rect">
+            <a:avLst/>
+          </a:prstGeom>
+          <a:noFill/>
+        </p:spPr>
+        <p:txBody>
+          <a:bodyPr wrap="none" rtlCol="0">
+            <a:spAutoFit/>
+          </a:bodyPr>
+          <a:lstStyle/>
+          <a:p>
+            <a:r>
+              <a:rPr lang="en-US" sz="1000" b="1" dirty="0" smtClean="0"/>
+              <a:t>39,02 </a:t>
+            </a:r>
+            <a:r>
+              <a:rPr lang="en-US" sz="1000" b="1" dirty="0"/>
+              <a:t>m</a:t>
+            </a:r>
+          </a:p>
+        </p:txBody>
+      </p:sp>
+      <p:cxnSp>
+        <p:nvCxnSpPr>
+          <p:cNvPr id="248" name="Straight Arrow Connector 247"/>
+          <p:cNvCxnSpPr>
+            <a:stCxn id="108" idx="7"/>
+            <a:endCxn id="101" idx="3"/>
+          </p:cNvCxnSpPr>
+          <p:nvPr/>
+        </p:nvCxnSpPr>
+        <p:spPr>
+          <a:xfrm flipV="1">
+            <a:off x="7777883" y="5585464"/>
+            <a:ext cx="18864" cy="95407"/>
+          </a:xfrm>
+          <a:prstGeom prst="straightConnector1">
+            <a:avLst/>
+          </a:prstGeom>
+          <a:ln>
+            <a:headEnd type="triangle"/>
+            <a:tailEnd type="triangle"/>
+          </a:ln>
+        </p:spPr>
+        <p:style>
+          <a:lnRef idx="2">
+            <a:schemeClr val="dk1"/>
+          </a:lnRef>
+          <a:fillRef idx="0">
+            <a:schemeClr val="dk1"/>
+          </a:fillRef>
+          <a:effectRef idx="1">
+            <a:schemeClr val="dk1"/>
+          </a:effectRef>
+          <a:fontRef idx="minor">
+            <a:schemeClr val="tx1"/>
+          </a:fontRef>
+        </p:style>
+      </p:cxnSp>
+      <p:sp>
+        <p:nvSpPr>
+          <p:cNvPr id="251" name="TextBox 250"/>
+          <p:cNvSpPr txBox="1"/>
+          <p:nvPr/>
+        </p:nvSpPr>
+        <p:spPr>
+          <a:xfrm rot="2203097">
+            <a:off x="9140007" y="2619011"/>
+            <a:ext cx="614271" cy="246221"/>
+          </a:xfrm>
+          <a:prstGeom prst="rect">
+            <a:avLst/>
+          </a:prstGeom>
+          <a:noFill/>
+        </p:spPr>
+        <p:txBody>
+          <a:bodyPr wrap="none" rtlCol="0">
+            <a:spAutoFit/>
+          </a:bodyPr>
+          <a:lstStyle/>
+          <a:p>
+            <a:r>
+              <a:rPr lang="en-US" sz="1000" b="1" dirty="0" smtClean="0"/>
+              <a:t>47,03 </a:t>
+            </a:r>
+            <a:r>
+              <a:rPr lang="en-US" sz="1000" b="1" dirty="0"/>
+              <a:t>m</a:t>
+            </a:r>
+          </a:p>
+        </p:txBody>
+      </p:sp>
+      <p:sp>
+        <p:nvSpPr>
+          <p:cNvPr id="252" name="TextBox 251"/>
+          <p:cNvSpPr txBox="1"/>
+          <p:nvPr/>
+        </p:nvSpPr>
+        <p:spPr>
+          <a:xfrm>
+            <a:off x="9605692" y="3464563"/>
+            <a:ext cx="614271" cy="246221"/>
+          </a:xfrm>
+          <a:prstGeom prst="rect">
+            <a:avLst/>
+          </a:prstGeom>
+          <a:noFill/>
+        </p:spPr>
+        <p:txBody>
+          <a:bodyPr wrap="none" rtlCol="0">
+            <a:spAutoFit/>
+          </a:bodyPr>
+          <a:lstStyle/>
+          <a:p>
+            <a:r>
+              <a:rPr lang="en-US" sz="1000" b="1" dirty="0" smtClean="0"/>
+              <a:t>3</a:t>
+            </a:r>
+            <a:r>
+              <a:rPr lang="en-US" sz="1000" b="1" dirty="0" smtClean="0"/>
+              <a:t>3,65 </a:t>
+            </a:r>
+            <a:r>
+              <a:rPr lang="en-US" sz="1000" b="1" dirty="0"/>
+              <a:t>m</a:t>
+            </a:r>
+          </a:p>
+        </p:txBody>
+      </p:sp>
+      <p:sp>
+        <p:nvSpPr>
+          <p:cNvPr id="253" name="TextBox 252"/>
+          <p:cNvSpPr txBox="1"/>
+          <p:nvPr/>
+        </p:nvSpPr>
+        <p:spPr>
+          <a:xfrm rot="18348240">
+            <a:off x="11032424" y="3985129"/>
+            <a:ext cx="642292" cy="246221"/>
+          </a:xfrm>
+          <a:prstGeom prst="rect">
+            <a:avLst/>
+          </a:prstGeom>
+          <a:noFill/>
+          <a:ln>
+            <a:noFill/>
+          </a:ln>
+        </p:spPr>
+        <p:style>
+          <a:lnRef idx="2">
+            <a:schemeClr val="dk1">
+              <a:shade val="50000"/>
+            </a:schemeClr>
+          </a:lnRef>
+          <a:fillRef idx="1">
+            <a:schemeClr val="dk1"/>
+          </a:fillRef>
+          <a:effectRef idx="0">
+            <a:schemeClr val="dk1"/>
+          </a:effectRef>
+          <a:fontRef idx="minor">
+            <a:schemeClr val="lt1"/>
+          </a:fontRef>
+        </p:style>
+        <p:txBody>
+          <a:bodyPr wrap="square" rtlCol="0">
+            <a:spAutoFit/>
+          </a:bodyPr>
+          <a:lstStyle/>
+          <a:p>
+            <a:r>
+              <a:rPr lang="en-US" sz="1000" b="1" dirty="0" smtClean="0">
+                <a:solidFill>
+                  <a:schemeClr val="tx1"/>
+                </a:solidFill>
+              </a:rPr>
+              <a:t>91,79m</a:t>
+            </a:r>
+            <a:endParaRPr lang="en-US" sz="1000" b="1" dirty="0">
+              <a:solidFill>
+                <a:schemeClr val="tx1"/>
+              </a:solidFill>
+            </a:endParaRPr>
+          </a:p>
+        </p:txBody>
+      </p:sp>
+      <p:sp>
+        <p:nvSpPr>
+          <p:cNvPr id="256" name="TextBox 255"/>
+          <p:cNvSpPr txBox="1"/>
+          <p:nvPr/>
+        </p:nvSpPr>
+        <p:spPr>
+          <a:xfrm rot="18657452">
+            <a:off x="9278951" y="6019161"/>
+            <a:ext cx="614271" cy="246221"/>
+          </a:xfrm>
+          <a:prstGeom prst="rect">
+            <a:avLst/>
+          </a:prstGeom>
+          <a:noFill/>
+        </p:spPr>
+        <p:txBody>
+          <a:bodyPr wrap="none" rtlCol="0">
+            <a:spAutoFit/>
+          </a:bodyPr>
+          <a:lstStyle/>
+          <a:p>
+            <a:r>
+              <a:rPr lang="en-US" sz="1000" b="1" dirty="0" smtClean="0"/>
+              <a:t>46.59 </a:t>
+            </a:r>
+            <a:r>
+              <a:rPr lang="en-US" sz="1000" b="1" dirty="0"/>
+              <a:t>m</a:t>
+            </a:r>
+          </a:p>
+        </p:txBody>
+      </p:sp>
+      <p:sp>
+        <p:nvSpPr>
+          <p:cNvPr id="257" name="TextBox 256"/>
+          <p:cNvSpPr txBox="1"/>
+          <p:nvPr/>
+        </p:nvSpPr>
+        <p:spPr>
+          <a:xfrm rot="1873349">
+            <a:off x="8922683" y="6429866"/>
+            <a:ext cx="614271" cy="246221"/>
+          </a:xfrm>
+          <a:prstGeom prst="rect">
+            <a:avLst/>
+          </a:prstGeom>
+          <a:noFill/>
+        </p:spPr>
+        <p:txBody>
+          <a:bodyPr wrap="none" rtlCol="0">
+            <a:spAutoFit/>
+          </a:bodyPr>
+          <a:lstStyle/>
+          <a:p>
+            <a:r>
+              <a:rPr lang="en-US" sz="1000" b="1" dirty="0" smtClean="0"/>
+              <a:t>40.53 </a:t>
+            </a:r>
+            <a:r>
+              <a:rPr lang="en-US" sz="1000" b="1" dirty="0"/>
+              <a:t>m</a:t>
+            </a:r>
+          </a:p>
+        </p:txBody>
+      </p:sp>
+      <p:sp>
+        <p:nvSpPr>
+          <p:cNvPr id="258" name="TextBox 257"/>
+          <p:cNvSpPr txBox="1"/>
+          <p:nvPr/>
+        </p:nvSpPr>
+        <p:spPr>
+          <a:xfrm rot="4157072">
+            <a:off x="8769940" y="5775593"/>
+            <a:ext cx="614271" cy="246221"/>
+          </a:xfrm>
+          <a:prstGeom prst="rect">
+            <a:avLst/>
+          </a:prstGeom>
+          <a:noFill/>
+        </p:spPr>
+        <p:txBody>
+          <a:bodyPr wrap="none" rtlCol="0">
+            <a:spAutoFit/>
+          </a:bodyPr>
+          <a:lstStyle/>
+          <a:p>
+            <a:r>
+              <a:rPr lang="en-US" sz="1000" b="1" dirty="0" smtClean="0"/>
+              <a:t>68</a:t>
+            </a:r>
+            <a:r>
+              <a:rPr lang="en-US" sz="1000" b="1" dirty="0" smtClean="0"/>
+              <a:t>,04 </a:t>
+            </a:r>
+            <a:r>
+              <a:rPr lang="en-US" sz="1000" b="1" dirty="0"/>
+              <a:t>m</a:t>
+            </a:r>
+          </a:p>
+        </p:txBody>
+      </p:sp>
+      <p:sp>
+        <p:nvSpPr>
+          <p:cNvPr id="259" name="TextBox 258"/>
+          <p:cNvSpPr txBox="1"/>
+          <p:nvPr/>
+        </p:nvSpPr>
+        <p:spPr>
+          <a:xfrm rot="20981365">
+            <a:off x="8071852" y="5304423"/>
+            <a:ext cx="614271" cy="246221"/>
+          </a:xfrm>
+          <a:prstGeom prst="rect">
+            <a:avLst/>
+          </a:prstGeom>
+          <a:noFill/>
+        </p:spPr>
+        <p:txBody>
+          <a:bodyPr wrap="none" rtlCol="0">
+            <a:spAutoFit/>
+          </a:bodyPr>
+          <a:lstStyle/>
+          <a:p>
+            <a:r>
+              <a:rPr lang="en-US" sz="1000" b="1" dirty="0" smtClean="0"/>
+              <a:t>52</a:t>
+            </a:r>
+            <a:r>
+              <a:rPr lang="en-US" sz="1000" b="1" dirty="0" smtClean="0"/>
+              <a:t>,59 </a:t>
+            </a:r>
+            <a:r>
+              <a:rPr lang="en-US" sz="1000" b="1" dirty="0"/>
+              <a:t>m</a:t>
+            </a:r>
+          </a:p>
+        </p:txBody>
+      </p:sp>
+      <p:sp>
+        <p:nvSpPr>
+          <p:cNvPr id="260" name="TextBox 259"/>
+          <p:cNvSpPr txBox="1"/>
+          <p:nvPr/>
+        </p:nvSpPr>
+        <p:spPr>
+          <a:xfrm rot="2714457">
+            <a:off x="9603750" y="3981955"/>
+            <a:ext cx="614271" cy="246221"/>
+          </a:xfrm>
+          <a:prstGeom prst="rect">
+            <a:avLst/>
+          </a:prstGeom>
+          <a:noFill/>
+        </p:spPr>
+        <p:txBody>
+          <a:bodyPr wrap="none" rtlCol="0">
+            <a:spAutoFit/>
+          </a:bodyPr>
+          <a:lstStyle/>
+          <a:p>
+            <a:r>
+              <a:rPr lang="en-US" sz="1000" b="1" dirty="0" smtClean="0"/>
+              <a:t>26,36 </a:t>
+            </a:r>
+            <a:r>
+              <a:rPr lang="en-US" sz="1000" b="1" dirty="0"/>
+              <a:t>m</a:t>
+            </a:r>
+          </a:p>
+        </p:txBody>
+      </p:sp>
+      <p:sp>
+        <p:nvSpPr>
+          <p:cNvPr id="261" name="TextBox 260"/>
+          <p:cNvSpPr txBox="1"/>
+          <p:nvPr/>
+        </p:nvSpPr>
+        <p:spPr>
+          <a:xfrm>
+            <a:off x="8901947" y="4031688"/>
+            <a:ext cx="614271" cy="246221"/>
+          </a:xfrm>
+          <a:prstGeom prst="rect">
+            <a:avLst/>
+          </a:prstGeom>
+          <a:noFill/>
+        </p:spPr>
+        <p:txBody>
+          <a:bodyPr wrap="none" rtlCol="0">
+            <a:spAutoFit/>
+          </a:bodyPr>
+          <a:lstStyle/>
+          <a:p>
+            <a:r>
+              <a:rPr lang="en-US" sz="1000" b="1" dirty="0" smtClean="0"/>
+              <a:t>60,38 </a:t>
+            </a:r>
+            <a:r>
+              <a:rPr lang="en-US" sz="1000" b="1" dirty="0"/>
+              <a:t>m</a:t>
+            </a:r>
+          </a:p>
+        </p:txBody>
+      </p:sp>
+      <p:sp>
+        <p:nvSpPr>
+          <p:cNvPr id="262" name="TextBox 261"/>
+          <p:cNvSpPr txBox="1"/>
+          <p:nvPr/>
+        </p:nvSpPr>
+        <p:spPr>
+          <a:xfrm rot="18525677">
+            <a:off x="8548354" y="3680778"/>
+            <a:ext cx="522900" cy="215444"/>
+          </a:xfrm>
+          <a:prstGeom prst="rect">
+            <a:avLst/>
+          </a:prstGeom>
+          <a:noFill/>
+        </p:spPr>
+        <p:txBody>
+          <a:bodyPr wrap="none" rtlCol="0">
+            <a:spAutoFit/>
+          </a:bodyPr>
+          <a:lstStyle/>
+          <a:p>
+            <a:r>
+              <a:rPr lang="en-US" sz="800" b="1" dirty="0" smtClean="0"/>
+              <a:t>5</a:t>
+            </a:r>
+            <a:r>
+              <a:rPr lang="en-US" sz="800" b="1" dirty="0" smtClean="0"/>
+              <a:t>0,05 </a:t>
+            </a:r>
+            <a:r>
+              <a:rPr lang="en-US" sz="800" b="1" dirty="0"/>
+              <a:t>m</a:t>
+            </a:r>
+          </a:p>
+        </p:txBody>
+      </p:sp>
+      <p:sp>
+        <p:nvSpPr>
+          <p:cNvPr id="263" name="TextBox 262"/>
+          <p:cNvSpPr txBox="1"/>
+          <p:nvPr/>
+        </p:nvSpPr>
+        <p:spPr>
+          <a:xfrm rot="18690345">
+            <a:off x="7586649" y="4862803"/>
+            <a:ext cx="614271" cy="246221"/>
+          </a:xfrm>
+          <a:prstGeom prst="rect">
+            <a:avLst/>
+          </a:prstGeom>
+          <a:noFill/>
+        </p:spPr>
+        <p:txBody>
+          <a:bodyPr wrap="none" rtlCol="0">
+            <a:spAutoFit/>
+          </a:bodyPr>
+          <a:lstStyle/>
+          <a:p>
+            <a:r>
+              <a:rPr lang="en-US" sz="1000" b="1" dirty="0" smtClean="0"/>
+              <a:t>64</a:t>
+            </a:r>
+            <a:r>
+              <a:rPr lang="en-US" sz="1000" b="1" dirty="0" smtClean="0"/>
+              <a:t>,79 </a:t>
+            </a:r>
+            <a:r>
+              <a:rPr lang="en-US" sz="1000" b="1" dirty="0"/>
+              <a:t>m</a:t>
+            </a:r>
+          </a:p>
+        </p:txBody>
+      </p:sp>
+      <p:sp>
+        <p:nvSpPr>
+          <p:cNvPr id="264" name="TextBox 263"/>
+          <p:cNvSpPr txBox="1"/>
+          <p:nvPr/>
+        </p:nvSpPr>
+        <p:spPr>
+          <a:xfrm rot="18224045">
+            <a:off x="7624446" y="5119299"/>
+            <a:ext cx="614271" cy="246221"/>
+          </a:xfrm>
+          <a:prstGeom prst="rect">
+            <a:avLst/>
+          </a:prstGeom>
+          <a:noFill/>
+        </p:spPr>
+        <p:txBody>
+          <a:bodyPr wrap="none" rtlCol="0">
+            <a:spAutoFit/>
+          </a:bodyPr>
+          <a:lstStyle/>
+          <a:p>
+            <a:r>
+              <a:rPr lang="en-US" sz="1000" b="1" dirty="0" smtClean="0"/>
+              <a:t>15,74 </a:t>
+            </a:r>
+            <a:r>
+              <a:rPr lang="en-US" sz="1000" b="1" dirty="0"/>
+              <a:t>m</a:t>
+            </a:r>
+          </a:p>
+        </p:txBody>
+      </p:sp>
+      <p:sp>
+        <p:nvSpPr>
+          <p:cNvPr id="265" name="TextBox 264"/>
+          <p:cNvSpPr txBox="1"/>
+          <p:nvPr/>
+        </p:nvSpPr>
+        <p:spPr>
+          <a:xfrm rot="18224045">
+            <a:off x="7757011" y="5212126"/>
+            <a:ext cx="614271" cy="246221"/>
+          </a:xfrm>
+          <a:prstGeom prst="rect">
+            <a:avLst/>
+          </a:prstGeom>
+          <a:noFill/>
+        </p:spPr>
+        <p:txBody>
+          <a:bodyPr wrap="none" rtlCol="0">
+            <a:spAutoFit/>
+          </a:bodyPr>
+          <a:lstStyle/>
+          <a:p>
+            <a:r>
+              <a:rPr lang="en-US" sz="1000" b="1" dirty="0" smtClean="0"/>
+              <a:t>14,05 </a:t>
+            </a:r>
+            <a:r>
+              <a:rPr lang="en-US" sz="1000" b="1" dirty="0"/>
+              <a:t>m</a:t>
+            </a:r>
+          </a:p>
+        </p:txBody>
+      </p:sp>
+      <p:sp>
+        <p:nvSpPr>
+          <p:cNvPr id="266" name="TextBox 265"/>
+          <p:cNvSpPr txBox="1"/>
+          <p:nvPr/>
+        </p:nvSpPr>
+        <p:spPr>
+          <a:xfrm rot="2199759">
+            <a:off x="7700865" y="5699847"/>
+            <a:ext cx="614271" cy="246221"/>
+          </a:xfrm>
+          <a:prstGeom prst="rect">
+            <a:avLst/>
+          </a:prstGeom>
+          <a:noFill/>
+        </p:spPr>
+        <p:txBody>
+          <a:bodyPr wrap="none" rtlCol="0">
+            <a:spAutoFit/>
+          </a:bodyPr>
+          <a:lstStyle/>
+          <a:p>
+            <a:r>
+              <a:rPr lang="en-US" sz="1000" b="1" dirty="0" smtClean="0"/>
+              <a:t>18,04 </a:t>
+            </a:r>
+            <a:r>
+              <a:rPr lang="en-US" sz="1000" b="1" dirty="0"/>
+              <a:t>m</a:t>
+            </a:r>
+          </a:p>
+        </p:txBody>
+      </p:sp>
+      <p:sp>
+        <p:nvSpPr>
+          <p:cNvPr id="267" name="TextBox 266"/>
+          <p:cNvSpPr txBox="1"/>
+          <p:nvPr/>
+        </p:nvSpPr>
+        <p:spPr>
+          <a:xfrm rot="2199759">
+            <a:off x="7755162" y="5947055"/>
+            <a:ext cx="614271" cy="246221"/>
+          </a:xfrm>
+          <a:prstGeom prst="rect">
+            <a:avLst/>
+          </a:prstGeom>
+          <a:noFill/>
+        </p:spPr>
+        <p:txBody>
+          <a:bodyPr wrap="none" rtlCol="0">
+            <a:spAutoFit/>
+          </a:bodyPr>
+          <a:lstStyle/>
+          <a:p>
+            <a:r>
+              <a:rPr lang="en-US" sz="1000" b="1" dirty="0" smtClean="0"/>
+              <a:t>32</a:t>
+            </a:r>
+            <a:r>
+              <a:rPr lang="en-US" sz="1000" b="1" dirty="0" smtClean="0"/>
+              <a:t>,12 </a:t>
+            </a:r>
+            <a:r>
+              <a:rPr lang="en-US" sz="1000" b="1" dirty="0"/>
+              <a:t>m</a:t>
+            </a:r>
+          </a:p>
+        </p:txBody>
+      </p:sp>
+      <p:sp>
+        <p:nvSpPr>
+          <p:cNvPr id="268" name="TextBox 267"/>
+          <p:cNvSpPr txBox="1"/>
+          <p:nvPr/>
+        </p:nvSpPr>
+        <p:spPr>
+          <a:xfrm rot="2199759">
+            <a:off x="7435106" y="6271559"/>
+            <a:ext cx="614271" cy="246221"/>
+          </a:xfrm>
+          <a:prstGeom prst="rect">
+            <a:avLst/>
+          </a:prstGeom>
+          <a:noFill/>
+        </p:spPr>
+        <p:txBody>
+          <a:bodyPr wrap="none" rtlCol="0">
+            <a:spAutoFit/>
+          </a:bodyPr>
+          <a:lstStyle/>
+          <a:p>
+            <a:r>
+              <a:rPr lang="en-US" sz="1000" b="1" dirty="0" smtClean="0"/>
+              <a:t>33</a:t>
+            </a:r>
+            <a:r>
+              <a:rPr lang="en-US" sz="1000" b="1" dirty="0" smtClean="0"/>
+              <a:t>,29 </a:t>
+            </a:r>
+            <a:r>
+              <a:rPr lang="en-US" sz="1000" b="1" dirty="0"/>
+              <a:t>m</a:t>
+            </a:r>
+          </a:p>
+        </p:txBody>
+      </p:sp>
+      <p:sp>
+        <p:nvSpPr>
+          <p:cNvPr id="269" name="TextBox 268"/>
+          <p:cNvSpPr txBox="1"/>
+          <p:nvPr/>
+        </p:nvSpPr>
+        <p:spPr>
+          <a:xfrm rot="2199759">
+            <a:off x="6779206" y="5733945"/>
+            <a:ext cx="449162" cy="246221"/>
+          </a:xfrm>
+          <a:prstGeom prst="rect">
+            <a:avLst/>
+          </a:prstGeom>
+          <a:noFill/>
+        </p:spPr>
+        <p:txBody>
+          <a:bodyPr wrap="none" rtlCol="0">
+            <a:spAutoFit/>
+          </a:bodyPr>
+          <a:lstStyle/>
+          <a:p>
+            <a:r>
+              <a:rPr lang="en-US" sz="1000" b="1" dirty="0" smtClean="0"/>
+              <a:t>31</a:t>
+            </a:r>
+            <a:r>
+              <a:rPr lang="en-US" sz="1000" b="1" dirty="0" smtClean="0"/>
+              <a:t> </a:t>
+            </a:r>
+            <a:r>
+              <a:rPr lang="en-US" sz="1000" b="1" dirty="0"/>
+              <a:t>m</a:t>
+            </a:r>
+          </a:p>
+        </p:txBody>
+      </p:sp>
+      <p:sp>
+        <p:nvSpPr>
+          <p:cNvPr id="270" name="TextBox 269"/>
+          <p:cNvSpPr txBox="1"/>
+          <p:nvPr/>
+        </p:nvSpPr>
+        <p:spPr>
+          <a:xfrm rot="2199759">
+            <a:off x="7042494" y="5352520"/>
+            <a:ext cx="614271" cy="246221"/>
+          </a:xfrm>
+          <a:prstGeom prst="rect">
+            <a:avLst/>
+          </a:prstGeom>
+          <a:noFill/>
+        </p:spPr>
+        <p:txBody>
+          <a:bodyPr wrap="none" rtlCol="0">
+            <a:spAutoFit/>
+          </a:bodyPr>
+          <a:lstStyle/>
+          <a:p>
+            <a:r>
+              <a:rPr lang="en-US" sz="1000" b="1" dirty="0" smtClean="0"/>
+              <a:t>32,82</a:t>
+            </a:r>
+            <a:r>
+              <a:rPr lang="en-US" sz="1000" b="1" dirty="0" smtClean="0"/>
+              <a:t> </a:t>
+            </a:r>
+            <a:r>
+              <a:rPr lang="en-US" sz="1000" b="1" dirty="0"/>
+              <a:t>m</a:t>
+            </a:r>
+          </a:p>
+        </p:txBody>
+      </p:sp>
     </p:spTree>
     <p:extLst>
       <p:ext uri="{BB962C8B-B14F-4D97-AF65-F5344CB8AC3E}">
         <p14:creationId xmlns:p14="http://schemas.microsoft.com/office/powerpoint/2010/main" val="3726518046"/>
-      </p:ext>
-    </p:extLst>
-  </p:cSld>
-  <p:clrMapOvr>
-    <a:masterClrMapping/>
-  </p:clrMapOvr>
-</p:sld>
-</file>
-
-<file path=ppt/slides/slide2.xml><?xml version="1.0" encoding="utf-8"?>
-<p:sld xmlns:a="http://schemas.openxmlformats.org/drawingml/2006/main" xmlns:r="http://schemas.openxmlformats.org/officeDocument/2006/relationships" xmlns:p="http://schemas.openxmlformats.org/presentationml/2006/main">
-  <p:cSld>
-    <p:spTree>
-      <p:nvGrpSpPr>
-        <p:cNvPr id="1" name=""/>
-        <p:cNvGrpSpPr/>
-        <p:nvPr/>
-      </p:nvGrpSpPr>
-      <p:grpSpPr>
-        <a:xfrm>
-          <a:off x="0" y="0"/>
-          <a:ext cx="0" cy="0"/>
-          <a:chOff x="0" y="0"/>
-          <a:chExt cx="0" cy="0"/>
-        </a:xfrm>
-      </p:grpSpPr>
-      <p:sp>
-        <p:nvSpPr>
-          <p:cNvPr id="5" name="TextBox 4"/>
-          <p:cNvSpPr txBox="1"/>
-          <p:nvPr/>
-        </p:nvSpPr>
-        <p:spPr>
-          <a:xfrm>
-            <a:off x="4306824" y="1875568"/>
-            <a:ext cx="1883664" cy="1200329"/>
-          </a:xfrm>
-          <a:prstGeom prst="rect">
-            <a:avLst/>
-          </a:prstGeom>
-        </p:spPr>
-        <p:style>
-          <a:lnRef idx="2">
-            <a:schemeClr val="dk1"/>
-          </a:lnRef>
-          <a:fillRef idx="1">
-            <a:schemeClr val="lt1"/>
-          </a:fillRef>
-          <a:effectRef idx="0">
-            <a:schemeClr val="dk1"/>
-          </a:effectRef>
-          <a:fontRef idx="minor">
-            <a:schemeClr val="dk1"/>
-          </a:fontRef>
-        </p:style>
-        <p:txBody>
-          <a:bodyPr wrap="square" rtlCol="0">
-            <a:spAutoFit/>
-          </a:bodyPr>
-          <a:lstStyle/>
-          <a:p>
-            <a:pPr algn="ctr"/>
-            <a:r>
-              <a:rPr lang="en-US" b="1" dirty="0" smtClean="0"/>
-              <a:t>Map</a:t>
-            </a:r>
-          </a:p>
-          <a:p>
-            <a:pPr marL="285750" indent="-285750">
-              <a:buFont typeface="Arial" panose="020B0604020202020204" pitchFamily="34" charset="0"/>
-              <a:buChar char="•"/>
-            </a:pPr>
-            <a:r>
-              <a:rPr lang="en-US" dirty="0" err="1" smtClean="0"/>
-              <a:t>ID_Map</a:t>
-            </a:r>
-            <a:endParaRPr lang="en-US" dirty="0" smtClean="0"/>
-          </a:p>
-          <a:p>
-            <a:pPr marL="285750" indent="-285750">
-              <a:buFont typeface="Arial" panose="020B0604020202020204" pitchFamily="34" charset="0"/>
-              <a:buChar char="•"/>
-            </a:pPr>
-            <a:r>
-              <a:rPr lang="en-US" dirty="0" err="1" smtClean="0"/>
-              <a:t>Title_Map</a:t>
-            </a:r>
-            <a:endParaRPr lang="en-US" dirty="0" smtClean="0"/>
-          </a:p>
-          <a:p>
-            <a:pPr marL="285750" indent="-285750">
-              <a:buFont typeface="Arial" panose="020B0604020202020204" pitchFamily="34" charset="0"/>
-              <a:buChar char="•"/>
-            </a:pPr>
-            <a:r>
-              <a:rPr lang="en-US" dirty="0" smtClean="0"/>
-              <a:t>image</a:t>
-            </a:r>
-            <a:endParaRPr lang="en-US" dirty="0"/>
-          </a:p>
-        </p:txBody>
-      </p:sp>
-      <p:sp>
-        <p:nvSpPr>
-          <p:cNvPr id="6" name="TextBox 5"/>
-          <p:cNvSpPr txBox="1"/>
-          <p:nvPr/>
-        </p:nvSpPr>
-        <p:spPr>
-          <a:xfrm>
-            <a:off x="8647176" y="2758440"/>
-            <a:ext cx="2444496" cy="1754326"/>
-          </a:xfrm>
-          <a:prstGeom prst="rect">
-            <a:avLst/>
-          </a:prstGeom>
-        </p:spPr>
-        <p:style>
-          <a:lnRef idx="2">
-            <a:schemeClr val="dk1"/>
-          </a:lnRef>
-          <a:fillRef idx="1">
-            <a:schemeClr val="lt1"/>
-          </a:fillRef>
-          <a:effectRef idx="0">
-            <a:schemeClr val="dk1"/>
-          </a:effectRef>
-          <a:fontRef idx="minor">
-            <a:schemeClr val="dk1"/>
-          </a:fontRef>
-        </p:style>
-        <p:txBody>
-          <a:bodyPr wrap="square" rtlCol="0">
-            <a:spAutoFit/>
-          </a:bodyPr>
-          <a:lstStyle/>
-          <a:p>
-            <a:pPr algn="ctr"/>
-            <a:r>
-              <a:rPr lang="en-US" b="1" dirty="0" smtClean="0"/>
-              <a:t>Vertex (</a:t>
-            </a:r>
-            <a:r>
-              <a:rPr lang="en-US" b="1" dirty="0" err="1" smtClean="0"/>
-              <a:t>đỉnh</a:t>
-            </a:r>
-            <a:r>
-              <a:rPr lang="en-US" b="1" dirty="0" smtClean="0"/>
-              <a:t>/</a:t>
-            </a:r>
-            <a:r>
-              <a:rPr lang="en-US" b="1" dirty="0" err="1" smtClean="0"/>
-              <a:t>địa</a:t>
-            </a:r>
-            <a:r>
-              <a:rPr lang="en-US" b="1" dirty="0" smtClean="0"/>
-              <a:t> </a:t>
-            </a:r>
-            <a:r>
-              <a:rPr lang="en-US" b="1" dirty="0" err="1" smtClean="0"/>
-              <a:t>điểm</a:t>
-            </a:r>
-            <a:r>
-              <a:rPr lang="en-US" b="1" dirty="0" smtClean="0"/>
-              <a:t>) </a:t>
-            </a:r>
-          </a:p>
-          <a:p>
-            <a:pPr marL="285750" indent="-285750">
-              <a:buFont typeface="Arial" panose="020B0604020202020204" pitchFamily="34" charset="0"/>
-              <a:buChar char="•"/>
-            </a:pPr>
-            <a:r>
-              <a:rPr lang="en-US" dirty="0" err="1" smtClean="0"/>
-              <a:t>ID_Vertex</a:t>
-            </a:r>
-            <a:endParaRPr lang="en-US" dirty="0" smtClean="0"/>
-          </a:p>
-          <a:p>
-            <a:pPr marL="285750" indent="-285750">
-              <a:buFont typeface="Arial" panose="020B0604020202020204" pitchFamily="34" charset="0"/>
-              <a:buChar char="•"/>
-            </a:pPr>
-            <a:r>
-              <a:rPr lang="en-US" dirty="0" err="1" smtClean="0"/>
-              <a:t>Title_Vertex</a:t>
-            </a:r>
-            <a:endParaRPr lang="en-US" dirty="0" smtClean="0"/>
-          </a:p>
-          <a:p>
-            <a:pPr marL="285750" indent="-285750">
-              <a:buFont typeface="Arial" panose="020B0604020202020204" pitchFamily="34" charset="0"/>
-              <a:buChar char="•"/>
-            </a:pPr>
-            <a:r>
-              <a:rPr lang="en-US" dirty="0" err="1" smtClean="0"/>
-              <a:t>Type_Vertex</a:t>
-            </a:r>
-            <a:endParaRPr lang="en-US" dirty="0" smtClean="0"/>
-          </a:p>
-          <a:p>
-            <a:pPr marL="285750" indent="-285750">
-              <a:buFont typeface="Arial" panose="020B0604020202020204" pitchFamily="34" charset="0"/>
-              <a:buChar char="•"/>
-            </a:pPr>
-            <a:endParaRPr lang="en-US" dirty="0"/>
-          </a:p>
-          <a:p>
-            <a:pPr marL="285750" indent="-285750">
-              <a:buFont typeface="Arial" panose="020B0604020202020204" pitchFamily="34" charset="0"/>
-              <a:buChar char="•"/>
-            </a:pPr>
-            <a:r>
-              <a:rPr lang="en-US" dirty="0" err="1" smtClean="0"/>
-              <a:t>ID_Map</a:t>
-            </a:r>
-            <a:endParaRPr lang="en-US" dirty="0"/>
-          </a:p>
-        </p:txBody>
-      </p:sp>
-      <p:sp>
-        <p:nvSpPr>
-          <p:cNvPr id="7" name="TextBox 6"/>
-          <p:cNvSpPr txBox="1"/>
-          <p:nvPr/>
-        </p:nvSpPr>
-        <p:spPr>
-          <a:xfrm>
-            <a:off x="466344" y="2563368"/>
-            <a:ext cx="2898648" cy="3139321"/>
-          </a:xfrm>
-          <a:prstGeom prst="rect">
-            <a:avLst/>
-          </a:prstGeom>
-        </p:spPr>
-        <p:style>
-          <a:lnRef idx="2">
-            <a:schemeClr val="dk1"/>
-          </a:lnRef>
-          <a:fillRef idx="1">
-            <a:schemeClr val="lt1"/>
-          </a:fillRef>
-          <a:effectRef idx="0">
-            <a:schemeClr val="dk1"/>
-          </a:effectRef>
-          <a:fontRef idx="minor">
-            <a:schemeClr val="dk1"/>
-          </a:fontRef>
-        </p:style>
-        <p:txBody>
-          <a:bodyPr wrap="square" rtlCol="0">
-            <a:spAutoFit/>
-          </a:bodyPr>
-          <a:lstStyle/>
-          <a:p>
-            <a:pPr algn="ctr"/>
-            <a:r>
-              <a:rPr lang="en-US" b="1" dirty="0" smtClean="0"/>
-              <a:t>Edge (</a:t>
-            </a:r>
-            <a:r>
-              <a:rPr lang="en-US" b="1" dirty="0" err="1" smtClean="0"/>
-              <a:t>cung</a:t>
-            </a:r>
-            <a:r>
-              <a:rPr lang="en-US" b="1" dirty="0" smtClean="0"/>
-              <a:t>/</a:t>
-            </a:r>
-            <a:r>
-              <a:rPr lang="en-US" b="1" dirty="0" err="1" smtClean="0"/>
-              <a:t>đường</a:t>
-            </a:r>
-            <a:r>
-              <a:rPr lang="en-US" b="1" dirty="0" smtClean="0"/>
-              <a:t>)</a:t>
-            </a:r>
-          </a:p>
-          <a:p>
-            <a:pPr marL="285750" indent="-285750">
-              <a:buFont typeface="Arial" panose="020B0604020202020204" pitchFamily="34" charset="0"/>
-              <a:buChar char="•"/>
-            </a:pPr>
-            <a:r>
-              <a:rPr lang="en-US" dirty="0" err="1" smtClean="0"/>
-              <a:t>ID_Edge</a:t>
-            </a:r>
-            <a:endParaRPr lang="en-US" dirty="0" smtClean="0"/>
-          </a:p>
-          <a:p>
-            <a:pPr marL="285750" indent="-285750">
-              <a:buFont typeface="Arial" panose="020B0604020202020204" pitchFamily="34" charset="0"/>
-              <a:buChar char="•"/>
-            </a:pPr>
-            <a:r>
-              <a:rPr lang="en-US" dirty="0" err="1" smtClean="0"/>
-              <a:t>Title_Edge</a:t>
-            </a:r>
-            <a:endParaRPr lang="en-US" dirty="0" smtClean="0"/>
-          </a:p>
-          <a:p>
-            <a:pPr marL="285750" indent="-285750">
-              <a:buFont typeface="Arial" panose="020B0604020202020204" pitchFamily="34" charset="0"/>
-              <a:buChar char="•"/>
-            </a:pPr>
-            <a:r>
-              <a:rPr lang="en-US" dirty="0" smtClean="0"/>
-              <a:t>ID_Vertex1</a:t>
-            </a:r>
-          </a:p>
-          <a:p>
-            <a:pPr marL="285750" indent="-285750">
-              <a:buFont typeface="Arial" panose="020B0604020202020204" pitchFamily="34" charset="0"/>
-              <a:buChar char="•"/>
-            </a:pPr>
-            <a:r>
-              <a:rPr lang="en-US" dirty="0" smtClean="0"/>
-              <a:t>ID_Vertex2</a:t>
-            </a:r>
-          </a:p>
-          <a:p>
-            <a:pPr marL="285750" indent="-285750">
-              <a:buFont typeface="Arial" panose="020B0604020202020204" pitchFamily="34" charset="0"/>
-              <a:buChar char="•"/>
-            </a:pPr>
-            <a:r>
-              <a:rPr lang="en-US" dirty="0" smtClean="0"/>
-              <a:t>Distance</a:t>
-            </a:r>
-          </a:p>
-          <a:p>
-            <a:pPr marL="285750" indent="-285750">
-              <a:buFont typeface="Arial" panose="020B0604020202020204" pitchFamily="34" charset="0"/>
-              <a:buChar char="•"/>
-            </a:pPr>
-            <a:r>
-              <a:rPr lang="en-US" dirty="0" err="1" smtClean="0"/>
-              <a:t>Type_Edge</a:t>
-            </a:r>
-            <a:r>
-              <a:rPr lang="en-US" dirty="0" smtClean="0"/>
-              <a:t>: </a:t>
-            </a:r>
-            <a:r>
-              <a:rPr lang="en-US" dirty="0" err="1" smtClean="0"/>
-              <a:t>có</a:t>
-            </a:r>
-            <a:r>
-              <a:rPr lang="en-US" dirty="0" smtClean="0"/>
-              <a:t> </a:t>
-            </a:r>
-            <a:r>
-              <a:rPr lang="en-US" dirty="0" err="1" smtClean="0"/>
-              <a:t>hướng</a:t>
-            </a:r>
-            <a:r>
-              <a:rPr lang="en-US" dirty="0" smtClean="0"/>
-              <a:t>(1 </a:t>
-            </a:r>
-            <a:r>
-              <a:rPr lang="en-US" dirty="0" err="1" smtClean="0"/>
-              <a:t>chiều</a:t>
-            </a:r>
-            <a:r>
-              <a:rPr lang="en-US" dirty="0" smtClean="0"/>
-              <a:t>) hay </a:t>
-            </a:r>
-            <a:r>
-              <a:rPr lang="en-US" dirty="0" err="1" smtClean="0"/>
-              <a:t>vô</a:t>
-            </a:r>
-            <a:r>
-              <a:rPr lang="en-US" dirty="0" smtClean="0"/>
-              <a:t> </a:t>
-            </a:r>
-            <a:r>
-              <a:rPr lang="en-US" dirty="0" err="1" smtClean="0"/>
-              <a:t>hướng</a:t>
-            </a:r>
-            <a:r>
-              <a:rPr lang="en-US" dirty="0" smtClean="0"/>
-              <a:t>(2 </a:t>
-            </a:r>
-            <a:r>
-              <a:rPr lang="en-US" dirty="0" err="1" smtClean="0"/>
-              <a:t>chiều</a:t>
-            </a:r>
-            <a:r>
-              <a:rPr lang="en-US" dirty="0" smtClean="0"/>
-              <a:t>)</a:t>
-            </a:r>
-          </a:p>
-          <a:p>
-            <a:pPr marL="285750" indent="-285750">
-              <a:buFont typeface="Arial" panose="020B0604020202020204" pitchFamily="34" charset="0"/>
-              <a:buChar char="•"/>
-            </a:pPr>
-            <a:endParaRPr lang="en-US" dirty="0"/>
-          </a:p>
-          <a:p>
-            <a:pPr marL="285750" indent="-285750">
-              <a:buFont typeface="Arial" panose="020B0604020202020204" pitchFamily="34" charset="0"/>
-              <a:buChar char="•"/>
-            </a:pPr>
-            <a:r>
-              <a:rPr lang="en-US" dirty="0" err="1" smtClean="0"/>
-              <a:t>ID_Map</a:t>
-            </a:r>
-            <a:endParaRPr lang="en-US" dirty="0"/>
-          </a:p>
-        </p:txBody>
-      </p:sp>
-      <p:cxnSp>
-        <p:nvCxnSpPr>
-          <p:cNvPr id="9" name="Elbow Connector 8"/>
-          <p:cNvCxnSpPr>
-            <a:stCxn id="5" idx="3"/>
-            <a:endCxn id="6" idx="1"/>
-          </p:cNvCxnSpPr>
-          <p:nvPr/>
-        </p:nvCxnSpPr>
-        <p:spPr>
-          <a:xfrm>
-            <a:off x="6190488" y="2475733"/>
-            <a:ext cx="2456688" cy="1159870"/>
-          </a:xfrm>
-          <a:prstGeom prst="bentConnector3">
-            <a:avLst/>
-          </a:prstGeom>
-        </p:spPr>
-        <p:style>
-          <a:lnRef idx="2">
-            <a:schemeClr val="dk1"/>
-          </a:lnRef>
-          <a:fillRef idx="0">
-            <a:schemeClr val="dk1"/>
-          </a:fillRef>
-          <a:effectRef idx="1">
-            <a:schemeClr val="dk1"/>
-          </a:effectRef>
-          <a:fontRef idx="minor">
-            <a:schemeClr val="tx1"/>
-          </a:fontRef>
-        </p:style>
-      </p:cxnSp>
-      <p:cxnSp>
-        <p:nvCxnSpPr>
-          <p:cNvPr id="11" name="Elbow Connector 10"/>
-          <p:cNvCxnSpPr>
-            <a:stCxn id="5" idx="1"/>
-            <a:endCxn id="7" idx="3"/>
-          </p:cNvCxnSpPr>
-          <p:nvPr/>
-        </p:nvCxnSpPr>
-        <p:spPr>
-          <a:xfrm rot="10800000" flipV="1">
-            <a:off x="3364992" y="2475733"/>
-            <a:ext cx="941832" cy="1657296"/>
-          </a:xfrm>
-          <a:prstGeom prst="bentConnector3">
-            <a:avLst/>
-          </a:prstGeom>
-        </p:spPr>
-        <p:style>
-          <a:lnRef idx="2">
-            <a:schemeClr val="dk1"/>
-          </a:lnRef>
-          <a:fillRef idx="0">
-            <a:schemeClr val="dk1"/>
-          </a:fillRef>
-          <a:effectRef idx="1">
-            <a:schemeClr val="dk1"/>
-          </a:effectRef>
-          <a:fontRef idx="minor">
-            <a:schemeClr val="tx1"/>
-          </a:fontRef>
-        </p:style>
-      </p:cxnSp>
-    </p:spTree>
-    <p:extLst>
-      <p:ext uri="{BB962C8B-B14F-4D97-AF65-F5344CB8AC3E}">
-        <p14:creationId xmlns:p14="http://schemas.microsoft.com/office/powerpoint/2010/main" val="3810849003"/>
       </p:ext>
     </p:extLst>
   </p:cSld>

--- a/photo/map.pptx
+++ b/photo/map.pptx
@@ -6,6 +6,7 @@
   </p:sldMasterIdLst>
   <p:sldIdLst>
     <p:sldId id="256" r:id="rId2"/>
+    <p:sldId id="257" r:id="rId3"/>
   </p:sldIdLst>
   <p:sldSz cx="12192000" cy="6858000"/>
   <p:notesSz cx="6858000" cy="9144000"/>
@@ -254,7 +255,7 @@
           <a:p>
             <a:fld id="{FDC60B7F-8E4C-44BF-8D08-988AC1B0CC38}" type="datetimeFigureOut">
               <a:rPr lang="en-US" smtClean="0"/>
-              <a:t>9/3/2021</a:t>
+              <a:t>9/18/2021</a:t>
             </a:fld>
             <a:endParaRPr lang="en-US"/>
           </a:p>
@@ -424,7 +425,7 @@
           <a:p>
             <a:fld id="{FDC60B7F-8E4C-44BF-8D08-988AC1B0CC38}" type="datetimeFigureOut">
               <a:rPr lang="en-US" smtClean="0"/>
-              <a:t>9/3/2021</a:t>
+              <a:t>9/18/2021</a:t>
             </a:fld>
             <a:endParaRPr lang="en-US"/>
           </a:p>
@@ -604,7 +605,7 @@
           <a:p>
             <a:fld id="{FDC60B7F-8E4C-44BF-8D08-988AC1B0CC38}" type="datetimeFigureOut">
               <a:rPr lang="en-US" smtClean="0"/>
-              <a:t>9/3/2021</a:t>
+              <a:t>9/18/2021</a:t>
             </a:fld>
             <a:endParaRPr lang="en-US"/>
           </a:p>
@@ -774,7 +775,7 @@
           <a:p>
             <a:fld id="{FDC60B7F-8E4C-44BF-8D08-988AC1B0CC38}" type="datetimeFigureOut">
               <a:rPr lang="en-US" smtClean="0"/>
-              <a:t>9/3/2021</a:t>
+              <a:t>9/18/2021</a:t>
             </a:fld>
             <a:endParaRPr lang="en-US"/>
           </a:p>
@@ -1020,7 +1021,7 @@
           <a:p>
             <a:fld id="{FDC60B7F-8E4C-44BF-8D08-988AC1B0CC38}" type="datetimeFigureOut">
               <a:rPr lang="en-US" smtClean="0"/>
-              <a:t>9/3/2021</a:t>
+              <a:t>9/18/2021</a:t>
             </a:fld>
             <a:endParaRPr lang="en-US"/>
           </a:p>
@@ -1252,7 +1253,7 @@
           <a:p>
             <a:fld id="{FDC60B7F-8E4C-44BF-8D08-988AC1B0CC38}" type="datetimeFigureOut">
               <a:rPr lang="en-US" smtClean="0"/>
-              <a:t>9/3/2021</a:t>
+              <a:t>9/18/2021</a:t>
             </a:fld>
             <a:endParaRPr lang="en-US"/>
           </a:p>
@@ -1619,7 +1620,7 @@
           <a:p>
             <a:fld id="{FDC60B7F-8E4C-44BF-8D08-988AC1B0CC38}" type="datetimeFigureOut">
               <a:rPr lang="en-US" smtClean="0"/>
-              <a:t>9/3/2021</a:t>
+              <a:t>9/18/2021</a:t>
             </a:fld>
             <a:endParaRPr lang="en-US"/>
           </a:p>
@@ -1737,7 +1738,7 @@
           <a:p>
             <a:fld id="{FDC60B7F-8E4C-44BF-8D08-988AC1B0CC38}" type="datetimeFigureOut">
               <a:rPr lang="en-US" smtClean="0"/>
-              <a:t>9/3/2021</a:t>
+              <a:t>9/18/2021</a:t>
             </a:fld>
             <a:endParaRPr lang="en-US"/>
           </a:p>
@@ -1832,7 +1833,7 @@
           <a:p>
             <a:fld id="{FDC60B7F-8E4C-44BF-8D08-988AC1B0CC38}" type="datetimeFigureOut">
               <a:rPr lang="en-US" smtClean="0"/>
-              <a:t>9/3/2021</a:t>
+              <a:t>9/18/2021</a:t>
             </a:fld>
             <a:endParaRPr lang="en-US"/>
           </a:p>
@@ -2109,7 +2110,7 @@
           <a:p>
             <a:fld id="{FDC60B7F-8E4C-44BF-8D08-988AC1B0CC38}" type="datetimeFigureOut">
               <a:rPr lang="en-US" smtClean="0"/>
-              <a:t>9/3/2021</a:t>
+              <a:t>9/18/2021</a:t>
             </a:fld>
             <a:endParaRPr lang="en-US"/>
           </a:p>
@@ -2362,7 +2363,7 @@
           <a:p>
             <a:fld id="{FDC60B7F-8E4C-44BF-8D08-988AC1B0CC38}" type="datetimeFigureOut">
               <a:rPr lang="en-US" smtClean="0"/>
-              <a:t>9/3/2021</a:t>
+              <a:t>9/18/2021</a:t>
             </a:fld>
             <a:endParaRPr lang="en-US"/>
           </a:p>
@@ -2575,7 +2576,7 @@
           <a:p>
             <a:fld id="{FDC60B7F-8E4C-44BF-8D08-988AC1B0CC38}" type="datetimeFigureOut">
               <a:rPr lang="en-US" smtClean="0"/>
-              <a:t>9/3/2021</a:t>
+              <a:t>9/18/2021</a:t>
             </a:fld>
             <a:endParaRPr lang="en-US"/>
           </a:p>
@@ -3060,11 +3061,6 @@
               </a:rPr>
               <a:t>8</a:t>
             </a:r>
-            <a:endParaRPr lang="en-US" sz="1000" b="1" dirty="0">
-              <a:solidFill>
-                <a:schemeClr val="tx1"/>
-              </a:solidFill>
-            </a:endParaRPr>
           </a:p>
         </p:txBody>
       </p:sp>
@@ -3118,11 +3114,6 @@
               </a:rPr>
               <a:t>7</a:t>
             </a:r>
-            <a:endParaRPr lang="en-US" sz="1000" b="1" dirty="0">
-              <a:solidFill>
-                <a:schemeClr val="tx1"/>
-              </a:solidFill>
-            </a:endParaRPr>
           </a:p>
         </p:txBody>
       </p:sp>
@@ -3176,11 +3167,6 @@
               </a:rPr>
               <a:t>9</a:t>
             </a:r>
-            <a:endParaRPr lang="en-US" sz="1000" b="1" dirty="0">
-              <a:solidFill>
-                <a:schemeClr val="tx1"/>
-              </a:solidFill>
-            </a:endParaRPr>
           </a:p>
         </p:txBody>
       </p:sp>
@@ -3350,11 +3336,6 @@
               </a:rPr>
               <a:t>5</a:t>
             </a:r>
-            <a:endParaRPr lang="en-US" sz="1000" b="1" dirty="0">
-              <a:solidFill>
-                <a:schemeClr val="tx1"/>
-              </a:solidFill>
-            </a:endParaRPr>
           </a:p>
         </p:txBody>
       </p:sp>
@@ -3598,11 +3579,6 @@
               </a:rPr>
               <a:t>2</a:t>
             </a:r>
-            <a:endParaRPr lang="en-US" sz="1000" b="1" dirty="0">
-              <a:solidFill>
-                <a:schemeClr val="tx1"/>
-              </a:solidFill>
-            </a:endParaRPr>
           </a:p>
         </p:txBody>
       </p:sp>
@@ -4267,11 +4243,7 @@
           <a:p>
             <a:r>
               <a:rPr lang="en-US" sz="1000" b="1" dirty="0" smtClean="0"/>
-              <a:t>66</a:t>
-            </a:r>
-            <a:r>
-              <a:rPr lang="en-US" sz="1000" b="1" dirty="0" smtClean="0"/>
-              <a:t>,92 </a:t>
+              <a:t>66,92 </a:t>
             </a:r>
             <a:r>
               <a:rPr lang="en-US" sz="1000" b="1" dirty="0"/>
@@ -4330,11 +4302,6 @@
               </a:rPr>
               <a:t>4</a:t>
             </a:r>
-            <a:endParaRPr lang="en-US" sz="1000" b="1" dirty="0">
-              <a:solidFill>
-                <a:schemeClr val="tx1"/>
-              </a:solidFill>
-            </a:endParaRPr>
           </a:p>
         </p:txBody>
       </p:sp>
@@ -4388,11 +4355,6 @@
               </a:rPr>
               <a:t>3</a:t>
             </a:r>
-            <a:endParaRPr lang="en-US" sz="1000" b="1" dirty="0">
-              <a:solidFill>
-                <a:schemeClr val="tx1"/>
-              </a:solidFill>
-            </a:endParaRPr>
           </a:p>
         </p:txBody>
       </p:sp>
@@ -4446,11 +4408,6 @@
               </a:rPr>
               <a:t>6</a:t>
             </a:r>
-            <a:endParaRPr lang="en-US" sz="1000" b="1" dirty="0">
-              <a:solidFill>
-                <a:schemeClr val="tx1"/>
-              </a:solidFill>
-            </a:endParaRPr>
           </a:p>
         </p:txBody>
       </p:sp>
@@ -4643,11 +4600,7 @@
           <a:p>
             <a:r>
               <a:rPr lang="en-US" sz="1000" b="1" dirty="0" smtClean="0"/>
-              <a:t>82</a:t>
-            </a:r>
-            <a:r>
-              <a:rPr lang="en-US" sz="1000" b="1" dirty="0" smtClean="0"/>
-              <a:t>,34 </a:t>
+              <a:t>82,34 </a:t>
             </a:r>
             <a:r>
               <a:rPr lang="en-US" sz="1000" b="1" dirty="0"/>
@@ -4739,11 +4692,6 @@
               </a:rPr>
               <a:t>12</a:t>
             </a:r>
-            <a:endParaRPr lang="en-US" sz="1000" b="1" dirty="0">
-              <a:solidFill>
-                <a:schemeClr val="tx1"/>
-              </a:solidFill>
-            </a:endParaRPr>
           </a:p>
         </p:txBody>
       </p:sp>
@@ -8898,11 +8846,7 @@
           <a:p>
             <a:r>
               <a:rPr lang="en-US" sz="1000" b="1" dirty="0" smtClean="0"/>
-              <a:t>60</a:t>
-            </a:r>
-            <a:r>
-              <a:rPr lang="en-US" sz="1000" b="1" dirty="0" smtClean="0"/>
-              <a:t>,8 </a:t>
+              <a:t>60,8 </a:t>
             </a:r>
             <a:r>
               <a:rPr lang="en-US" sz="1000" b="1" dirty="0"/>
@@ -8935,11 +8879,7 @@
           <a:p>
             <a:r>
               <a:rPr lang="en-US" sz="1000" b="1" dirty="0" smtClean="0"/>
-              <a:t>60</a:t>
-            </a:r>
-            <a:r>
-              <a:rPr lang="en-US" sz="1000" b="1" dirty="0" smtClean="0"/>
-              <a:t>,76 </a:t>
+              <a:t>60,76 </a:t>
             </a:r>
             <a:r>
               <a:rPr lang="en-US" sz="1000" b="1" dirty="0"/>
@@ -8972,11 +8912,7 @@
           <a:p>
             <a:r>
               <a:rPr lang="en-US" sz="1000" b="1" dirty="0" smtClean="0"/>
-              <a:t>109</a:t>
-            </a:r>
-            <a:r>
-              <a:rPr lang="en-US" sz="1000" b="1" dirty="0" smtClean="0"/>
-              <a:t>,16 </a:t>
+              <a:t>109,16 </a:t>
             </a:r>
             <a:r>
               <a:rPr lang="en-US" sz="1000" b="1" dirty="0"/>
@@ -9108,11 +9044,7 @@
           <a:p>
             <a:r>
               <a:rPr lang="en-US" sz="1000" b="1" dirty="0" smtClean="0"/>
-              <a:t>80</a:t>
-            </a:r>
-            <a:r>
-              <a:rPr lang="en-US" sz="1000" b="1" dirty="0" smtClean="0"/>
-              <a:t>,04 </a:t>
+              <a:t>80,04 </a:t>
             </a:r>
             <a:r>
               <a:rPr lang="en-US" sz="1000" b="1" dirty="0"/>
@@ -9145,11 +9077,7 @@
           <a:p>
             <a:r>
               <a:rPr lang="en-US" sz="1000" b="1" dirty="0" smtClean="0"/>
-              <a:t>113</a:t>
-            </a:r>
-            <a:r>
-              <a:rPr lang="en-US" sz="1000" b="1" dirty="0" smtClean="0"/>
-              <a:t>,03 </a:t>
+              <a:t>113,03 </a:t>
             </a:r>
             <a:r>
               <a:rPr lang="en-US" sz="1000" b="1" dirty="0"/>
@@ -9182,11 +9110,7 @@
           <a:p>
             <a:r>
               <a:rPr lang="en-US" sz="1000" b="1" dirty="0" smtClean="0"/>
-              <a:t>41</a:t>
-            </a:r>
-            <a:r>
-              <a:rPr lang="en-US" sz="1000" b="1" dirty="0" smtClean="0"/>
-              <a:t>,58 </a:t>
+              <a:t>41,58 </a:t>
             </a:r>
             <a:r>
               <a:rPr lang="en-US" sz="1000" b="1" dirty="0"/>
@@ -9219,11 +9143,7 @@
           <a:p>
             <a:r>
               <a:rPr lang="en-US" sz="1000" b="1" dirty="0" smtClean="0"/>
-              <a:t>137</a:t>
-            </a:r>
-            <a:r>
-              <a:rPr lang="en-US" sz="1000" b="1" dirty="0" smtClean="0"/>
-              <a:t>,37 </a:t>
+              <a:t>137,37 </a:t>
             </a:r>
             <a:r>
               <a:rPr lang="en-US" sz="1000" b="1" dirty="0"/>
@@ -9256,11 +9176,7 @@
           <a:p>
             <a:r>
               <a:rPr lang="en-US" sz="1000" b="1" dirty="0" smtClean="0"/>
-              <a:t>72</a:t>
-            </a:r>
-            <a:r>
-              <a:rPr lang="en-US" sz="1000" b="1" dirty="0" smtClean="0"/>
-              <a:t>,9 </a:t>
+              <a:t>72,9 </a:t>
             </a:r>
             <a:r>
               <a:rPr lang="en-US" sz="1000" b="1" dirty="0"/>
@@ -9359,11 +9275,7 @@
           <a:p>
             <a:r>
               <a:rPr lang="en-US" sz="1000" b="1" dirty="0" smtClean="0"/>
-              <a:t>62</a:t>
-            </a:r>
-            <a:r>
-              <a:rPr lang="en-US" sz="1000" b="1" dirty="0" smtClean="0"/>
-              <a:t>,05 </a:t>
+              <a:t>62,05 </a:t>
             </a:r>
             <a:r>
               <a:rPr lang="en-US" sz="1000" b="1" dirty="0"/>
@@ -9429,11 +9341,7 @@
           <a:p>
             <a:r>
               <a:rPr lang="en-US" sz="1000" b="1" dirty="0" smtClean="0"/>
-              <a:t>45</a:t>
-            </a:r>
-            <a:r>
-              <a:rPr lang="en-US" sz="1000" b="1" dirty="0" smtClean="0"/>
-              <a:t>,7 </a:t>
+              <a:t>45,7 </a:t>
             </a:r>
             <a:r>
               <a:rPr lang="en-US" sz="1000" b="1" dirty="0"/>
@@ -9499,11 +9407,7 @@
           <a:p>
             <a:r>
               <a:rPr lang="en-US" sz="1000" b="1" dirty="0" smtClean="0"/>
-              <a:t>44</a:t>
-            </a:r>
-            <a:r>
-              <a:rPr lang="en-US" sz="1000" b="1" dirty="0" smtClean="0"/>
-              <a:t>,36 </a:t>
+              <a:t>44,36 </a:t>
             </a:r>
             <a:r>
               <a:rPr lang="en-US" sz="1000" b="1" dirty="0"/>
@@ -9672,11 +9576,7 @@
           <a:p>
             <a:r>
               <a:rPr lang="en-US" sz="1000" b="1" dirty="0" smtClean="0"/>
-              <a:t>3</a:t>
-            </a:r>
-            <a:r>
-              <a:rPr lang="en-US" sz="1000" b="1" dirty="0" smtClean="0"/>
-              <a:t>3,65 </a:t>
+              <a:t>33,65 </a:t>
             </a:r>
             <a:r>
               <a:rPr lang="en-US" sz="1000" b="1" dirty="0"/>
@@ -9832,11 +9732,7 @@
           <a:p>
             <a:r>
               <a:rPr lang="en-US" sz="1000" b="1" dirty="0" smtClean="0"/>
-              <a:t>68</a:t>
-            </a:r>
-            <a:r>
-              <a:rPr lang="en-US" sz="1000" b="1" dirty="0" smtClean="0"/>
-              <a:t>,04 </a:t>
+              <a:t>68,04 </a:t>
             </a:r>
             <a:r>
               <a:rPr lang="en-US" sz="1000" b="1" dirty="0"/>
@@ -9869,11 +9765,7 @@
           <a:p>
             <a:r>
               <a:rPr lang="en-US" sz="1000" b="1" dirty="0" smtClean="0"/>
-              <a:t>52</a:t>
-            </a:r>
-            <a:r>
-              <a:rPr lang="en-US" sz="1000" b="1" dirty="0" smtClean="0"/>
-              <a:t>,59 </a:t>
+              <a:t>52,59 </a:t>
             </a:r>
             <a:r>
               <a:rPr lang="en-US" sz="1000" b="1" dirty="0"/>
@@ -9972,11 +9864,7 @@
           <a:p>
             <a:r>
               <a:rPr lang="en-US" sz="800" b="1" dirty="0" smtClean="0"/>
-              <a:t>5</a:t>
-            </a:r>
-            <a:r>
-              <a:rPr lang="en-US" sz="800" b="1" dirty="0" smtClean="0"/>
-              <a:t>0,05 </a:t>
+              <a:t>50,05 </a:t>
             </a:r>
             <a:r>
               <a:rPr lang="en-US" sz="800" b="1" dirty="0"/>
@@ -10009,11 +9897,7 @@
           <a:p>
             <a:r>
               <a:rPr lang="en-US" sz="1000" b="1" dirty="0" smtClean="0"/>
-              <a:t>64</a:t>
-            </a:r>
-            <a:r>
-              <a:rPr lang="en-US" sz="1000" b="1" dirty="0" smtClean="0"/>
-              <a:t>,79 </a:t>
+              <a:t>64,79 </a:t>
             </a:r>
             <a:r>
               <a:rPr lang="en-US" sz="1000" b="1" dirty="0"/>
@@ -10145,11 +10029,7 @@
           <a:p>
             <a:r>
               <a:rPr lang="en-US" sz="1000" b="1" dirty="0" smtClean="0"/>
-              <a:t>32</a:t>
-            </a:r>
-            <a:r>
-              <a:rPr lang="en-US" sz="1000" b="1" dirty="0" smtClean="0"/>
-              <a:t>,12 </a:t>
+              <a:t>32,12 </a:t>
             </a:r>
             <a:r>
               <a:rPr lang="en-US" sz="1000" b="1" dirty="0"/>
@@ -10182,11 +10062,7 @@
           <a:p>
             <a:r>
               <a:rPr lang="en-US" sz="1000" b="1" dirty="0" smtClean="0"/>
-              <a:t>33</a:t>
-            </a:r>
-            <a:r>
-              <a:rPr lang="en-US" sz="1000" b="1" dirty="0" smtClean="0"/>
-              <a:t>,29 </a:t>
+              <a:t>33,29 </a:t>
             </a:r>
             <a:r>
               <a:rPr lang="en-US" sz="1000" b="1" dirty="0"/>
@@ -10219,11 +10095,7 @@
           <a:p>
             <a:r>
               <a:rPr lang="en-US" sz="1000" b="1" dirty="0" smtClean="0"/>
-              <a:t>31</a:t>
-            </a:r>
-            <a:r>
-              <a:rPr lang="en-US" sz="1000" b="1" dirty="0" smtClean="0"/>
-              <a:t> </a:t>
+              <a:t>31 </a:t>
             </a:r>
             <a:r>
               <a:rPr lang="en-US" sz="1000" b="1" dirty="0"/>
@@ -10256,11 +10128,7 @@
           <a:p>
             <a:r>
               <a:rPr lang="en-US" sz="1000" b="1" dirty="0" smtClean="0"/>
-              <a:t>32,82</a:t>
-            </a:r>
-            <a:r>
-              <a:rPr lang="en-US" sz="1000" b="1" dirty="0" smtClean="0"/>
-              <a:t> </a:t>
+              <a:t>32,82 </a:t>
             </a:r>
             <a:r>
               <a:rPr lang="en-US" sz="1000" b="1" dirty="0"/>
@@ -10273,6 +10141,148 @@
     <p:extLst>
       <p:ext uri="{BB962C8B-B14F-4D97-AF65-F5344CB8AC3E}">
         <p14:creationId xmlns:p14="http://schemas.microsoft.com/office/powerpoint/2010/main" val="3726518046"/>
+      </p:ext>
+    </p:extLst>
+  </p:cSld>
+  <p:clrMapOvr>
+    <a:masterClrMapping/>
+  </p:clrMapOvr>
+</p:sld>
+</file>
+
+<file path=ppt/slides/slide2.xml><?xml version="1.0" encoding="utf-8"?>
+<p:sld xmlns:a="http://schemas.openxmlformats.org/drawingml/2006/main" xmlns:r="http://schemas.openxmlformats.org/officeDocument/2006/relationships" xmlns:p="http://schemas.openxmlformats.org/presentationml/2006/main">
+  <p:cSld>
+    <p:spTree>
+      <p:nvGrpSpPr>
+        <p:cNvPr id="1" name=""/>
+        <p:cNvGrpSpPr/>
+        <p:nvPr/>
+      </p:nvGrpSpPr>
+      <p:grpSpPr>
+        <a:xfrm>
+          <a:off x="0" y="0"/>
+          <a:ext cx="0" cy="0"/>
+          <a:chOff x="0" y="0"/>
+          <a:chExt cx="0" cy="0"/>
+        </a:xfrm>
+      </p:grpSpPr>
+      <p:sp>
+        <p:nvSpPr>
+          <p:cNvPr id="4" name="Oval 3"/>
+          <p:cNvSpPr/>
+          <p:nvPr/>
+        </p:nvSpPr>
+        <p:spPr>
+          <a:xfrm>
+            <a:off x="5967984" y="118872"/>
+            <a:ext cx="256032" cy="237744"/>
+          </a:xfrm>
+          <a:prstGeom prst="ellipse">
+            <a:avLst/>
+          </a:prstGeom>
+          <a:solidFill>
+            <a:schemeClr val="tx1"/>
+          </a:solidFill>
+        </p:spPr>
+        <p:style>
+          <a:lnRef idx="2">
+            <a:schemeClr val="accent1">
+              <a:shade val="50000"/>
+            </a:schemeClr>
+          </a:lnRef>
+          <a:fillRef idx="1">
+            <a:schemeClr val="accent1"/>
+          </a:fillRef>
+          <a:effectRef idx="0">
+            <a:schemeClr val="accent1"/>
+          </a:effectRef>
+          <a:fontRef idx="minor">
+            <a:schemeClr val="lt1"/>
+          </a:fontRef>
+        </p:style>
+        <p:txBody>
+          <a:bodyPr rtlCol="0" anchor="ctr"/>
+          <a:lstStyle/>
+          <a:p>
+            <a:pPr algn="ctr"/>
+            <a:endParaRPr lang="en-US"/>
+          </a:p>
+        </p:txBody>
+      </p:sp>
+      <p:sp>
+        <p:nvSpPr>
+          <p:cNvPr id="8" name="TextBox 7"/>
+          <p:cNvSpPr txBox="1"/>
+          <p:nvPr/>
+        </p:nvSpPr>
+        <p:spPr>
+          <a:xfrm>
+            <a:off x="5012436" y="640081"/>
+            <a:ext cx="2167128" cy="1197864"/>
+          </a:xfrm>
+          <a:prstGeom prst="rect">
+            <a:avLst/>
+          </a:prstGeom>
+        </p:spPr>
+        <p:style>
+          <a:lnRef idx="2">
+            <a:schemeClr val="accent1"/>
+          </a:lnRef>
+          <a:fillRef idx="1">
+            <a:schemeClr val="lt1"/>
+          </a:fillRef>
+          <a:effectRef idx="0">
+            <a:schemeClr val="accent1"/>
+          </a:effectRef>
+          <a:fontRef idx="minor">
+            <a:schemeClr val="dk1"/>
+          </a:fontRef>
+        </p:style>
+        <p:txBody>
+          <a:bodyPr wrap="square" rtlCol="0">
+            <a:spAutoFit/>
+          </a:bodyPr>
+          <a:lstStyle/>
+          <a:p>
+            <a:r>
+              <a:rPr lang="en-US" dirty="0" smtClean="0"/>
+              <a:t>T = V</a:t>
+            </a:r>
+          </a:p>
+          <a:p>
+            <a:r>
+              <a:rPr lang="en-US" dirty="0" smtClean="0"/>
+              <a:t>Length = 0</a:t>
+            </a:r>
+          </a:p>
+          <a:p>
+            <a:r>
+              <a:rPr lang="en-US" dirty="0" smtClean="0"/>
+              <a:t>Length[k] = INFINITY</a:t>
+            </a:r>
+          </a:p>
+          <a:p>
+            <a:r>
+              <a:rPr lang="en-US" dirty="0" smtClean="0"/>
+              <a:t>Last[k</a:t>
+            </a:r>
+            <a:r>
+              <a:rPr lang="en-US" dirty="0"/>
+              <a:t>] = </a:t>
+            </a:r>
+            <a:r>
+              <a:rPr lang="en-US" dirty="0" smtClean="0"/>
+              <a:t>-1</a:t>
+            </a:r>
+            <a:endParaRPr lang="en-US" dirty="0"/>
+          </a:p>
+        </p:txBody>
+      </p:sp>
+    </p:spTree>
+    <p:extLst>
+      <p:ext uri="{BB962C8B-B14F-4D97-AF65-F5344CB8AC3E}">
+        <p14:creationId xmlns:p14="http://schemas.microsoft.com/office/powerpoint/2010/main" val="2545376805"/>
       </p:ext>
     </p:extLst>
   </p:cSld>
